--- a/slides/Portfolio01_Slides.pptx
+++ b/slides/Portfolio01_Slides.pptx
@@ -2,7 +2,7 @@
 <file path=ppt/presentation.xml><?xml version="1.0" encoding="utf-8"?>
 <p:presentation xmlns:a="http://schemas.openxmlformats.org/drawingml/2006/main" xmlns:r="http://schemas.openxmlformats.org/officeDocument/2006/relationships" xmlns:p="http://schemas.openxmlformats.org/presentationml/2006/main" saveSubsetFonts="1">
   <p:sldMasterIdLst>
-    <p:sldMasterId id="2147483648" r:id="rId1"/>
+    <p:sldMasterId id="2147483689" r:id="rId1"/>
   </p:sldMasterIdLst>
   <p:notesMasterIdLst>
     <p:notesMasterId r:id="rId15"/>
@@ -13,8 +13,8 @@
     <p:sldId id="259" r:id="rId4"/>
     <p:sldId id="261" r:id="rId5"/>
     <p:sldId id="262" r:id="rId6"/>
-    <p:sldId id="265" r:id="rId7"/>
-    <p:sldId id="264" r:id="rId8"/>
+    <p:sldId id="264" r:id="rId7"/>
+    <p:sldId id="273" r:id="rId8"/>
     <p:sldId id="267" r:id="rId9"/>
     <p:sldId id="268" r:id="rId10"/>
     <p:sldId id="269" r:id="rId11"/>
@@ -119,6 +119,11 @@
       </a:defRPr>
     </a:lvl9pPr>
   </p:defaultTextStyle>
+  <p:extLst>
+    <p:ext uri="{EFAFB233-063F-42B5-8137-9DF3F51BA10A}">
+      <p15:sldGuideLst xmlns:p15="http://schemas.microsoft.com/office/powerpoint/2012/main"/>
+    </p:ext>
+  </p:extLst>
 </p:presentation>
 </file>
 
@@ -204,7 +209,7 @@
           <a:p>
             <a:fld id="{AA8CB6A2-A5B3-4899-A434-641E1099C74E}" type="datetimeFigureOut">
               <a:rPr lang="de-DE" smtClean="0"/>
-              <a:t>31.05.2023</a:t>
+              <a:t>02.06.2023</a:t>
             </a:fld>
             <a:endParaRPr lang="de-DE"/>
           </a:p>
@@ -990,7 +995,7 @@
 </file>
 
 <file path=ppt/slideLayouts/slideLayout1.xml><?xml version="1.0" encoding="utf-8"?>
-<p:sldLayout xmlns:a="http://schemas.openxmlformats.org/drawingml/2006/main" xmlns:r="http://schemas.openxmlformats.org/officeDocument/2006/relationships" xmlns:p="http://schemas.openxmlformats.org/presentationml/2006/main" type="title" preserve="1">
+<p:sldLayout xmlns:a="http://schemas.openxmlformats.org/drawingml/2006/main" xmlns:r="http://schemas.openxmlformats.org/officeDocument/2006/relationships" xmlns:p="http://schemas.openxmlformats.org/presentationml/2006/main" showMasterSp="0" type="title" preserve="1">
   <p:cSld name="Titelfolie">
     <p:spTree>
       <p:nvGrpSpPr>
@@ -1008,50 +1013,127 @@
       </p:grpSpPr>
       <p:sp>
         <p:nvSpPr>
-          <p:cNvPr id="2" name="Titel 1">
-            <a:extLst>
-              <a:ext uri="{FF2B5EF4-FFF2-40B4-BE49-F238E27FC236}">
-                <a16:creationId xmlns:a16="http://schemas.microsoft.com/office/drawing/2014/main" id="{BE11CB0B-38D4-2A15-5E44-531623D73B19}"/>
-              </a:ext>
-            </a:extLst>
-          </p:cNvPr>
-          <p:cNvSpPr>
-            <a:spLocks noGrp="1"/>
-          </p:cNvSpPr>
-          <p:nvPr>
-            <p:ph type="ctrTitle"/>
-          </p:nvPr>
+          <p:cNvPr id="7" name="Rectangle 6"/>
+          <p:cNvSpPr/>
+          <p:nvPr/>
         </p:nvSpPr>
         <p:spPr>
           <a:xfrm>
-            <a:off x="1524000" y="1122363"/>
-            <a:ext cx="9144000" cy="2387600"/>
+            <a:off x="1" y="6400800"/>
+            <a:ext cx="12192000" cy="457200"/>
+          </a:xfrm>
+          <a:prstGeom prst="rect">
+            <a:avLst/>
+          </a:prstGeom>
+          <a:solidFill>
+            <a:schemeClr val="accent2"/>
+          </a:solidFill>
+          <a:ln>
+            <a:noFill/>
+          </a:ln>
+        </p:spPr>
+        <p:style>
+          <a:lnRef idx="2">
+            <a:schemeClr val="accent1">
+              <a:shade val="50000"/>
+            </a:schemeClr>
+          </a:lnRef>
+          <a:fillRef idx="1">
+            <a:schemeClr val="accent1"/>
+          </a:fillRef>
+          <a:effectRef idx="0">
+            <a:schemeClr val="accent1"/>
+          </a:effectRef>
+          <a:fontRef idx="minor">
+            <a:schemeClr val="lt1"/>
+          </a:fontRef>
+        </p:style>
+      </p:sp>
+      <p:sp>
+        <p:nvSpPr>
+          <p:cNvPr id="8" name="Rectangle 7"/>
+          <p:cNvSpPr/>
+          <p:nvPr/>
+        </p:nvSpPr>
+        <p:spPr>
+          <a:xfrm>
+            <a:off x="1" y="6334316"/>
+            <a:ext cx="12192000" cy="66484"/>
+          </a:xfrm>
+          <a:prstGeom prst="rect">
+            <a:avLst/>
+          </a:prstGeom>
+          <a:solidFill>
+            <a:schemeClr val="accent1"/>
+          </a:solidFill>
+          <a:ln>
+            <a:noFill/>
+          </a:ln>
+        </p:spPr>
+        <p:style>
+          <a:lnRef idx="2">
+            <a:schemeClr val="accent1">
+              <a:shade val="50000"/>
+            </a:schemeClr>
+          </a:lnRef>
+          <a:fillRef idx="1">
+            <a:schemeClr val="accent1"/>
+          </a:fillRef>
+          <a:effectRef idx="0">
+            <a:schemeClr val="accent1"/>
+          </a:effectRef>
+          <a:fontRef idx="minor">
+            <a:schemeClr val="lt1"/>
+          </a:fontRef>
+        </p:style>
+      </p:sp>
+      <p:sp>
+        <p:nvSpPr>
+          <p:cNvPr id="2" name="Title 1"/>
+          <p:cNvSpPr>
+            <a:spLocks noGrp="1"/>
+          </p:cNvSpPr>
+          <p:nvPr>
+            <p:ph type="ctrTitle"/>
+          </p:nvPr>
+        </p:nvSpPr>
+        <p:spPr>
+          <a:xfrm>
+            <a:off x="1097280" y="758952"/>
+            <a:ext cx="10058400" cy="3566160"/>
           </a:xfrm>
         </p:spPr>
         <p:txBody>
-          <a:bodyPr anchor="b"/>
+          <a:bodyPr anchor="b">
+            <a:normAutofit/>
+          </a:bodyPr>
           <a:lstStyle>
-            <a:lvl1pPr algn="ctr">
-              <a:defRPr sz="6000"/>
+            <a:lvl1pPr algn="l">
+              <a:lnSpc>
+                <a:spcPct val="85000"/>
+              </a:lnSpc>
+              <a:defRPr sz="8000" spc="-50" baseline="0">
+                <a:solidFill>
+                  <a:schemeClr val="tx1">
+                    <a:lumMod val="85000"/>
+                    <a:lumOff val="15000"/>
+                  </a:schemeClr>
+                </a:solidFill>
+              </a:defRPr>
             </a:lvl1pPr>
           </a:lstStyle>
           <a:p>
             <a:r>
-              <a:rPr lang="de-DE"/>
-              <a:t>Mastertitelformat bearbeiten</a:t>
-            </a:r>
-          </a:p>
-        </p:txBody>
-      </p:sp>
-      <p:sp>
-        <p:nvSpPr>
-          <p:cNvPr id="3" name="Untertitel 2">
-            <a:extLst>
-              <a:ext uri="{FF2B5EF4-FFF2-40B4-BE49-F238E27FC236}">
-                <a16:creationId xmlns:a16="http://schemas.microsoft.com/office/drawing/2014/main" id="{9CF70A46-87AF-238C-D3D9-862126D5C31E}"/>
-              </a:ext>
-            </a:extLst>
-          </p:cNvPr>
+              <a:rPr lang="de-DE" smtClean="0"/>
+              <a:t>Titelmasterformat durch Klicken bearbeiten</a:t>
+            </a:r>
+            <a:endParaRPr lang="en-US" dirty="0"/>
+          </a:p>
+        </p:txBody>
+      </p:sp>
+      <p:sp>
+        <p:nvSpPr>
+          <p:cNvPr id="3" name="Subtitle 2"/>
           <p:cNvSpPr>
             <a:spLocks noGrp="1"/>
           </p:cNvSpPr>
@@ -1061,67 +1143,69 @@
         </p:nvSpPr>
         <p:spPr>
           <a:xfrm>
-            <a:off x="1524000" y="3602038"/>
-            <a:ext cx="9144000" cy="1655762"/>
+            <a:off x="1100051" y="4455621"/>
+            <a:ext cx="10058400" cy="1143000"/>
           </a:xfrm>
         </p:spPr>
         <p:txBody>
-          <a:bodyPr/>
+          <a:bodyPr lIns="91440" rIns="91440">
+            <a:normAutofit/>
+          </a:bodyPr>
           <a:lstStyle>
-            <a:lvl1pPr marL="0" indent="0" algn="ctr">
+            <a:lvl1pPr marL="0" indent="0" algn="l">
               <a:buNone/>
-              <a:defRPr sz="2400"/>
+              <a:defRPr sz="2400" cap="all" spc="200" baseline="0">
+                <a:solidFill>
+                  <a:schemeClr val="tx2"/>
+                </a:solidFill>
+                <a:latin typeface="+mj-lt"/>
+              </a:defRPr>
             </a:lvl1pPr>
             <a:lvl2pPr marL="457200" indent="0" algn="ctr">
               <a:buNone/>
-              <a:defRPr sz="2000"/>
+              <a:defRPr sz="2400"/>
             </a:lvl2pPr>
             <a:lvl3pPr marL="914400" indent="0" algn="ctr">
               <a:buNone/>
-              <a:defRPr sz="1800"/>
+              <a:defRPr sz="2400"/>
             </a:lvl3pPr>
             <a:lvl4pPr marL="1371600" indent="0" algn="ctr">
               <a:buNone/>
-              <a:defRPr sz="1600"/>
+              <a:defRPr sz="2000"/>
             </a:lvl4pPr>
             <a:lvl5pPr marL="1828800" indent="0" algn="ctr">
               <a:buNone/>
-              <a:defRPr sz="1600"/>
+              <a:defRPr sz="2000"/>
             </a:lvl5pPr>
             <a:lvl6pPr marL="2286000" indent="0" algn="ctr">
               <a:buNone/>
-              <a:defRPr sz="1600"/>
+              <a:defRPr sz="2000"/>
             </a:lvl6pPr>
             <a:lvl7pPr marL="2743200" indent="0" algn="ctr">
               <a:buNone/>
-              <a:defRPr sz="1600"/>
+              <a:defRPr sz="2000"/>
             </a:lvl7pPr>
             <a:lvl8pPr marL="3200400" indent="0" algn="ctr">
               <a:buNone/>
-              <a:defRPr sz="1600"/>
+              <a:defRPr sz="2000"/>
             </a:lvl8pPr>
             <a:lvl9pPr marL="3657600" indent="0" algn="ctr">
               <a:buNone/>
-              <a:defRPr sz="1600"/>
+              <a:defRPr sz="2000"/>
             </a:lvl9pPr>
           </a:lstStyle>
           <a:p>
             <a:r>
-              <a:rPr lang="de-DE"/>
-              <a:t>Master-Untertitelformat bearbeiten</a:t>
-            </a:r>
-          </a:p>
-        </p:txBody>
-      </p:sp>
-      <p:sp>
-        <p:nvSpPr>
-          <p:cNvPr id="4" name="Datumsplatzhalter 3">
-            <a:extLst>
-              <a:ext uri="{FF2B5EF4-FFF2-40B4-BE49-F238E27FC236}">
-                <a16:creationId xmlns:a16="http://schemas.microsoft.com/office/drawing/2014/main" id="{1BB66461-A5B6-D422-FAE3-FF40A161AD9C}"/>
-              </a:ext>
-            </a:extLst>
-          </p:cNvPr>
+              <a:rPr lang="de-DE" smtClean="0"/>
+              <a:t>Formatvorlage des Untertitelmasters durch Klicken bearbeiten</a:t>
+            </a:r>
+            <a:endParaRPr lang="en-US" dirty="0"/>
+          </a:p>
+        </p:txBody>
+      </p:sp>
+      <p:sp>
+        <p:nvSpPr>
+          <p:cNvPr id="4" name="Date Placeholder 3"/>
           <p:cNvSpPr>
             <a:spLocks noGrp="1"/>
           </p:cNvSpPr>
@@ -1136,7 +1220,7 @@
           <a:p>
             <a:fld id="{C4141A18-4352-4597-AFD8-BECC62423707}" type="datetimeFigureOut">
               <a:rPr lang="de-DE" smtClean="0"/>
-              <a:t>31.05.2023</a:t>
+              <a:t>02.06.2023</a:t>
             </a:fld>
             <a:endParaRPr lang="de-DE"/>
           </a:p>
@@ -1144,13 +1228,7 @@
       </p:sp>
       <p:sp>
         <p:nvSpPr>
-          <p:cNvPr id="5" name="Fußzeilenplatzhalter 4">
-            <a:extLst>
-              <a:ext uri="{FF2B5EF4-FFF2-40B4-BE49-F238E27FC236}">
-                <a16:creationId xmlns:a16="http://schemas.microsoft.com/office/drawing/2014/main" id="{E8047D85-17A5-3054-A63E-31D66E0941AB}"/>
-              </a:ext>
-            </a:extLst>
-          </p:cNvPr>
+          <p:cNvPr id="5" name="Footer Placeholder 4"/>
           <p:cNvSpPr>
             <a:spLocks noGrp="1"/>
           </p:cNvSpPr>
@@ -1169,13 +1247,7 @@
       </p:sp>
       <p:sp>
         <p:nvSpPr>
-          <p:cNvPr id="6" name="Foliennummernplatzhalter 5">
-            <a:extLst>
-              <a:ext uri="{FF2B5EF4-FFF2-40B4-BE49-F238E27FC236}">
-                <a16:creationId xmlns:a16="http://schemas.microsoft.com/office/drawing/2014/main" id="{54233605-071B-24B2-8E1B-1F3BC095B795}"/>
-              </a:ext>
-            </a:extLst>
-          </p:cNvPr>
+          <p:cNvPr id="6" name="Slide Number Placeholder 5"/>
           <p:cNvSpPr>
             <a:spLocks noGrp="1"/>
           </p:cNvSpPr>
@@ -1196,10 +1268,48 @@
           </a:p>
         </p:txBody>
       </p:sp>
+      <p:cxnSp>
+        <p:nvCxnSpPr>
+          <p:cNvPr id="9" name="Straight Connector 8"/>
+          <p:cNvCxnSpPr/>
+          <p:nvPr/>
+        </p:nvCxnSpPr>
+        <p:spPr>
+          <a:xfrm>
+            <a:off x="1207658" y="4343400"/>
+            <a:ext cx="9875520" cy="0"/>
+          </a:xfrm>
+          <a:prstGeom prst="line">
+            <a:avLst/>
+          </a:prstGeom>
+          <a:ln w="6350">
+            <a:solidFill>
+              <a:schemeClr val="tx1">
+                <a:lumMod val="50000"/>
+                <a:lumOff val="50000"/>
+              </a:schemeClr>
+            </a:solidFill>
+          </a:ln>
+        </p:spPr>
+        <p:style>
+          <a:lnRef idx="1">
+            <a:schemeClr val="accent1"/>
+          </a:lnRef>
+          <a:fillRef idx="0">
+            <a:schemeClr val="accent1"/>
+          </a:fillRef>
+          <a:effectRef idx="0">
+            <a:schemeClr val="accent1"/>
+          </a:effectRef>
+          <a:fontRef idx="minor">
+            <a:schemeClr val="tx1"/>
+          </a:fontRef>
+        </p:style>
+      </p:cxnSp>
     </p:spTree>
     <p:extLst>
       <p:ext uri="{BB962C8B-B14F-4D97-AF65-F5344CB8AC3E}">
-        <p14:creationId xmlns:p14="http://schemas.microsoft.com/office/powerpoint/2010/main" val="3727200895"/>
+        <p14:creationId xmlns:p14="http://schemas.microsoft.com/office/powerpoint/2010/main" val="452761749"/>
       </p:ext>
     </p:extLst>
   </p:cSld>
@@ -1228,13 +1338,7 @@
       </p:grpSpPr>
       <p:sp>
         <p:nvSpPr>
-          <p:cNvPr id="2" name="Titel 1">
-            <a:extLst>
-              <a:ext uri="{FF2B5EF4-FFF2-40B4-BE49-F238E27FC236}">
-                <a16:creationId xmlns:a16="http://schemas.microsoft.com/office/drawing/2014/main" id="{2B5DAE55-2092-8FA0-E3F6-28B875DFC970}"/>
-              </a:ext>
-            </a:extLst>
-          </p:cNvPr>
+          <p:cNvPr id="2" name="Title 1"/>
           <p:cNvSpPr>
             <a:spLocks noGrp="1"/>
           </p:cNvSpPr>
@@ -1248,21 +1352,16 @@
           <a:lstStyle/>
           <a:p>
             <a:r>
-              <a:rPr lang="de-DE"/>
-              <a:t>Mastertitelformat bearbeiten</a:t>
-            </a:r>
-          </a:p>
-        </p:txBody>
-      </p:sp>
-      <p:sp>
-        <p:nvSpPr>
-          <p:cNvPr id="3" name="Vertikaler Textplatzhalter 2">
-            <a:extLst>
-              <a:ext uri="{FF2B5EF4-FFF2-40B4-BE49-F238E27FC236}">
-                <a16:creationId xmlns:a16="http://schemas.microsoft.com/office/drawing/2014/main" id="{539CEC13-5505-E773-CD71-B50708FA973E}"/>
-              </a:ext>
-            </a:extLst>
-          </p:cNvPr>
+              <a:rPr lang="de-DE" smtClean="0"/>
+              <a:t>Titelmasterformat durch Klicken bearbeiten</a:t>
+            </a:r>
+            <a:endParaRPr lang="en-US" dirty="0"/>
+          </a:p>
+        </p:txBody>
+      </p:sp>
+      <p:sp>
+        <p:nvSpPr>
+          <p:cNvPr id="3" name="Vertical Text Placeholder 2"/>
           <p:cNvSpPr>
             <a:spLocks noGrp="1"/>
           </p:cNvSpPr>
@@ -1272,54 +1371,49 @@
         </p:nvSpPr>
         <p:spPr/>
         <p:txBody>
-          <a:bodyPr vert="eaVert"/>
+          <a:bodyPr vert="eaVert" lIns="45720" tIns="0" rIns="45720" bIns="0"/>
           <a:lstStyle/>
           <a:p>
             <a:pPr lvl="0"/>
             <a:r>
-              <a:rPr lang="de-DE"/>
-              <a:t>Mastertextformat bearbeiten</a:t>
+              <a:rPr lang="de-DE" smtClean="0"/>
+              <a:t>Textmasterformat bearbeiten</a:t>
             </a:r>
           </a:p>
           <a:p>
             <a:pPr lvl="1"/>
             <a:r>
-              <a:rPr lang="de-DE"/>
+              <a:rPr lang="de-DE" smtClean="0"/>
               <a:t>Zweite Ebene</a:t>
             </a:r>
           </a:p>
           <a:p>
             <a:pPr lvl="2"/>
             <a:r>
-              <a:rPr lang="de-DE"/>
+              <a:rPr lang="de-DE" smtClean="0"/>
               <a:t>Dritte Ebene</a:t>
             </a:r>
           </a:p>
           <a:p>
             <a:pPr lvl="3"/>
             <a:r>
-              <a:rPr lang="de-DE"/>
+              <a:rPr lang="de-DE" smtClean="0"/>
               <a:t>Vierte Ebene</a:t>
             </a:r>
           </a:p>
           <a:p>
             <a:pPr lvl="4"/>
             <a:r>
-              <a:rPr lang="de-DE"/>
+              <a:rPr lang="de-DE" smtClean="0"/>
               <a:t>Fünfte Ebene</a:t>
             </a:r>
-          </a:p>
-        </p:txBody>
-      </p:sp>
-      <p:sp>
-        <p:nvSpPr>
-          <p:cNvPr id="4" name="Datumsplatzhalter 3">
-            <a:extLst>
-              <a:ext uri="{FF2B5EF4-FFF2-40B4-BE49-F238E27FC236}">
-                <a16:creationId xmlns:a16="http://schemas.microsoft.com/office/drawing/2014/main" id="{9971E535-F317-BD40-2CD3-E3705C3D1461}"/>
-              </a:ext>
-            </a:extLst>
-          </p:cNvPr>
+            <a:endParaRPr lang="en-US" dirty="0"/>
+          </a:p>
+        </p:txBody>
+      </p:sp>
+      <p:sp>
+        <p:nvSpPr>
+          <p:cNvPr id="4" name="Date Placeholder 3"/>
           <p:cNvSpPr>
             <a:spLocks noGrp="1"/>
           </p:cNvSpPr>
@@ -1334,7 +1428,7 @@
           <a:p>
             <a:fld id="{C4141A18-4352-4597-AFD8-BECC62423707}" type="datetimeFigureOut">
               <a:rPr lang="de-DE" smtClean="0"/>
-              <a:t>31.05.2023</a:t>
+              <a:t>02.06.2023</a:t>
             </a:fld>
             <a:endParaRPr lang="de-DE"/>
           </a:p>
@@ -1342,13 +1436,7 @@
       </p:sp>
       <p:sp>
         <p:nvSpPr>
-          <p:cNvPr id="5" name="Fußzeilenplatzhalter 4">
-            <a:extLst>
-              <a:ext uri="{FF2B5EF4-FFF2-40B4-BE49-F238E27FC236}">
-                <a16:creationId xmlns:a16="http://schemas.microsoft.com/office/drawing/2014/main" id="{08768ADF-6518-774F-228E-34FEBBA515CC}"/>
-              </a:ext>
-            </a:extLst>
-          </p:cNvPr>
+          <p:cNvPr id="5" name="Footer Placeholder 4"/>
           <p:cNvSpPr>
             <a:spLocks noGrp="1"/>
           </p:cNvSpPr>
@@ -1367,13 +1455,7 @@
       </p:sp>
       <p:sp>
         <p:nvSpPr>
-          <p:cNvPr id="6" name="Foliennummernplatzhalter 5">
-            <a:extLst>
-              <a:ext uri="{FF2B5EF4-FFF2-40B4-BE49-F238E27FC236}">
-                <a16:creationId xmlns:a16="http://schemas.microsoft.com/office/drawing/2014/main" id="{26D7AD18-9F7A-8A83-44BC-5D638EF6EA5B}"/>
-              </a:ext>
-            </a:extLst>
-          </p:cNvPr>
+          <p:cNvPr id="6" name="Slide Number Placeholder 5"/>
           <p:cNvSpPr>
             <a:spLocks noGrp="1"/>
           </p:cNvSpPr>
@@ -1397,7 +1479,7 @@
     </p:spTree>
     <p:extLst>
       <p:ext uri="{BB962C8B-B14F-4D97-AF65-F5344CB8AC3E}">
-        <p14:creationId xmlns:p14="http://schemas.microsoft.com/office/powerpoint/2010/main" val="633063106"/>
+        <p14:creationId xmlns:p14="http://schemas.microsoft.com/office/powerpoint/2010/main" val="2149505512"/>
       </p:ext>
     </p:extLst>
   </p:cSld>
@@ -1408,7 +1490,7 @@
 </file>
 
 <file path=ppt/slideLayouts/slideLayout11.xml><?xml version="1.0" encoding="utf-8"?>
-<p:sldLayout xmlns:a="http://schemas.openxmlformats.org/drawingml/2006/main" xmlns:r="http://schemas.openxmlformats.org/officeDocument/2006/relationships" xmlns:p="http://schemas.openxmlformats.org/presentationml/2006/main" type="vertTitleAndTx" preserve="1">
+<p:sldLayout xmlns:a="http://schemas.openxmlformats.org/drawingml/2006/main" xmlns:r="http://schemas.openxmlformats.org/officeDocument/2006/relationships" xmlns:p="http://schemas.openxmlformats.org/presentationml/2006/main" showMasterSp="0" type="vertTitleAndTx" preserve="1">
   <p:cSld name="Vertikaler Titel und Text">
     <p:spTree>
       <p:nvGrpSpPr>
@@ -1426,24 +1508,94 @@
       </p:grpSpPr>
       <p:sp>
         <p:nvSpPr>
-          <p:cNvPr id="2" name="Vertikaler Titel 1">
-            <a:extLst>
-              <a:ext uri="{FF2B5EF4-FFF2-40B4-BE49-F238E27FC236}">
-                <a16:creationId xmlns:a16="http://schemas.microsoft.com/office/drawing/2014/main" id="{6F362CF0-9F66-5DFD-5CE7-F4C75DA09211}"/>
-              </a:ext>
-            </a:extLst>
-          </p:cNvPr>
-          <p:cNvSpPr>
-            <a:spLocks noGrp="1"/>
-          </p:cNvSpPr>
-          <p:nvPr>
-            <p:ph type="title" orient="vert"/>
-          </p:nvPr>
+          <p:cNvPr id="7" name="Rectangle 6"/>
+          <p:cNvSpPr/>
+          <p:nvPr/>
         </p:nvSpPr>
         <p:spPr>
           <a:xfrm>
-            <a:off x="8724900" y="365125"/>
-            <a:ext cx="2628900" cy="5811838"/>
+            <a:off x="3175" y="6400800"/>
+            <a:ext cx="12188825" cy="457200"/>
+          </a:xfrm>
+          <a:prstGeom prst="rect">
+            <a:avLst/>
+          </a:prstGeom>
+          <a:solidFill>
+            <a:schemeClr val="accent2"/>
+          </a:solidFill>
+          <a:ln>
+            <a:noFill/>
+          </a:ln>
+        </p:spPr>
+        <p:style>
+          <a:lnRef idx="2">
+            <a:schemeClr val="accent1">
+              <a:shade val="50000"/>
+            </a:schemeClr>
+          </a:lnRef>
+          <a:fillRef idx="1">
+            <a:schemeClr val="accent1"/>
+          </a:fillRef>
+          <a:effectRef idx="0">
+            <a:schemeClr val="accent1"/>
+          </a:effectRef>
+          <a:fontRef idx="minor">
+            <a:schemeClr val="lt1"/>
+          </a:fontRef>
+        </p:style>
+      </p:sp>
+      <p:sp>
+        <p:nvSpPr>
+          <p:cNvPr id="8" name="Rectangle 7"/>
+          <p:cNvSpPr/>
+          <p:nvPr/>
+        </p:nvSpPr>
+        <p:spPr>
+          <a:xfrm>
+            <a:off x="15" y="6334316"/>
+            <a:ext cx="12188825" cy="64008"/>
+          </a:xfrm>
+          <a:prstGeom prst="rect">
+            <a:avLst/>
+          </a:prstGeom>
+          <a:solidFill>
+            <a:schemeClr val="accent1"/>
+          </a:solidFill>
+          <a:ln>
+            <a:noFill/>
+          </a:ln>
+        </p:spPr>
+        <p:style>
+          <a:lnRef idx="2">
+            <a:schemeClr val="accent1">
+              <a:shade val="50000"/>
+            </a:schemeClr>
+          </a:lnRef>
+          <a:fillRef idx="1">
+            <a:schemeClr val="accent1"/>
+          </a:fillRef>
+          <a:effectRef idx="0">
+            <a:schemeClr val="accent1"/>
+          </a:effectRef>
+          <a:fontRef idx="minor">
+            <a:schemeClr val="lt1"/>
+          </a:fontRef>
+        </p:style>
+      </p:sp>
+      <p:sp>
+        <p:nvSpPr>
+          <p:cNvPr id="2" name="Vertical Title 1"/>
+          <p:cNvSpPr>
+            <a:spLocks noGrp="1"/>
+          </p:cNvSpPr>
+          <p:nvPr>
+            <p:ph type="title" orient="vert"/>
+          </p:nvPr>
+        </p:nvSpPr>
+        <p:spPr>
+          <a:xfrm>
+            <a:off x="8724900" y="412302"/>
+            <a:ext cx="2628900" cy="5759898"/>
           </a:xfrm>
         </p:spPr>
         <p:txBody>
@@ -1451,21 +1603,16 @@
           <a:lstStyle/>
           <a:p>
             <a:r>
-              <a:rPr lang="de-DE"/>
-              <a:t>Mastertitelformat bearbeiten</a:t>
-            </a:r>
-          </a:p>
-        </p:txBody>
-      </p:sp>
-      <p:sp>
-        <p:nvSpPr>
-          <p:cNvPr id="3" name="Vertikaler Textplatzhalter 2">
-            <a:extLst>
-              <a:ext uri="{FF2B5EF4-FFF2-40B4-BE49-F238E27FC236}">
-                <a16:creationId xmlns:a16="http://schemas.microsoft.com/office/drawing/2014/main" id="{5ECD7005-93E2-5769-4E48-80278743021B}"/>
-              </a:ext>
-            </a:extLst>
-          </p:cNvPr>
+              <a:rPr lang="de-DE" smtClean="0"/>
+              <a:t>Titelmasterformat durch Klicken bearbeiten</a:t>
+            </a:r>
+            <a:endParaRPr lang="en-US" dirty="0"/>
+          </a:p>
+        </p:txBody>
+      </p:sp>
+      <p:sp>
+        <p:nvSpPr>
+          <p:cNvPr id="3" name="Vertical Text Placeholder 2"/>
           <p:cNvSpPr>
             <a:spLocks noGrp="1"/>
           </p:cNvSpPr>
@@ -1475,59 +1622,54 @@
         </p:nvSpPr>
         <p:spPr>
           <a:xfrm>
-            <a:off x="838200" y="365125"/>
-            <a:ext cx="7734300" cy="5811838"/>
+            <a:off x="838200" y="412302"/>
+            <a:ext cx="7734300" cy="5759898"/>
           </a:xfrm>
         </p:spPr>
         <p:txBody>
-          <a:bodyPr vert="eaVert"/>
+          <a:bodyPr vert="eaVert" lIns="45720" tIns="0" rIns="45720" bIns="0"/>
           <a:lstStyle/>
           <a:p>
             <a:pPr lvl="0"/>
             <a:r>
-              <a:rPr lang="de-DE"/>
-              <a:t>Mastertextformat bearbeiten</a:t>
+              <a:rPr lang="de-DE" smtClean="0"/>
+              <a:t>Textmasterformat bearbeiten</a:t>
             </a:r>
           </a:p>
           <a:p>
             <a:pPr lvl="1"/>
             <a:r>
-              <a:rPr lang="de-DE"/>
+              <a:rPr lang="de-DE" smtClean="0"/>
               <a:t>Zweite Ebene</a:t>
             </a:r>
           </a:p>
           <a:p>
             <a:pPr lvl="2"/>
             <a:r>
-              <a:rPr lang="de-DE"/>
+              <a:rPr lang="de-DE" smtClean="0"/>
               <a:t>Dritte Ebene</a:t>
             </a:r>
           </a:p>
           <a:p>
             <a:pPr lvl="3"/>
             <a:r>
-              <a:rPr lang="de-DE"/>
+              <a:rPr lang="de-DE" smtClean="0"/>
               <a:t>Vierte Ebene</a:t>
             </a:r>
           </a:p>
           <a:p>
             <a:pPr lvl="4"/>
             <a:r>
-              <a:rPr lang="de-DE"/>
+              <a:rPr lang="de-DE" smtClean="0"/>
               <a:t>Fünfte Ebene</a:t>
             </a:r>
-          </a:p>
-        </p:txBody>
-      </p:sp>
-      <p:sp>
-        <p:nvSpPr>
-          <p:cNvPr id="4" name="Datumsplatzhalter 3">
-            <a:extLst>
-              <a:ext uri="{FF2B5EF4-FFF2-40B4-BE49-F238E27FC236}">
-                <a16:creationId xmlns:a16="http://schemas.microsoft.com/office/drawing/2014/main" id="{8A7AEB98-8ACB-B2B8-08F4-CF99D49C4C86}"/>
-              </a:ext>
-            </a:extLst>
-          </p:cNvPr>
+            <a:endParaRPr lang="en-US" dirty="0"/>
+          </a:p>
+        </p:txBody>
+      </p:sp>
+      <p:sp>
+        <p:nvSpPr>
+          <p:cNvPr id="4" name="Date Placeholder 3"/>
           <p:cNvSpPr>
             <a:spLocks noGrp="1"/>
           </p:cNvSpPr>
@@ -1542,7 +1684,7 @@
           <a:p>
             <a:fld id="{C4141A18-4352-4597-AFD8-BECC62423707}" type="datetimeFigureOut">
               <a:rPr lang="de-DE" smtClean="0"/>
-              <a:t>31.05.2023</a:t>
+              <a:t>02.06.2023</a:t>
             </a:fld>
             <a:endParaRPr lang="de-DE"/>
           </a:p>
@@ -1550,13 +1692,7 @@
       </p:sp>
       <p:sp>
         <p:nvSpPr>
-          <p:cNvPr id="5" name="Fußzeilenplatzhalter 4">
-            <a:extLst>
-              <a:ext uri="{FF2B5EF4-FFF2-40B4-BE49-F238E27FC236}">
-                <a16:creationId xmlns:a16="http://schemas.microsoft.com/office/drawing/2014/main" id="{664D9C29-B371-48B6-75C8-8980E2836A37}"/>
-              </a:ext>
-            </a:extLst>
-          </p:cNvPr>
+          <p:cNvPr id="5" name="Footer Placeholder 4"/>
           <p:cNvSpPr>
             <a:spLocks noGrp="1"/>
           </p:cNvSpPr>
@@ -1575,13 +1711,7 @@
       </p:sp>
       <p:sp>
         <p:nvSpPr>
-          <p:cNvPr id="6" name="Foliennummernplatzhalter 5">
-            <a:extLst>
-              <a:ext uri="{FF2B5EF4-FFF2-40B4-BE49-F238E27FC236}">
-                <a16:creationId xmlns:a16="http://schemas.microsoft.com/office/drawing/2014/main" id="{E2346D38-BBA5-2AA8-45AB-BF3398DEF451}"/>
-              </a:ext>
-            </a:extLst>
-          </p:cNvPr>
+          <p:cNvPr id="6" name="Slide Number Placeholder 5"/>
           <p:cNvSpPr>
             <a:spLocks noGrp="1"/>
           </p:cNvSpPr>
@@ -1605,7 +1735,7 @@
     </p:spTree>
     <p:extLst>
       <p:ext uri="{BB962C8B-B14F-4D97-AF65-F5344CB8AC3E}">
-        <p14:creationId xmlns:p14="http://schemas.microsoft.com/office/powerpoint/2010/main" val="1390553988"/>
+        <p14:creationId xmlns:p14="http://schemas.microsoft.com/office/powerpoint/2010/main" val="4047260229"/>
       </p:ext>
     </p:extLst>
   </p:cSld>
@@ -1634,13 +1764,7 @@
       </p:grpSpPr>
       <p:sp>
         <p:nvSpPr>
-          <p:cNvPr id="2" name="Titel 1">
-            <a:extLst>
-              <a:ext uri="{FF2B5EF4-FFF2-40B4-BE49-F238E27FC236}">
-                <a16:creationId xmlns:a16="http://schemas.microsoft.com/office/drawing/2014/main" id="{3CDBAB64-BCBF-54F8-89E7-EE67EFABC82F}"/>
-              </a:ext>
-            </a:extLst>
-          </p:cNvPr>
+          <p:cNvPr id="2" name="Title 1"/>
           <p:cNvSpPr>
             <a:spLocks noGrp="1"/>
           </p:cNvSpPr>
@@ -1654,21 +1778,16 @@
           <a:lstStyle/>
           <a:p>
             <a:r>
-              <a:rPr lang="de-DE"/>
-              <a:t>Mastertitelformat bearbeiten</a:t>
-            </a:r>
-          </a:p>
-        </p:txBody>
-      </p:sp>
-      <p:sp>
-        <p:nvSpPr>
-          <p:cNvPr id="3" name="Inhaltsplatzhalter 2">
-            <a:extLst>
-              <a:ext uri="{FF2B5EF4-FFF2-40B4-BE49-F238E27FC236}">
-                <a16:creationId xmlns:a16="http://schemas.microsoft.com/office/drawing/2014/main" id="{B3EDF028-73E9-E105-1625-38D415A55E3B}"/>
-              </a:ext>
-            </a:extLst>
-          </p:cNvPr>
+              <a:rPr lang="de-DE" smtClean="0"/>
+              <a:t>Titelmasterformat durch Klicken bearbeiten</a:t>
+            </a:r>
+            <a:endParaRPr lang="en-US" dirty="0"/>
+          </a:p>
+        </p:txBody>
+      </p:sp>
+      <p:sp>
+        <p:nvSpPr>
+          <p:cNvPr id="3" name="Content Placeholder 2"/>
           <p:cNvSpPr>
             <a:spLocks noGrp="1"/>
           </p:cNvSpPr>
@@ -1683,49 +1802,44 @@
           <a:p>
             <a:pPr lvl="0"/>
             <a:r>
-              <a:rPr lang="de-DE"/>
-              <a:t>Mastertextformat bearbeiten</a:t>
+              <a:rPr lang="de-DE" smtClean="0"/>
+              <a:t>Textmasterformat bearbeiten</a:t>
             </a:r>
           </a:p>
           <a:p>
             <a:pPr lvl="1"/>
             <a:r>
-              <a:rPr lang="de-DE"/>
+              <a:rPr lang="de-DE" smtClean="0"/>
               <a:t>Zweite Ebene</a:t>
             </a:r>
           </a:p>
           <a:p>
             <a:pPr lvl="2"/>
             <a:r>
-              <a:rPr lang="de-DE"/>
+              <a:rPr lang="de-DE" smtClean="0"/>
               <a:t>Dritte Ebene</a:t>
             </a:r>
           </a:p>
           <a:p>
             <a:pPr lvl="3"/>
             <a:r>
-              <a:rPr lang="de-DE"/>
+              <a:rPr lang="de-DE" smtClean="0"/>
               <a:t>Vierte Ebene</a:t>
             </a:r>
           </a:p>
           <a:p>
             <a:pPr lvl="4"/>
             <a:r>
-              <a:rPr lang="de-DE"/>
+              <a:rPr lang="de-DE" smtClean="0"/>
               <a:t>Fünfte Ebene</a:t>
             </a:r>
-          </a:p>
-        </p:txBody>
-      </p:sp>
-      <p:sp>
-        <p:nvSpPr>
-          <p:cNvPr id="4" name="Datumsplatzhalter 3">
-            <a:extLst>
-              <a:ext uri="{FF2B5EF4-FFF2-40B4-BE49-F238E27FC236}">
-                <a16:creationId xmlns:a16="http://schemas.microsoft.com/office/drawing/2014/main" id="{AA1056F5-7BD2-23CC-BD2F-5D117863CCCE}"/>
-              </a:ext>
-            </a:extLst>
-          </p:cNvPr>
+            <a:endParaRPr lang="en-US" dirty="0"/>
+          </a:p>
+        </p:txBody>
+      </p:sp>
+      <p:sp>
+        <p:nvSpPr>
+          <p:cNvPr id="4" name="Date Placeholder 3"/>
           <p:cNvSpPr>
             <a:spLocks noGrp="1"/>
           </p:cNvSpPr>
@@ -1740,7 +1854,7 @@
           <a:p>
             <a:fld id="{C4141A18-4352-4597-AFD8-BECC62423707}" type="datetimeFigureOut">
               <a:rPr lang="de-DE" smtClean="0"/>
-              <a:t>31.05.2023</a:t>
+              <a:t>02.06.2023</a:t>
             </a:fld>
             <a:endParaRPr lang="de-DE"/>
           </a:p>
@@ -1748,13 +1862,7 @@
       </p:sp>
       <p:sp>
         <p:nvSpPr>
-          <p:cNvPr id="5" name="Fußzeilenplatzhalter 4">
-            <a:extLst>
-              <a:ext uri="{FF2B5EF4-FFF2-40B4-BE49-F238E27FC236}">
-                <a16:creationId xmlns:a16="http://schemas.microsoft.com/office/drawing/2014/main" id="{31C462A3-3612-0F5C-B58D-6375E39A8D80}"/>
-              </a:ext>
-            </a:extLst>
-          </p:cNvPr>
+          <p:cNvPr id="5" name="Footer Placeholder 4"/>
           <p:cNvSpPr>
             <a:spLocks noGrp="1"/>
           </p:cNvSpPr>
@@ -1773,13 +1881,7 @@
       </p:sp>
       <p:sp>
         <p:nvSpPr>
-          <p:cNvPr id="6" name="Foliennummernplatzhalter 5">
-            <a:extLst>
-              <a:ext uri="{FF2B5EF4-FFF2-40B4-BE49-F238E27FC236}">
-                <a16:creationId xmlns:a16="http://schemas.microsoft.com/office/drawing/2014/main" id="{0C12BFB0-1E2F-4CE2-8573-8FD2FB0D5AD3}"/>
-              </a:ext>
-            </a:extLst>
-          </p:cNvPr>
+          <p:cNvPr id="6" name="Slide Number Placeholder 5"/>
           <p:cNvSpPr>
             <a:spLocks noGrp="1"/>
           </p:cNvSpPr>
@@ -1803,7 +1905,7 @@
     </p:spTree>
     <p:extLst>
       <p:ext uri="{BB962C8B-B14F-4D97-AF65-F5344CB8AC3E}">
-        <p14:creationId xmlns:p14="http://schemas.microsoft.com/office/powerpoint/2010/main" val="3872209445"/>
+        <p14:creationId xmlns:p14="http://schemas.microsoft.com/office/powerpoint/2010/main" val="849178214"/>
       </p:ext>
     </p:extLst>
   </p:cSld>
@@ -1814,8 +1916,16 @@
 </file>
 
 <file path=ppt/slideLayouts/slideLayout3.xml><?xml version="1.0" encoding="utf-8"?>
-<p:sldLayout xmlns:a="http://schemas.openxmlformats.org/drawingml/2006/main" xmlns:r="http://schemas.openxmlformats.org/officeDocument/2006/relationships" xmlns:p="http://schemas.openxmlformats.org/presentationml/2006/main" type="secHead" preserve="1">
+<p:sldLayout xmlns:a="http://schemas.openxmlformats.org/drawingml/2006/main" xmlns:r="http://schemas.openxmlformats.org/officeDocument/2006/relationships" xmlns:p="http://schemas.openxmlformats.org/presentationml/2006/main" showMasterSp="0" type="secHead" preserve="1">
   <p:cSld name="Abschnitts-&#10;überschrift">
+    <p:bg>
+      <p:bgPr>
+        <a:solidFill>
+          <a:schemeClr val="bg1"/>
+        </a:solidFill>
+        <a:effectLst/>
+      </p:bgPr>
+    </p:bg>
     <p:spTree>
       <p:nvGrpSpPr>
         <p:cNvPr id="1" name=""/>
@@ -1832,79 +1942,157 @@
       </p:grpSpPr>
       <p:sp>
         <p:nvSpPr>
-          <p:cNvPr id="2" name="Titel 1">
-            <a:extLst>
-              <a:ext uri="{FF2B5EF4-FFF2-40B4-BE49-F238E27FC236}">
-                <a16:creationId xmlns:a16="http://schemas.microsoft.com/office/drawing/2014/main" id="{DDA32601-935F-CC59-618E-26DF5542240D}"/>
-              </a:ext>
-            </a:extLst>
-          </p:cNvPr>
-          <p:cNvSpPr>
-            <a:spLocks noGrp="1"/>
-          </p:cNvSpPr>
-          <p:nvPr>
-            <p:ph type="title"/>
-          </p:nvPr>
+          <p:cNvPr id="7" name="Rectangle 6"/>
+          <p:cNvSpPr/>
+          <p:nvPr/>
         </p:nvSpPr>
         <p:spPr>
           <a:xfrm>
-            <a:off x="831850" y="1709738"/>
-            <a:ext cx="10515600" cy="2852737"/>
+            <a:off x="3175" y="6400800"/>
+            <a:ext cx="12188825" cy="457200"/>
+          </a:xfrm>
+          <a:prstGeom prst="rect">
+            <a:avLst/>
+          </a:prstGeom>
+          <a:solidFill>
+            <a:schemeClr val="accent2"/>
+          </a:solidFill>
+          <a:ln>
+            <a:noFill/>
+          </a:ln>
+        </p:spPr>
+        <p:style>
+          <a:lnRef idx="2">
+            <a:schemeClr val="accent1">
+              <a:shade val="50000"/>
+            </a:schemeClr>
+          </a:lnRef>
+          <a:fillRef idx="1">
+            <a:schemeClr val="accent1"/>
+          </a:fillRef>
+          <a:effectRef idx="0">
+            <a:schemeClr val="accent1"/>
+          </a:effectRef>
+          <a:fontRef idx="minor">
+            <a:schemeClr val="lt1"/>
+          </a:fontRef>
+        </p:style>
+      </p:sp>
+      <p:sp>
+        <p:nvSpPr>
+          <p:cNvPr id="8" name="Rectangle 7"/>
+          <p:cNvSpPr/>
+          <p:nvPr/>
+        </p:nvSpPr>
+        <p:spPr>
+          <a:xfrm>
+            <a:off x="15" y="6334316"/>
+            <a:ext cx="12188825" cy="64008"/>
+          </a:xfrm>
+          <a:prstGeom prst="rect">
+            <a:avLst/>
+          </a:prstGeom>
+          <a:solidFill>
+            <a:schemeClr val="accent1"/>
+          </a:solidFill>
+          <a:ln>
+            <a:noFill/>
+          </a:ln>
+        </p:spPr>
+        <p:style>
+          <a:lnRef idx="2">
+            <a:schemeClr val="accent1">
+              <a:shade val="50000"/>
+            </a:schemeClr>
+          </a:lnRef>
+          <a:fillRef idx="1">
+            <a:schemeClr val="accent1"/>
+          </a:fillRef>
+          <a:effectRef idx="0">
+            <a:schemeClr val="accent1"/>
+          </a:effectRef>
+          <a:fontRef idx="minor">
+            <a:schemeClr val="lt1"/>
+          </a:fontRef>
+        </p:style>
+      </p:sp>
+      <p:sp>
+        <p:nvSpPr>
+          <p:cNvPr id="2" name="Title 1"/>
+          <p:cNvSpPr>
+            <a:spLocks noGrp="1"/>
+          </p:cNvSpPr>
+          <p:nvPr>
+            <p:ph type="title"/>
+          </p:nvPr>
+        </p:nvSpPr>
+        <p:spPr>
+          <a:xfrm>
+            <a:off x="1097280" y="758952"/>
+            <a:ext cx="10058400" cy="3566160"/>
           </a:xfrm>
         </p:spPr>
         <p:txBody>
-          <a:bodyPr anchor="b"/>
+          <a:bodyPr anchor="b" anchorCtr="0">
+            <a:normAutofit/>
+          </a:bodyPr>
           <a:lstStyle>
             <a:lvl1pPr>
-              <a:defRPr sz="6000"/>
-            </a:lvl1pPr>
-          </a:lstStyle>
-          <a:p>
-            <a:r>
-              <a:rPr lang="de-DE"/>
-              <a:t>Mastertitelformat bearbeiten</a:t>
-            </a:r>
-          </a:p>
-        </p:txBody>
-      </p:sp>
-      <p:sp>
-        <p:nvSpPr>
-          <p:cNvPr id="3" name="Textplatzhalter 2">
-            <a:extLst>
-              <a:ext uri="{FF2B5EF4-FFF2-40B4-BE49-F238E27FC236}">
-                <a16:creationId xmlns:a16="http://schemas.microsoft.com/office/drawing/2014/main" id="{8EC4C5DE-2A00-C434-C311-4DDED28CE6F7}"/>
-              </a:ext>
-            </a:extLst>
-          </p:cNvPr>
-          <p:cNvSpPr>
-            <a:spLocks noGrp="1"/>
-          </p:cNvSpPr>
-          <p:nvPr>
-            <p:ph type="body" idx="1"/>
-          </p:nvPr>
-        </p:nvSpPr>
-        <p:spPr>
-          <a:xfrm>
-            <a:off x="831850" y="4589463"/>
-            <a:ext cx="10515600" cy="1500187"/>
-          </a:xfrm>
-        </p:spPr>
-        <p:txBody>
-          <a:bodyPr/>
-          <a:lstStyle>
-            <a:lvl1pPr marL="0" indent="0">
-              <a:buNone/>
-              <a:defRPr sz="2400">
+              <a:lnSpc>
+                <a:spcPct val="85000"/>
+              </a:lnSpc>
+              <a:defRPr sz="8000" b="0">
                 <a:solidFill>
                   <a:schemeClr val="tx1">
-                    <a:tint val="75000"/>
+                    <a:lumMod val="85000"/>
+                    <a:lumOff val="15000"/>
                   </a:schemeClr>
                 </a:solidFill>
               </a:defRPr>
             </a:lvl1pPr>
+          </a:lstStyle>
+          <a:p>
+            <a:r>
+              <a:rPr lang="de-DE" smtClean="0"/>
+              <a:t>Titelmasterformat durch Klicken bearbeiten</a:t>
+            </a:r>
+            <a:endParaRPr lang="en-US" dirty="0"/>
+          </a:p>
+        </p:txBody>
+      </p:sp>
+      <p:sp>
+        <p:nvSpPr>
+          <p:cNvPr id="3" name="Text Placeholder 2"/>
+          <p:cNvSpPr>
+            <a:spLocks noGrp="1"/>
+          </p:cNvSpPr>
+          <p:nvPr>
+            <p:ph type="body" idx="1"/>
+          </p:nvPr>
+        </p:nvSpPr>
+        <p:spPr>
+          <a:xfrm>
+            <a:off x="1097280" y="4453128"/>
+            <a:ext cx="10058400" cy="1143000"/>
+          </a:xfrm>
+        </p:spPr>
+        <p:txBody>
+          <a:bodyPr lIns="91440" rIns="91440" anchor="t" anchorCtr="0">
+            <a:normAutofit/>
+          </a:bodyPr>
+          <a:lstStyle>
+            <a:lvl1pPr marL="0" indent="0">
+              <a:buNone/>
+              <a:defRPr sz="2400" cap="all" spc="200" baseline="0">
+                <a:solidFill>
+                  <a:schemeClr val="tx2"/>
+                </a:solidFill>
+                <a:latin typeface="+mj-lt"/>
+              </a:defRPr>
+            </a:lvl1pPr>
             <a:lvl2pPr marL="457200" indent="0">
               <a:buNone/>
-              <a:defRPr sz="2000">
+              <a:defRPr sz="1800">
                 <a:solidFill>
                   <a:schemeClr val="tx1">
                     <a:tint val="75000"/>
@@ -1914,7 +2102,7 @@
             </a:lvl2pPr>
             <a:lvl3pPr marL="914400" indent="0">
               <a:buNone/>
-              <a:defRPr sz="1800">
+              <a:defRPr sz="1600">
                 <a:solidFill>
                   <a:schemeClr val="tx1">
                     <a:tint val="75000"/>
@@ -1924,7 +2112,7 @@
             </a:lvl3pPr>
             <a:lvl4pPr marL="1371600" indent="0">
               <a:buNone/>
-              <a:defRPr sz="1600">
+              <a:defRPr sz="1400">
                 <a:solidFill>
                   <a:schemeClr val="tx1">
                     <a:tint val="75000"/>
@@ -1934,7 +2122,7 @@
             </a:lvl4pPr>
             <a:lvl5pPr marL="1828800" indent="0">
               <a:buNone/>
-              <a:defRPr sz="1600">
+              <a:defRPr sz="1400">
                 <a:solidFill>
                   <a:schemeClr val="tx1">
                     <a:tint val="75000"/>
@@ -1944,7 +2132,7 @@
             </a:lvl5pPr>
             <a:lvl6pPr marL="2286000" indent="0">
               <a:buNone/>
-              <a:defRPr sz="1600">
+              <a:defRPr sz="1400">
                 <a:solidFill>
                   <a:schemeClr val="tx1">
                     <a:tint val="75000"/>
@@ -1954,7 +2142,7 @@
             </a:lvl6pPr>
             <a:lvl7pPr marL="2743200" indent="0">
               <a:buNone/>
-              <a:defRPr sz="1600">
+              <a:defRPr sz="1400">
                 <a:solidFill>
                   <a:schemeClr val="tx1">
                     <a:tint val="75000"/>
@@ -1964,7 +2152,7 @@
             </a:lvl7pPr>
             <a:lvl8pPr marL="3200400" indent="0">
               <a:buNone/>
-              <a:defRPr sz="1600">
+              <a:defRPr sz="1400">
                 <a:solidFill>
                   <a:schemeClr val="tx1">
                     <a:tint val="75000"/>
@@ -1974,7 +2162,7 @@
             </a:lvl8pPr>
             <a:lvl9pPr marL="3657600" indent="0">
               <a:buNone/>
-              <a:defRPr sz="1600">
+              <a:defRPr sz="1400">
                 <a:solidFill>
                   <a:schemeClr val="tx1">
                     <a:tint val="75000"/>
@@ -1986,21 +2174,15 @@
           <a:p>
             <a:pPr lvl="0"/>
             <a:r>
-              <a:rPr lang="de-DE"/>
-              <a:t>Mastertextformat bearbeiten</a:t>
-            </a:r>
-          </a:p>
-        </p:txBody>
-      </p:sp>
-      <p:sp>
-        <p:nvSpPr>
-          <p:cNvPr id="4" name="Datumsplatzhalter 3">
-            <a:extLst>
-              <a:ext uri="{FF2B5EF4-FFF2-40B4-BE49-F238E27FC236}">
-                <a16:creationId xmlns:a16="http://schemas.microsoft.com/office/drawing/2014/main" id="{52300D9C-00E7-E5D0-9707-1FAAC098195E}"/>
-              </a:ext>
-            </a:extLst>
-          </p:cNvPr>
+              <a:rPr lang="de-DE" smtClean="0"/>
+              <a:t>Textmasterformat bearbeiten</a:t>
+            </a:r>
+          </a:p>
+        </p:txBody>
+      </p:sp>
+      <p:sp>
+        <p:nvSpPr>
+          <p:cNvPr id="4" name="Date Placeholder 3"/>
           <p:cNvSpPr>
             <a:spLocks noGrp="1"/>
           </p:cNvSpPr>
@@ -2015,7 +2197,7 @@
           <a:p>
             <a:fld id="{C4141A18-4352-4597-AFD8-BECC62423707}" type="datetimeFigureOut">
               <a:rPr lang="de-DE" smtClean="0"/>
-              <a:t>31.05.2023</a:t>
+              <a:t>02.06.2023</a:t>
             </a:fld>
             <a:endParaRPr lang="de-DE"/>
           </a:p>
@@ -2023,13 +2205,7 @@
       </p:sp>
       <p:sp>
         <p:nvSpPr>
-          <p:cNvPr id="5" name="Fußzeilenplatzhalter 4">
-            <a:extLst>
-              <a:ext uri="{FF2B5EF4-FFF2-40B4-BE49-F238E27FC236}">
-                <a16:creationId xmlns:a16="http://schemas.microsoft.com/office/drawing/2014/main" id="{13785FBA-873F-7174-11CD-05135E475AC9}"/>
-              </a:ext>
-            </a:extLst>
-          </p:cNvPr>
+          <p:cNvPr id="5" name="Footer Placeholder 4"/>
           <p:cNvSpPr>
             <a:spLocks noGrp="1"/>
           </p:cNvSpPr>
@@ -2048,13 +2224,7 @@
       </p:sp>
       <p:sp>
         <p:nvSpPr>
-          <p:cNvPr id="6" name="Foliennummernplatzhalter 5">
-            <a:extLst>
-              <a:ext uri="{FF2B5EF4-FFF2-40B4-BE49-F238E27FC236}">
-                <a16:creationId xmlns:a16="http://schemas.microsoft.com/office/drawing/2014/main" id="{B715B67E-003D-B232-12F8-69B839A044CB}"/>
-              </a:ext>
-            </a:extLst>
-          </p:cNvPr>
+          <p:cNvPr id="6" name="Slide Number Placeholder 5"/>
           <p:cNvSpPr>
             <a:spLocks noGrp="1"/>
           </p:cNvSpPr>
@@ -2075,10 +2245,48 @@
           </a:p>
         </p:txBody>
       </p:sp>
+      <p:cxnSp>
+        <p:nvCxnSpPr>
+          <p:cNvPr id="9" name="Straight Connector 8"/>
+          <p:cNvCxnSpPr/>
+          <p:nvPr/>
+        </p:nvCxnSpPr>
+        <p:spPr>
+          <a:xfrm>
+            <a:off x="1207658" y="4343400"/>
+            <a:ext cx="9875520" cy="0"/>
+          </a:xfrm>
+          <a:prstGeom prst="line">
+            <a:avLst/>
+          </a:prstGeom>
+          <a:ln w="6350">
+            <a:solidFill>
+              <a:schemeClr val="tx1">
+                <a:lumMod val="50000"/>
+                <a:lumOff val="50000"/>
+              </a:schemeClr>
+            </a:solidFill>
+          </a:ln>
+        </p:spPr>
+        <p:style>
+          <a:lnRef idx="1">
+            <a:schemeClr val="accent1"/>
+          </a:lnRef>
+          <a:fillRef idx="0">
+            <a:schemeClr val="accent1"/>
+          </a:fillRef>
+          <a:effectRef idx="0">
+            <a:schemeClr val="accent1"/>
+          </a:effectRef>
+          <a:fontRef idx="minor">
+            <a:schemeClr val="tx1"/>
+          </a:fontRef>
+        </p:style>
+      </p:cxnSp>
     </p:spTree>
     <p:extLst>
       <p:ext uri="{BB962C8B-B14F-4D97-AF65-F5344CB8AC3E}">
-        <p14:creationId xmlns:p14="http://schemas.microsoft.com/office/powerpoint/2010/main" val="871647478"/>
+        <p14:creationId xmlns:p14="http://schemas.microsoft.com/office/powerpoint/2010/main" val="3841860658"/>
       </p:ext>
     </p:extLst>
   </p:cSld>
@@ -2107,114 +2315,46 @@
       </p:grpSpPr>
       <p:sp>
         <p:nvSpPr>
-          <p:cNvPr id="2" name="Titel 1">
-            <a:extLst>
-              <a:ext uri="{FF2B5EF4-FFF2-40B4-BE49-F238E27FC236}">
-                <a16:creationId xmlns:a16="http://schemas.microsoft.com/office/drawing/2014/main" id="{3A401AFB-EA7B-3916-F27A-FCFE757167C9}"/>
-              </a:ext>
-            </a:extLst>
-          </p:cNvPr>
+          <p:cNvPr id="8" name="Title 7"/>
           <p:cNvSpPr>
             <a:spLocks noGrp="1"/>
           </p:cNvSpPr>
           <p:nvPr>
             <p:ph type="title"/>
-          </p:nvPr>
-        </p:nvSpPr>
-        <p:spPr/>
-        <p:txBody>
-          <a:bodyPr/>
-          <a:lstStyle/>
-          <a:p>
-            <a:r>
-              <a:rPr lang="de-DE"/>
-              <a:t>Mastertitelformat bearbeiten</a:t>
-            </a:r>
-          </a:p>
-        </p:txBody>
-      </p:sp>
-      <p:sp>
-        <p:nvSpPr>
-          <p:cNvPr id="3" name="Inhaltsplatzhalter 2">
-            <a:extLst>
-              <a:ext uri="{FF2B5EF4-FFF2-40B4-BE49-F238E27FC236}">
-                <a16:creationId xmlns:a16="http://schemas.microsoft.com/office/drawing/2014/main" id="{E1D518EF-8EC9-F3A5-246E-D188BAC683E8}"/>
-              </a:ext>
-            </a:extLst>
-          </p:cNvPr>
-          <p:cNvSpPr>
-            <a:spLocks noGrp="1"/>
-          </p:cNvSpPr>
-          <p:nvPr>
-            <p:ph sz="half" idx="1"/>
           </p:nvPr>
         </p:nvSpPr>
         <p:spPr>
           <a:xfrm>
-            <a:off x="838200" y="1825625"/>
-            <a:ext cx="5181600" cy="4351338"/>
+            <a:off x="1097280" y="286603"/>
+            <a:ext cx="10058400" cy="1450757"/>
           </a:xfrm>
         </p:spPr>
         <p:txBody>
           <a:bodyPr/>
           <a:lstStyle/>
           <a:p>
-            <a:pPr lvl="0"/>
-            <a:r>
-              <a:rPr lang="de-DE"/>
-              <a:t>Mastertextformat bearbeiten</a:t>
-            </a:r>
-          </a:p>
-          <a:p>
-            <a:pPr lvl="1"/>
-            <a:r>
-              <a:rPr lang="de-DE"/>
-              <a:t>Zweite Ebene</a:t>
-            </a:r>
-          </a:p>
-          <a:p>
-            <a:pPr lvl="2"/>
-            <a:r>
-              <a:rPr lang="de-DE"/>
-              <a:t>Dritte Ebene</a:t>
-            </a:r>
-          </a:p>
-          <a:p>
-            <a:pPr lvl="3"/>
-            <a:r>
-              <a:rPr lang="de-DE"/>
-              <a:t>Vierte Ebene</a:t>
-            </a:r>
-          </a:p>
-          <a:p>
-            <a:pPr lvl="4"/>
-            <a:r>
-              <a:rPr lang="de-DE"/>
-              <a:t>Fünfte Ebene</a:t>
-            </a:r>
-          </a:p>
-        </p:txBody>
-      </p:sp>
-      <p:sp>
-        <p:nvSpPr>
-          <p:cNvPr id="4" name="Inhaltsplatzhalter 3">
-            <a:extLst>
-              <a:ext uri="{FF2B5EF4-FFF2-40B4-BE49-F238E27FC236}">
-                <a16:creationId xmlns:a16="http://schemas.microsoft.com/office/drawing/2014/main" id="{D17BD4CD-859D-2F31-3E7C-EDF9AE324284}"/>
-              </a:ext>
-            </a:extLst>
-          </p:cNvPr>
-          <p:cNvSpPr>
-            <a:spLocks noGrp="1"/>
-          </p:cNvSpPr>
-          <p:nvPr>
-            <p:ph sz="half" idx="2"/>
+            <a:r>
+              <a:rPr lang="de-DE" smtClean="0"/>
+              <a:t>Titelmasterformat durch Klicken bearbeiten</a:t>
+            </a:r>
+            <a:endParaRPr lang="en-US" dirty="0"/>
+          </a:p>
+        </p:txBody>
+      </p:sp>
+      <p:sp>
+        <p:nvSpPr>
+          <p:cNvPr id="3" name="Content Placeholder 2"/>
+          <p:cNvSpPr>
+            <a:spLocks noGrp="1"/>
+          </p:cNvSpPr>
+          <p:nvPr>
+            <p:ph sz="half" idx="1"/>
           </p:nvPr>
         </p:nvSpPr>
         <p:spPr>
           <a:xfrm>
-            <a:off x="6172200" y="1825625"/>
-            <a:ext cx="5181600" cy="4351338"/>
+            <a:off x="1097280" y="1845734"/>
+            <a:ext cx="4937760" cy="4023359"/>
           </a:xfrm>
         </p:spPr>
         <p:txBody>
@@ -2223,49 +2363,101 @@
           <a:p>
             <a:pPr lvl="0"/>
             <a:r>
-              <a:rPr lang="de-DE"/>
-              <a:t>Mastertextformat bearbeiten</a:t>
+              <a:rPr lang="de-DE" smtClean="0"/>
+              <a:t>Textmasterformat bearbeiten</a:t>
             </a:r>
           </a:p>
           <a:p>
             <a:pPr lvl="1"/>
             <a:r>
-              <a:rPr lang="de-DE"/>
+              <a:rPr lang="de-DE" smtClean="0"/>
               <a:t>Zweite Ebene</a:t>
             </a:r>
           </a:p>
           <a:p>
             <a:pPr lvl="2"/>
             <a:r>
-              <a:rPr lang="de-DE"/>
+              <a:rPr lang="de-DE" smtClean="0"/>
               <a:t>Dritte Ebene</a:t>
             </a:r>
           </a:p>
           <a:p>
             <a:pPr lvl="3"/>
             <a:r>
-              <a:rPr lang="de-DE"/>
+              <a:rPr lang="de-DE" smtClean="0"/>
               <a:t>Vierte Ebene</a:t>
             </a:r>
           </a:p>
           <a:p>
             <a:pPr lvl="4"/>
             <a:r>
-              <a:rPr lang="de-DE"/>
+              <a:rPr lang="de-DE" smtClean="0"/>
               <a:t>Fünfte Ebene</a:t>
             </a:r>
-          </a:p>
-        </p:txBody>
-      </p:sp>
-      <p:sp>
-        <p:nvSpPr>
-          <p:cNvPr id="5" name="Datumsplatzhalter 4">
-            <a:extLst>
-              <a:ext uri="{FF2B5EF4-FFF2-40B4-BE49-F238E27FC236}">
-                <a16:creationId xmlns:a16="http://schemas.microsoft.com/office/drawing/2014/main" id="{362BF684-B0E1-FBFB-B71C-AAE10F32FD26}"/>
-              </a:ext>
-            </a:extLst>
-          </p:cNvPr>
+            <a:endParaRPr lang="en-US" dirty="0"/>
+          </a:p>
+        </p:txBody>
+      </p:sp>
+      <p:sp>
+        <p:nvSpPr>
+          <p:cNvPr id="4" name="Content Placeholder 3"/>
+          <p:cNvSpPr>
+            <a:spLocks noGrp="1"/>
+          </p:cNvSpPr>
+          <p:nvPr>
+            <p:ph sz="half" idx="2"/>
+          </p:nvPr>
+        </p:nvSpPr>
+        <p:spPr>
+          <a:xfrm>
+            <a:off x="6217920" y="1845735"/>
+            <a:ext cx="4937760" cy="4023360"/>
+          </a:xfrm>
+        </p:spPr>
+        <p:txBody>
+          <a:bodyPr/>
+          <a:lstStyle/>
+          <a:p>
+            <a:pPr lvl="0"/>
+            <a:r>
+              <a:rPr lang="de-DE" smtClean="0"/>
+              <a:t>Textmasterformat bearbeiten</a:t>
+            </a:r>
+          </a:p>
+          <a:p>
+            <a:pPr lvl="1"/>
+            <a:r>
+              <a:rPr lang="de-DE" smtClean="0"/>
+              <a:t>Zweite Ebene</a:t>
+            </a:r>
+          </a:p>
+          <a:p>
+            <a:pPr lvl="2"/>
+            <a:r>
+              <a:rPr lang="de-DE" smtClean="0"/>
+              <a:t>Dritte Ebene</a:t>
+            </a:r>
+          </a:p>
+          <a:p>
+            <a:pPr lvl="3"/>
+            <a:r>
+              <a:rPr lang="de-DE" smtClean="0"/>
+              <a:t>Vierte Ebene</a:t>
+            </a:r>
+          </a:p>
+          <a:p>
+            <a:pPr lvl="4"/>
+            <a:r>
+              <a:rPr lang="de-DE" smtClean="0"/>
+              <a:t>Fünfte Ebene</a:t>
+            </a:r>
+            <a:endParaRPr lang="en-US" dirty="0"/>
+          </a:p>
+        </p:txBody>
+      </p:sp>
+      <p:sp>
+        <p:nvSpPr>
+          <p:cNvPr id="5" name="Date Placeholder 4"/>
           <p:cNvSpPr>
             <a:spLocks noGrp="1"/>
           </p:cNvSpPr>
@@ -2280,7 +2472,7 @@
           <a:p>
             <a:fld id="{C4141A18-4352-4597-AFD8-BECC62423707}" type="datetimeFigureOut">
               <a:rPr lang="de-DE" smtClean="0"/>
-              <a:t>31.05.2023</a:t>
+              <a:t>02.06.2023</a:t>
             </a:fld>
             <a:endParaRPr lang="de-DE"/>
           </a:p>
@@ -2288,13 +2480,7 @@
       </p:sp>
       <p:sp>
         <p:nvSpPr>
-          <p:cNvPr id="6" name="Fußzeilenplatzhalter 5">
-            <a:extLst>
-              <a:ext uri="{FF2B5EF4-FFF2-40B4-BE49-F238E27FC236}">
-                <a16:creationId xmlns:a16="http://schemas.microsoft.com/office/drawing/2014/main" id="{1C43AAC4-D2D6-78F4-8B61-464F607795E6}"/>
-              </a:ext>
-            </a:extLst>
-          </p:cNvPr>
+          <p:cNvPr id="6" name="Footer Placeholder 5"/>
           <p:cNvSpPr>
             <a:spLocks noGrp="1"/>
           </p:cNvSpPr>
@@ -2313,13 +2499,7 @@
       </p:sp>
       <p:sp>
         <p:nvSpPr>
-          <p:cNvPr id="7" name="Foliennummernplatzhalter 6">
-            <a:extLst>
-              <a:ext uri="{FF2B5EF4-FFF2-40B4-BE49-F238E27FC236}">
-                <a16:creationId xmlns:a16="http://schemas.microsoft.com/office/drawing/2014/main" id="{331C1355-210A-4135-5FE4-AD87BD910C3E}"/>
-              </a:ext>
-            </a:extLst>
-          </p:cNvPr>
+          <p:cNvPr id="7" name="Slide Number Placeholder 6"/>
           <p:cNvSpPr>
             <a:spLocks noGrp="1"/>
           </p:cNvSpPr>
@@ -2343,7 +2523,7 @@
     </p:spTree>
     <p:extLst>
       <p:ext uri="{BB962C8B-B14F-4D97-AF65-F5344CB8AC3E}">
-        <p14:creationId xmlns:p14="http://schemas.microsoft.com/office/powerpoint/2010/main" val="3286231987"/>
+        <p14:creationId xmlns:p14="http://schemas.microsoft.com/office/powerpoint/2010/main" val="457575417"/>
       </p:ext>
     </p:extLst>
   </p:cSld>
@@ -2372,13 +2552,7 @@
       </p:grpSpPr>
       <p:sp>
         <p:nvSpPr>
-          <p:cNvPr id="2" name="Titel 1">
-            <a:extLst>
-              <a:ext uri="{FF2B5EF4-FFF2-40B4-BE49-F238E27FC236}">
-                <a16:creationId xmlns:a16="http://schemas.microsoft.com/office/drawing/2014/main" id="{FD99B57D-D82B-2772-6A15-0857D0626CFA}"/>
-              </a:ext>
-            </a:extLst>
-          </p:cNvPr>
+          <p:cNvPr id="10" name="Title 9"/>
           <p:cNvSpPr>
             <a:spLocks noGrp="1"/>
           </p:cNvSpPr>
@@ -2388,8 +2562,8 @@
         </p:nvSpPr>
         <p:spPr>
           <a:xfrm>
-            <a:off x="839788" y="365125"/>
-            <a:ext cx="10515600" cy="1325563"/>
+            <a:off x="1097280" y="286603"/>
+            <a:ext cx="10058400" cy="1450757"/>
           </a:xfrm>
         </p:spPr>
         <p:txBody>
@@ -2397,21 +2571,16 @@
           <a:lstStyle/>
           <a:p>
             <a:r>
-              <a:rPr lang="de-DE"/>
-              <a:t>Mastertitelformat bearbeiten</a:t>
-            </a:r>
-          </a:p>
-        </p:txBody>
-      </p:sp>
-      <p:sp>
-        <p:nvSpPr>
-          <p:cNvPr id="3" name="Textplatzhalter 2">
-            <a:extLst>
-              <a:ext uri="{FF2B5EF4-FFF2-40B4-BE49-F238E27FC236}">
-                <a16:creationId xmlns:a16="http://schemas.microsoft.com/office/drawing/2014/main" id="{13A2152E-2B07-CB30-254B-2B2D1D87F7A6}"/>
-              </a:ext>
-            </a:extLst>
-          </p:cNvPr>
+              <a:rPr lang="de-DE" smtClean="0"/>
+              <a:t>Titelmasterformat durch Klicken bearbeiten</a:t>
+            </a:r>
+            <a:endParaRPr lang="en-US" dirty="0"/>
+          </a:p>
+        </p:txBody>
+      </p:sp>
+      <p:sp>
+        <p:nvSpPr>
+          <p:cNvPr id="3" name="Text Placeholder 2"/>
           <p:cNvSpPr>
             <a:spLocks noGrp="1"/>
           </p:cNvSpPr>
@@ -2421,16 +2590,22 @@
         </p:nvSpPr>
         <p:spPr>
           <a:xfrm>
-            <a:off x="839788" y="1681163"/>
-            <a:ext cx="5157787" cy="823912"/>
+            <a:off x="1097280" y="1846052"/>
+            <a:ext cx="4937760" cy="736282"/>
           </a:xfrm>
         </p:spPr>
         <p:txBody>
-          <a:bodyPr anchor="b"/>
+          <a:bodyPr lIns="91440" rIns="91440" anchor="ctr">
+            <a:normAutofit/>
+          </a:bodyPr>
           <a:lstStyle>
             <a:lvl1pPr marL="0" indent="0">
               <a:buNone/>
-              <a:defRPr sz="2400" b="1"/>
+              <a:defRPr sz="2000" b="0" cap="all" baseline="0">
+                <a:solidFill>
+                  <a:schemeClr val="tx2"/>
+                </a:solidFill>
+              </a:defRPr>
             </a:lvl1pPr>
             <a:lvl2pPr marL="457200" indent="0">
               <a:buNone/>
@@ -2468,21 +2643,15 @@
           <a:p>
             <a:pPr lvl="0"/>
             <a:r>
-              <a:rPr lang="de-DE"/>
-              <a:t>Mastertextformat bearbeiten</a:t>
-            </a:r>
-          </a:p>
-        </p:txBody>
-      </p:sp>
-      <p:sp>
-        <p:nvSpPr>
-          <p:cNvPr id="4" name="Inhaltsplatzhalter 3">
-            <a:extLst>
-              <a:ext uri="{FF2B5EF4-FFF2-40B4-BE49-F238E27FC236}">
-                <a16:creationId xmlns:a16="http://schemas.microsoft.com/office/drawing/2014/main" id="{D55E3EA8-69BA-05D0-57B6-9AEF6697A7F5}"/>
-              </a:ext>
-            </a:extLst>
-          </p:cNvPr>
+              <a:rPr lang="de-DE" smtClean="0"/>
+              <a:t>Textmasterformat bearbeiten</a:t>
+            </a:r>
+          </a:p>
+        </p:txBody>
+      </p:sp>
+      <p:sp>
+        <p:nvSpPr>
+          <p:cNvPr id="4" name="Content Placeholder 3"/>
           <p:cNvSpPr>
             <a:spLocks noGrp="1"/>
           </p:cNvSpPr>
@@ -2492,8 +2661,8 @@
         </p:nvSpPr>
         <p:spPr>
           <a:xfrm>
-            <a:off x="839788" y="2505075"/>
-            <a:ext cx="5157787" cy="3684588"/>
+            <a:off x="1097280" y="2582335"/>
+            <a:ext cx="4937760" cy="3286760"/>
           </a:xfrm>
         </p:spPr>
         <p:txBody>
@@ -2502,49 +2671,44 @@
           <a:p>
             <a:pPr lvl="0"/>
             <a:r>
-              <a:rPr lang="de-DE"/>
-              <a:t>Mastertextformat bearbeiten</a:t>
+              <a:rPr lang="de-DE" smtClean="0"/>
+              <a:t>Textmasterformat bearbeiten</a:t>
             </a:r>
           </a:p>
           <a:p>
             <a:pPr lvl="1"/>
             <a:r>
-              <a:rPr lang="de-DE"/>
+              <a:rPr lang="de-DE" smtClean="0"/>
               <a:t>Zweite Ebene</a:t>
             </a:r>
           </a:p>
           <a:p>
             <a:pPr lvl="2"/>
             <a:r>
-              <a:rPr lang="de-DE"/>
+              <a:rPr lang="de-DE" smtClean="0"/>
               <a:t>Dritte Ebene</a:t>
             </a:r>
           </a:p>
           <a:p>
             <a:pPr lvl="3"/>
             <a:r>
-              <a:rPr lang="de-DE"/>
+              <a:rPr lang="de-DE" smtClean="0"/>
               <a:t>Vierte Ebene</a:t>
             </a:r>
           </a:p>
           <a:p>
             <a:pPr lvl="4"/>
             <a:r>
-              <a:rPr lang="de-DE"/>
+              <a:rPr lang="de-DE" smtClean="0"/>
               <a:t>Fünfte Ebene</a:t>
             </a:r>
-          </a:p>
-        </p:txBody>
-      </p:sp>
-      <p:sp>
-        <p:nvSpPr>
-          <p:cNvPr id="5" name="Textplatzhalter 4">
-            <a:extLst>
-              <a:ext uri="{FF2B5EF4-FFF2-40B4-BE49-F238E27FC236}">
-                <a16:creationId xmlns:a16="http://schemas.microsoft.com/office/drawing/2014/main" id="{4EFC9E74-002A-4F29-F1A6-C1EDF29DDF84}"/>
-              </a:ext>
-            </a:extLst>
-          </p:cNvPr>
+            <a:endParaRPr lang="en-US" dirty="0"/>
+          </a:p>
+        </p:txBody>
+      </p:sp>
+      <p:sp>
+        <p:nvSpPr>
+          <p:cNvPr id="5" name="Text Placeholder 4"/>
           <p:cNvSpPr>
             <a:spLocks noGrp="1"/>
           </p:cNvSpPr>
@@ -2554,16 +2718,22 @@
         </p:nvSpPr>
         <p:spPr>
           <a:xfrm>
-            <a:off x="6172200" y="1681163"/>
-            <a:ext cx="5183188" cy="823912"/>
+            <a:off x="6217920" y="1846052"/>
+            <a:ext cx="4937760" cy="736282"/>
           </a:xfrm>
         </p:spPr>
         <p:txBody>
-          <a:bodyPr anchor="b"/>
+          <a:bodyPr lIns="91440" rIns="91440" anchor="ctr">
+            <a:normAutofit/>
+          </a:bodyPr>
           <a:lstStyle>
             <a:lvl1pPr marL="0" indent="0">
               <a:buNone/>
-              <a:defRPr sz="2400" b="1"/>
+              <a:defRPr sz="2000" b="0" cap="all" baseline="0">
+                <a:solidFill>
+                  <a:schemeClr val="tx2"/>
+                </a:solidFill>
+              </a:defRPr>
             </a:lvl1pPr>
             <a:lvl2pPr marL="457200" indent="0">
               <a:buNone/>
@@ -2601,21 +2771,15 @@
           <a:p>
             <a:pPr lvl="0"/>
             <a:r>
-              <a:rPr lang="de-DE"/>
-              <a:t>Mastertextformat bearbeiten</a:t>
-            </a:r>
-          </a:p>
-        </p:txBody>
-      </p:sp>
-      <p:sp>
-        <p:nvSpPr>
-          <p:cNvPr id="6" name="Inhaltsplatzhalter 5">
-            <a:extLst>
-              <a:ext uri="{FF2B5EF4-FFF2-40B4-BE49-F238E27FC236}">
-                <a16:creationId xmlns:a16="http://schemas.microsoft.com/office/drawing/2014/main" id="{36DA4073-EA59-2E00-0C43-D9AFBFB723B3}"/>
-              </a:ext>
-            </a:extLst>
-          </p:cNvPr>
+              <a:rPr lang="de-DE" smtClean="0"/>
+              <a:t>Textmasterformat bearbeiten</a:t>
+            </a:r>
+          </a:p>
+        </p:txBody>
+      </p:sp>
+      <p:sp>
+        <p:nvSpPr>
+          <p:cNvPr id="6" name="Content Placeholder 5"/>
           <p:cNvSpPr>
             <a:spLocks noGrp="1"/>
           </p:cNvSpPr>
@@ -2625,8 +2789,8 @@
         </p:nvSpPr>
         <p:spPr>
           <a:xfrm>
-            <a:off x="6172200" y="2505075"/>
-            <a:ext cx="5183188" cy="3684588"/>
+            <a:off x="6217920" y="2582334"/>
+            <a:ext cx="4937760" cy="3286760"/>
           </a:xfrm>
         </p:spPr>
         <p:txBody>
@@ -2635,49 +2799,44 @@
           <a:p>
             <a:pPr lvl="0"/>
             <a:r>
-              <a:rPr lang="de-DE"/>
-              <a:t>Mastertextformat bearbeiten</a:t>
+              <a:rPr lang="de-DE" smtClean="0"/>
+              <a:t>Textmasterformat bearbeiten</a:t>
             </a:r>
           </a:p>
           <a:p>
             <a:pPr lvl="1"/>
             <a:r>
-              <a:rPr lang="de-DE"/>
+              <a:rPr lang="de-DE" smtClean="0"/>
               <a:t>Zweite Ebene</a:t>
             </a:r>
           </a:p>
           <a:p>
             <a:pPr lvl="2"/>
             <a:r>
-              <a:rPr lang="de-DE"/>
+              <a:rPr lang="de-DE" smtClean="0"/>
               <a:t>Dritte Ebene</a:t>
             </a:r>
           </a:p>
           <a:p>
             <a:pPr lvl="3"/>
             <a:r>
-              <a:rPr lang="de-DE"/>
+              <a:rPr lang="de-DE" smtClean="0"/>
               <a:t>Vierte Ebene</a:t>
             </a:r>
           </a:p>
           <a:p>
             <a:pPr lvl="4"/>
             <a:r>
-              <a:rPr lang="de-DE"/>
+              <a:rPr lang="de-DE" smtClean="0"/>
               <a:t>Fünfte Ebene</a:t>
             </a:r>
-          </a:p>
-        </p:txBody>
-      </p:sp>
-      <p:sp>
-        <p:nvSpPr>
-          <p:cNvPr id="7" name="Datumsplatzhalter 6">
-            <a:extLst>
-              <a:ext uri="{FF2B5EF4-FFF2-40B4-BE49-F238E27FC236}">
-                <a16:creationId xmlns:a16="http://schemas.microsoft.com/office/drawing/2014/main" id="{C421F81E-FC21-51CB-3D4F-8C3392294DC7}"/>
-              </a:ext>
-            </a:extLst>
-          </p:cNvPr>
+            <a:endParaRPr lang="en-US" dirty="0"/>
+          </a:p>
+        </p:txBody>
+      </p:sp>
+      <p:sp>
+        <p:nvSpPr>
+          <p:cNvPr id="7" name="Date Placeholder 6"/>
           <p:cNvSpPr>
             <a:spLocks noGrp="1"/>
           </p:cNvSpPr>
@@ -2692,7 +2851,7 @@
           <a:p>
             <a:fld id="{C4141A18-4352-4597-AFD8-BECC62423707}" type="datetimeFigureOut">
               <a:rPr lang="de-DE" smtClean="0"/>
-              <a:t>31.05.2023</a:t>
+              <a:t>02.06.2023</a:t>
             </a:fld>
             <a:endParaRPr lang="de-DE"/>
           </a:p>
@@ -2700,13 +2859,7 @@
       </p:sp>
       <p:sp>
         <p:nvSpPr>
-          <p:cNvPr id="8" name="Fußzeilenplatzhalter 7">
-            <a:extLst>
-              <a:ext uri="{FF2B5EF4-FFF2-40B4-BE49-F238E27FC236}">
-                <a16:creationId xmlns:a16="http://schemas.microsoft.com/office/drawing/2014/main" id="{D71E8A61-6699-CE86-F110-5C192E28191D}"/>
-              </a:ext>
-            </a:extLst>
-          </p:cNvPr>
+          <p:cNvPr id="8" name="Footer Placeholder 7"/>
           <p:cNvSpPr>
             <a:spLocks noGrp="1"/>
           </p:cNvSpPr>
@@ -2725,13 +2878,7 @@
       </p:sp>
       <p:sp>
         <p:nvSpPr>
-          <p:cNvPr id="9" name="Foliennummernplatzhalter 8">
-            <a:extLst>
-              <a:ext uri="{FF2B5EF4-FFF2-40B4-BE49-F238E27FC236}">
-                <a16:creationId xmlns:a16="http://schemas.microsoft.com/office/drawing/2014/main" id="{6B395AFE-C503-623C-9F62-6959071A8694}"/>
-              </a:ext>
-            </a:extLst>
-          </p:cNvPr>
+          <p:cNvPr id="9" name="Slide Number Placeholder 8"/>
           <p:cNvSpPr>
             <a:spLocks noGrp="1"/>
           </p:cNvSpPr>
@@ -2755,7 +2902,7 @@
     </p:spTree>
     <p:extLst>
       <p:ext uri="{BB962C8B-B14F-4D97-AF65-F5344CB8AC3E}">
-        <p14:creationId xmlns:p14="http://schemas.microsoft.com/office/powerpoint/2010/main" val="1874064806"/>
+        <p14:creationId xmlns:p14="http://schemas.microsoft.com/office/powerpoint/2010/main" val="3131482943"/>
       </p:ext>
     </p:extLst>
   </p:cSld>
@@ -2784,13 +2931,7 @@
       </p:grpSpPr>
       <p:sp>
         <p:nvSpPr>
-          <p:cNvPr id="2" name="Titel 1">
-            <a:extLst>
-              <a:ext uri="{FF2B5EF4-FFF2-40B4-BE49-F238E27FC236}">
-                <a16:creationId xmlns:a16="http://schemas.microsoft.com/office/drawing/2014/main" id="{79B2171C-AB72-5AC4-8654-088E0B5A0DD1}"/>
-              </a:ext>
-            </a:extLst>
-          </p:cNvPr>
+          <p:cNvPr id="2" name="Title 1"/>
           <p:cNvSpPr>
             <a:spLocks noGrp="1"/>
           </p:cNvSpPr>
@@ -2804,21 +2945,16 @@
           <a:lstStyle/>
           <a:p>
             <a:r>
-              <a:rPr lang="de-DE"/>
-              <a:t>Mastertitelformat bearbeiten</a:t>
-            </a:r>
-          </a:p>
-        </p:txBody>
-      </p:sp>
-      <p:sp>
-        <p:nvSpPr>
-          <p:cNvPr id="3" name="Datumsplatzhalter 2">
-            <a:extLst>
-              <a:ext uri="{FF2B5EF4-FFF2-40B4-BE49-F238E27FC236}">
-                <a16:creationId xmlns:a16="http://schemas.microsoft.com/office/drawing/2014/main" id="{F98B4B2C-8D02-038B-67CD-31493DE1E27C}"/>
-              </a:ext>
-            </a:extLst>
-          </p:cNvPr>
+              <a:rPr lang="de-DE" smtClean="0"/>
+              <a:t>Titelmasterformat durch Klicken bearbeiten</a:t>
+            </a:r>
+            <a:endParaRPr lang="en-US" dirty="0"/>
+          </a:p>
+        </p:txBody>
+      </p:sp>
+      <p:sp>
+        <p:nvSpPr>
+          <p:cNvPr id="3" name="Date Placeholder 2"/>
           <p:cNvSpPr>
             <a:spLocks noGrp="1"/>
           </p:cNvSpPr>
@@ -2833,7 +2969,7 @@
           <a:p>
             <a:fld id="{C4141A18-4352-4597-AFD8-BECC62423707}" type="datetimeFigureOut">
               <a:rPr lang="de-DE" smtClean="0"/>
-              <a:t>31.05.2023</a:t>
+              <a:t>02.06.2023</a:t>
             </a:fld>
             <a:endParaRPr lang="de-DE"/>
           </a:p>
@@ -2841,13 +2977,7 @@
       </p:sp>
       <p:sp>
         <p:nvSpPr>
-          <p:cNvPr id="4" name="Fußzeilenplatzhalter 3">
-            <a:extLst>
-              <a:ext uri="{FF2B5EF4-FFF2-40B4-BE49-F238E27FC236}">
-                <a16:creationId xmlns:a16="http://schemas.microsoft.com/office/drawing/2014/main" id="{D17CD12B-9D8A-04BC-EFB7-BD36D7AEA1E3}"/>
-              </a:ext>
-            </a:extLst>
-          </p:cNvPr>
+          <p:cNvPr id="4" name="Footer Placeholder 3"/>
           <p:cNvSpPr>
             <a:spLocks noGrp="1"/>
           </p:cNvSpPr>
@@ -2866,13 +2996,7 @@
       </p:sp>
       <p:sp>
         <p:nvSpPr>
-          <p:cNvPr id="5" name="Foliennummernplatzhalter 4">
-            <a:extLst>
-              <a:ext uri="{FF2B5EF4-FFF2-40B4-BE49-F238E27FC236}">
-                <a16:creationId xmlns:a16="http://schemas.microsoft.com/office/drawing/2014/main" id="{21A05CFC-C30B-43F2-4E43-6D31F7BB4266}"/>
-              </a:ext>
-            </a:extLst>
-          </p:cNvPr>
+          <p:cNvPr id="5" name="Slide Number Placeholder 4"/>
           <p:cNvSpPr>
             <a:spLocks noGrp="1"/>
           </p:cNvSpPr>
@@ -2896,7 +3020,7 @@
     </p:spTree>
     <p:extLst>
       <p:ext uri="{BB962C8B-B14F-4D97-AF65-F5344CB8AC3E}">
-        <p14:creationId xmlns:p14="http://schemas.microsoft.com/office/powerpoint/2010/main" val="4105173652"/>
+        <p14:creationId xmlns:p14="http://schemas.microsoft.com/office/powerpoint/2010/main" val="2116803895"/>
       </p:ext>
     </p:extLst>
   </p:cSld>
@@ -2907,7 +3031,7 @@
 </file>
 
 <file path=ppt/slideLayouts/slideLayout7.xml><?xml version="1.0" encoding="utf-8"?>
-<p:sldLayout xmlns:a="http://schemas.openxmlformats.org/drawingml/2006/main" xmlns:r="http://schemas.openxmlformats.org/officeDocument/2006/relationships" xmlns:p="http://schemas.openxmlformats.org/presentationml/2006/main" type="blank" preserve="1">
+<p:sldLayout xmlns:a="http://schemas.openxmlformats.org/drawingml/2006/main" xmlns:r="http://schemas.openxmlformats.org/officeDocument/2006/relationships" xmlns:p="http://schemas.openxmlformats.org/presentationml/2006/main" showMasterSp="0" type="blank" preserve="1">
   <p:cSld name="Leer">
     <p:spTree>
       <p:nvGrpSpPr>
@@ -2925,13 +3049,83 @@
       </p:grpSpPr>
       <p:sp>
         <p:nvSpPr>
-          <p:cNvPr id="2" name="Datumsplatzhalter 1">
-            <a:extLst>
-              <a:ext uri="{FF2B5EF4-FFF2-40B4-BE49-F238E27FC236}">
-                <a16:creationId xmlns:a16="http://schemas.microsoft.com/office/drawing/2014/main" id="{A7B9095D-0142-D84D-0293-E4BABA014770}"/>
-              </a:ext>
-            </a:extLst>
-          </p:cNvPr>
+          <p:cNvPr id="5" name="Rectangle 4"/>
+          <p:cNvSpPr/>
+          <p:nvPr/>
+        </p:nvSpPr>
+        <p:spPr>
+          <a:xfrm>
+            <a:off x="3175" y="6400800"/>
+            <a:ext cx="12188825" cy="457200"/>
+          </a:xfrm>
+          <a:prstGeom prst="rect">
+            <a:avLst/>
+          </a:prstGeom>
+          <a:solidFill>
+            <a:schemeClr val="accent2"/>
+          </a:solidFill>
+          <a:ln>
+            <a:noFill/>
+          </a:ln>
+        </p:spPr>
+        <p:style>
+          <a:lnRef idx="2">
+            <a:schemeClr val="accent1">
+              <a:shade val="50000"/>
+            </a:schemeClr>
+          </a:lnRef>
+          <a:fillRef idx="1">
+            <a:schemeClr val="accent1"/>
+          </a:fillRef>
+          <a:effectRef idx="0">
+            <a:schemeClr val="accent1"/>
+          </a:effectRef>
+          <a:fontRef idx="minor">
+            <a:schemeClr val="lt1"/>
+          </a:fontRef>
+        </p:style>
+      </p:sp>
+      <p:sp>
+        <p:nvSpPr>
+          <p:cNvPr id="6" name="Rectangle 5"/>
+          <p:cNvSpPr/>
+          <p:nvPr/>
+        </p:nvSpPr>
+        <p:spPr>
+          <a:xfrm>
+            <a:off x="15" y="6334316"/>
+            <a:ext cx="12188825" cy="64008"/>
+          </a:xfrm>
+          <a:prstGeom prst="rect">
+            <a:avLst/>
+          </a:prstGeom>
+          <a:solidFill>
+            <a:schemeClr val="accent1"/>
+          </a:solidFill>
+          <a:ln>
+            <a:noFill/>
+          </a:ln>
+        </p:spPr>
+        <p:style>
+          <a:lnRef idx="2">
+            <a:schemeClr val="accent1">
+              <a:shade val="50000"/>
+            </a:schemeClr>
+          </a:lnRef>
+          <a:fillRef idx="1">
+            <a:schemeClr val="accent1"/>
+          </a:fillRef>
+          <a:effectRef idx="0">
+            <a:schemeClr val="accent1"/>
+          </a:effectRef>
+          <a:fontRef idx="minor">
+            <a:schemeClr val="lt1"/>
+          </a:fontRef>
+        </p:style>
+      </p:sp>
+      <p:sp>
+        <p:nvSpPr>
+          <p:cNvPr id="7" name="Date Placeholder 6"/>
           <p:cNvSpPr>
             <a:spLocks noGrp="1"/>
           </p:cNvSpPr>
@@ -2946,7 +3140,7 @@
           <a:p>
             <a:fld id="{C4141A18-4352-4597-AFD8-BECC62423707}" type="datetimeFigureOut">
               <a:rPr lang="de-DE" smtClean="0"/>
-              <a:t>31.05.2023</a:t>
+              <a:t>02.06.2023</a:t>
             </a:fld>
             <a:endParaRPr lang="de-DE"/>
           </a:p>
@@ -2954,13 +3148,7 @@
       </p:sp>
       <p:sp>
         <p:nvSpPr>
-          <p:cNvPr id="3" name="Fußzeilenplatzhalter 2">
-            <a:extLst>
-              <a:ext uri="{FF2B5EF4-FFF2-40B4-BE49-F238E27FC236}">
-                <a16:creationId xmlns:a16="http://schemas.microsoft.com/office/drawing/2014/main" id="{1AE8437F-5D7C-47D8-A53D-1A0ED8736C8C}"/>
-              </a:ext>
-            </a:extLst>
-          </p:cNvPr>
+          <p:cNvPr id="8" name="Footer Placeholder 7"/>
           <p:cNvSpPr>
             <a:spLocks noGrp="1"/>
           </p:cNvSpPr>
@@ -2971,7 +3159,15 @@
         <p:spPr/>
         <p:txBody>
           <a:bodyPr/>
-          <a:lstStyle/>
+          <a:lstStyle>
+            <a:lvl1pPr>
+              <a:defRPr>
+                <a:solidFill>
+                  <a:srgbClr val="FFFFFF"/>
+                </a:solidFill>
+              </a:defRPr>
+            </a:lvl1pPr>
+          </a:lstStyle>
           <a:p>
             <a:endParaRPr lang="de-DE"/>
           </a:p>
@@ -2979,13 +3175,7 @@
       </p:sp>
       <p:sp>
         <p:nvSpPr>
-          <p:cNvPr id="4" name="Foliennummernplatzhalter 3">
-            <a:extLst>
-              <a:ext uri="{FF2B5EF4-FFF2-40B4-BE49-F238E27FC236}">
-                <a16:creationId xmlns:a16="http://schemas.microsoft.com/office/drawing/2014/main" id="{A7FDC106-BED7-632D-3754-89167544E3D6}"/>
-              </a:ext>
-            </a:extLst>
-          </p:cNvPr>
+          <p:cNvPr id="9" name="Slide Number Placeholder 8"/>
           <p:cNvSpPr>
             <a:spLocks noGrp="1"/>
           </p:cNvSpPr>
@@ -3009,7 +3199,7 @@
     </p:spTree>
     <p:extLst>
       <p:ext uri="{BB962C8B-B14F-4D97-AF65-F5344CB8AC3E}">
-        <p14:creationId xmlns:p14="http://schemas.microsoft.com/office/powerpoint/2010/main" val="556805558"/>
+        <p14:creationId xmlns:p14="http://schemas.microsoft.com/office/powerpoint/2010/main" val="27078132"/>
       </p:ext>
     </p:extLst>
   </p:cSld>
@@ -3020,7 +3210,7 @@
 </file>
 
 <file path=ppt/slideLayouts/slideLayout8.xml><?xml version="1.0" encoding="utf-8"?>
-<p:sldLayout xmlns:a="http://schemas.openxmlformats.org/drawingml/2006/main" xmlns:r="http://schemas.openxmlformats.org/officeDocument/2006/relationships" xmlns:p="http://schemas.openxmlformats.org/presentationml/2006/main" type="objTx" preserve="1">
+<p:sldLayout xmlns:a="http://schemas.openxmlformats.org/drawingml/2006/main" xmlns:r="http://schemas.openxmlformats.org/officeDocument/2006/relationships" xmlns:p="http://schemas.openxmlformats.org/presentationml/2006/main" showMasterSp="0" type="objTx" preserve="1">
   <p:cSld name="Inhalt mit Überschrift">
     <p:spTree>
       <p:nvGrpSpPr>
@@ -3038,50 +3228,121 @@
       </p:grpSpPr>
       <p:sp>
         <p:nvSpPr>
-          <p:cNvPr id="2" name="Titel 1">
-            <a:extLst>
-              <a:ext uri="{FF2B5EF4-FFF2-40B4-BE49-F238E27FC236}">
-                <a16:creationId xmlns:a16="http://schemas.microsoft.com/office/drawing/2014/main" id="{55FC3D54-2ABF-DEF9-C582-314879EEFFCF}"/>
-              </a:ext>
-            </a:extLst>
-          </p:cNvPr>
-          <p:cNvSpPr>
-            <a:spLocks noGrp="1"/>
-          </p:cNvSpPr>
-          <p:nvPr>
-            <p:ph type="title"/>
-          </p:nvPr>
+          <p:cNvPr id="8" name="Rectangle 7"/>
+          <p:cNvSpPr/>
+          <p:nvPr/>
         </p:nvSpPr>
         <p:spPr>
           <a:xfrm>
-            <a:off x="839788" y="457200"/>
-            <a:ext cx="3932237" cy="1600200"/>
+            <a:off x="16" y="0"/>
+            <a:ext cx="4050791" cy="6858000"/>
+          </a:xfrm>
+          <a:prstGeom prst="rect">
+            <a:avLst/>
+          </a:prstGeom>
+          <a:solidFill>
+            <a:schemeClr val="accent2"/>
+          </a:solidFill>
+          <a:ln>
+            <a:noFill/>
+          </a:ln>
+        </p:spPr>
+        <p:style>
+          <a:lnRef idx="2">
+            <a:schemeClr val="accent1">
+              <a:shade val="50000"/>
+            </a:schemeClr>
+          </a:lnRef>
+          <a:fillRef idx="1">
+            <a:schemeClr val="accent1"/>
+          </a:fillRef>
+          <a:effectRef idx="0">
+            <a:schemeClr val="accent1"/>
+          </a:effectRef>
+          <a:fontRef idx="minor">
+            <a:schemeClr val="lt1"/>
+          </a:fontRef>
+        </p:style>
+      </p:sp>
+      <p:sp>
+        <p:nvSpPr>
+          <p:cNvPr id="9" name="Rectangle 8"/>
+          <p:cNvSpPr/>
+          <p:nvPr/>
+        </p:nvSpPr>
+        <p:spPr>
+          <a:xfrm>
+            <a:off x="4040071" y="0"/>
+            <a:ext cx="64008" cy="6858000"/>
+          </a:xfrm>
+          <a:prstGeom prst="rect">
+            <a:avLst/>
+          </a:prstGeom>
+          <a:solidFill>
+            <a:schemeClr val="accent1"/>
+          </a:solidFill>
+          <a:ln>
+            <a:noFill/>
+          </a:ln>
+        </p:spPr>
+        <p:style>
+          <a:lnRef idx="2">
+            <a:schemeClr val="accent1">
+              <a:shade val="50000"/>
+            </a:schemeClr>
+          </a:lnRef>
+          <a:fillRef idx="1">
+            <a:schemeClr val="accent1"/>
+          </a:fillRef>
+          <a:effectRef idx="0">
+            <a:schemeClr val="accent1"/>
+          </a:effectRef>
+          <a:fontRef idx="minor">
+            <a:schemeClr val="lt1"/>
+          </a:fontRef>
+        </p:style>
+      </p:sp>
+      <p:sp>
+        <p:nvSpPr>
+          <p:cNvPr id="2" name="Title 1"/>
+          <p:cNvSpPr>
+            <a:spLocks noGrp="1"/>
+          </p:cNvSpPr>
+          <p:nvPr>
+            <p:ph type="title"/>
+          </p:nvPr>
+        </p:nvSpPr>
+        <p:spPr>
+          <a:xfrm>
+            <a:off x="457200" y="594359"/>
+            <a:ext cx="3200400" cy="2286000"/>
           </a:xfrm>
         </p:spPr>
         <p:txBody>
-          <a:bodyPr anchor="b"/>
+          <a:bodyPr anchor="b">
+            <a:normAutofit/>
+          </a:bodyPr>
           <a:lstStyle>
             <a:lvl1pPr>
-              <a:defRPr sz="3200"/>
+              <a:defRPr sz="3600" b="0">
+                <a:solidFill>
+                  <a:srgbClr val="FFFFFF"/>
+                </a:solidFill>
+              </a:defRPr>
             </a:lvl1pPr>
           </a:lstStyle>
           <a:p>
             <a:r>
-              <a:rPr lang="de-DE"/>
-              <a:t>Mastertitelformat bearbeiten</a:t>
-            </a:r>
-          </a:p>
-        </p:txBody>
-      </p:sp>
-      <p:sp>
-        <p:nvSpPr>
-          <p:cNvPr id="3" name="Inhaltsplatzhalter 2">
-            <a:extLst>
-              <a:ext uri="{FF2B5EF4-FFF2-40B4-BE49-F238E27FC236}">
-                <a16:creationId xmlns:a16="http://schemas.microsoft.com/office/drawing/2014/main" id="{80B0763B-2762-E8AE-189E-226DE5A56F4A}"/>
-              </a:ext>
-            </a:extLst>
-          </p:cNvPr>
+              <a:rPr lang="de-DE" smtClean="0"/>
+              <a:t>Titelmasterformat durch Klicken bearbeiten</a:t>
+            </a:r>
+            <a:endParaRPr lang="en-US" dirty="0"/>
+          </a:p>
+        </p:txBody>
+      </p:sp>
+      <p:sp>
+        <p:nvSpPr>
+          <p:cNvPr id="3" name="Content Placeholder 2"/>
           <p:cNvSpPr>
             <a:spLocks noGrp="1"/>
           </p:cNvSpPr>
@@ -3091,223 +3352,208 @@
         </p:nvSpPr>
         <p:spPr>
           <a:xfrm>
-            <a:off x="5183188" y="987425"/>
-            <a:ext cx="6172200" cy="4873625"/>
+            <a:off x="4800600" y="731520"/>
+            <a:ext cx="6492240" cy="5257800"/>
           </a:xfrm>
         </p:spPr>
+        <p:txBody>
+          <a:bodyPr/>
+          <a:lstStyle/>
+          <a:p>
+            <a:pPr lvl="0"/>
+            <a:r>
+              <a:rPr lang="de-DE" smtClean="0"/>
+              <a:t>Textmasterformat bearbeiten</a:t>
+            </a:r>
+          </a:p>
+          <a:p>
+            <a:pPr lvl="1"/>
+            <a:r>
+              <a:rPr lang="de-DE" smtClean="0"/>
+              <a:t>Zweite Ebene</a:t>
+            </a:r>
+          </a:p>
+          <a:p>
+            <a:pPr lvl="2"/>
+            <a:r>
+              <a:rPr lang="de-DE" smtClean="0"/>
+              <a:t>Dritte Ebene</a:t>
+            </a:r>
+          </a:p>
+          <a:p>
+            <a:pPr lvl="3"/>
+            <a:r>
+              <a:rPr lang="de-DE" smtClean="0"/>
+              <a:t>Vierte Ebene</a:t>
+            </a:r>
+          </a:p>
+          <a:p>
+            <a:pPr lvl="4"/>
+            <a:r>
+              <a:rPr lang="de-DE" smtClean="0"/>
+              <a:t>Fünfte Ebene</a:t>
+            </a:r>
+            <a:endParaRPr lang="en-US" dirty="0"/>
+          </a:p>
+        </p:txBody>
+      </p:sp>
+      <p:sp>
+        <p:nvSpPr>
+          <p:cNvPr id="4" name="Text Placeholder 3"/>
+          <p:cNvSpPr>
+            <a:spLocks noGrp="1"/>
+          </p:cNvSpPr>
+          <p:nvPr>
+            <p:ph type="body" sz="half" idx="2"/>
+          </p:nvPr>
+        </p:nvSpPr>
+        <p:spPr>
+          <a:xfrm>
+            <a:off x="457200" y="2926080"/>
+            <a:ext cx="3200400" cy="3379124"/>
+          </a:xfrm>
+        </p:spPr>
+        <p:txBody>
+          <a:bodyPr lIns="91440" rIns="91440">
+            <a:normAutofit/>
+          </a:bodyPr>
+          <a:lstStyle>
+            <a:lvl1pPr marL="0" indent="0">
+              <a:buNone/>
+              <a:defRPr sz="1500">
+                <a:solidFill>
+                  <a:srgbClr val="FFFFFF"/>
+                </a:solidFill>
+              </a:defRPr>
+            </a:lvl1pPr>
+            <a:lvl2pPr marL="457200" indent="0">
+              <a:buNone/>
+              <a:defRPr sz="1200"/>
+            </a:lvl2pPr>
+            <a:lvl3pPr marL="914400" indent="0">
+              <a:buNone/>
+              <a:defRPr sz="1000"/>
+            </a:lvl3pPr>
+            <a:lvl4pPr marL="1371600" indent="0">
+              <a:buNone/>
+              <a:defRPr sz="900"/>
+            </a:lvl4pPr>
+            <a:lvl5pPr marL="1828800" indent="0">
+              <a:buNone/>
+              <a:defRPr sz="900"/>
+            </a:lvl5pPr>
+            <a:lvl6pPr marL="2286000" indent="0">
+              <a:buNone/>
+              <a:defRPr sz="900"/>
+            </a:lvl6pPr>
+            <a:lvl7pPr marL="2743200" indent="0">
+              <a:buNone/>
+              <a:defRPr sz="900"/>
+            </a:lvl7pPr>
+            <a:lvl8pPr marL="3200400" indent="0">
+              <a:buNone/>
+              <a:defRPr sz="900"/>
+            </a:lvl8pPr>
+            <a:lvl9pPr marL="3657600" indent="0">
+              <a:buNone/>
+              <a:defRPr sz="900"/>
+            </a:lvl9pPr>
+          </a:lstStyle>
+          <a:p>
+            <a:pPr lvl="0"/>
+            <a:r>
+              <a:rPr lang="de-DE" smtClean="0"/>
+              <a:t>Textmasterformat bearbeiten</a:t>
+            </a:r>
+          </a:p>
+        </p:txBody>
+      </p:sp>
+      <p:sp>
+        <p:nvSpPr>
+          <p:cNvPr id="5" name="Date Placeholder 4"/>
+          <p:cNvSpPr>
+            <a:spLocks noGrp="1"/>
+          </p:cNvSpPr>
+          <p:nvPr>
+            <p:ph type="dt" sz="half" idx="10"/>
+          </p:nvPr>
+        </p:nvSpPr>
+        <p:spPr>
+          <a:xfrm>
+            <a:off x="465512" y="6459785"/>
+            <a:ext cx="2618510" cy="365125"/>
+          </a:xfrm>
+        </p:spPr>
+        <p:txBody>
+          <a:bodyPr/>
+          <a:lstStyle>
+            <a:lvl1pPr algn="l">
+              <a:defRPr/>
+            </a:lvl1pPr>
+          </a:lstStyle>
+          <a:p>
+            <a:fld id="{C4141A18-4352-4597-AFD8-BECC62423707}" type="datetimeFigureOut">
+              <a:rPr lang="de-DE" smtClean="0"/>
+              <a:t>02.06.2023</a:t>
+            </a:fld>
+            <a:endParaRPr lang="de-DE"/>
+          </a:p>
+        </p:txBody>
+      </p:sp>
+      <p:sp>
+        <p:nvSpPr>
+          <p:cNvPr id="6" name="Footer Placeholder 5"/>
+          <p:cNvSpPr>
+            <a:spLocks noGrp="1"/>
+          </p:cNvSpPr>
+          <p:nvPr>
+            <p:ph type="ftr" sz="quarter" idx="11"/>
+          </p:nvPr>
+        </p:nvSpPr>
+        <p:spPr>
+          <a:xfrm>
+            <a:off x="4800600" y="6459785"/>
+            <a:ext cx="4648200" cy="365125"/>
+          </a:xfrm>
+        </p:spPr>
+        <p:txBody>
+          <a:bodyPr/>
+          <a:lstStyle>
+            <a:lvl1pPr algn="l">
+              <a:defRPr>
+                <a:solidFill>
+                  <a:schemeClr val="tx2"/>
+                </a:solidFill>
+              </a:defRPr>
+            </a:lvl1pPr>
+          </a:lstStyle>
+          <a:p>
+            <a:endParaRPr lang="de-DE"/>
+          </a:p>
+        </p:txBody>
+      </p:sp>
+      <p:sp>
+        <p:nvSpPr>
+          <p:cNvPr id="7" name="Slide Number Placeholder 6"/>
+          <p:cNvSpPr>
+            <a:spLocks noGrp="1"/>
+          </p:cNvSpPr>
+          <p:nvPr>
+            <p:ph type="sldNum" sz="quarter" idx="12"/>
+          </p:nvPr>
+        </p:nvSpPr>
+        <p:spPr/>
         <p:txBody>
           <a:bodyPr/>
           <a:lstStyle>
             <a:lvl1pPr>
-              <a:defRPr sz="3200"/>
+              <a:defRPr>
+                <a:solidFill>
+                  <a:schemeClr val="tx2"/>
+                </a:solidFill>
+              </a:defRPr>
             </a:lvl1pPr>
-            <a:lvl2pPr>
-              <a:defRPr sz="2800"/>
-            </a:lvl2pPr>
-            <a:lvl3pPr>
-              <a:defRPr sz="2400"/>
-            </a:lvl3pPr>
-            <a:lvl4pPr>
-              <a:defRPr sz="2000"/>
-            </a:lvl4pPr>
-            <a:lvl5pPr>
-              <a:defRPr sz="2000"/>
-            </a:lvl5pPr>
-            <a:lvl6pPr>
-              <a:defRPr sz="2000"/>
-            </a:lvl6pPr>
-            <a:lvl7pPr>
-              <a:defRPr sz="2000"/>
-            </a:lvl7pPr>
-            <a:lvl8pPr>
-              <a:defRPr sz="2000"/>
-            </a:lvl8pPr>
-            <a:lvl9pPr>
-              <a:defRPr sz="2000"/>
-            </a:lvl9pPr>
           </a:lstStyle>
-          <a:p>
-            <a:pPr lvl="0"/>
-            <a:r>
-              <a:rPr lang="de-DE"/>
-              <a:t>Mastertextformat bearbeiten</a:t>
-            </a:r>
-          </a:p>
-          <a:p>
-            <a:pPr lvl="1"/>
-            <a:r>
-              <a:rPr lang="de-DE"/>
-              <a:t>Zweite Ebene</a:t>
-            </a:r>
-          </a:p>
-          <a:p>
-            <a:pPr lvl="2"/>
-            <a:r>
-              <a:rPr lang="de-DE"/>
-              <a:t>Dritte Ebene</a:t>
-            </a:r>
-          </a:p>
-          <a:p>
-            <a:pPr lvl="3"/>
-            <a:r>
-              <a:rPr lang="de-DE"/>
-              <a:t>Vierte Ebene</a:t>
-            </a:r>
-          </a:p>
-          <a:p>
-            <a:pPr lvl="4"/>
-            <a:r>
-              <a:rPr lang="de-DE"/>
-              <a:t>Fünfte Ebene</a:t>
-            </a:r>
-          </a:p>
-        </p:txBody>
-      </p:sp>
-      <p:sp>
-        <p:nvSpPr>
-          <p:cNvPr id="4" name="Textplatzhalter 3">
-            <a:extLst>
-              <a:ext uri="{FF2B5EF4-FFF2-40B4-BE49-F238E27FC236}">
-                <a16:creationId xmlns:a16="http://schemas.microsoft.com/office/drawing/2014/main" id="{EFCE4EAA-865B-9D99-E253-C658E9E8FBEB}"/>
-              </a:ext>
-            </a:extLst>
-          </p:cNvPr>
-          <p:cNvSpPr>
-            <a:spLocks noGrp="1"/>
-          </p:cNvSpPr>
-          <p:nvPr>
-            <p:ph type="body" sz="half" idx="2"/>
-          </p:nvPr>
-        </p:nvSpPr>
-        <p:spPr>
-          <a:xfrm>
-            <a:off x="839788" y="2057400"/>
-            <a:ext cx="3932237" cy="3811588"/>
-          </a:xfrm>
-        </p:spPr>
-        <p:txBody>
-          <a:bodyPr/>
-          <a:lstStyle>
-            <a:lvl1pPr marL="0" indent="0">
-              <a:buNone/>
-              <a:defRPr sz="1600"/>
-            </a:lvl1pPr>
-            <a:lvl2pPr marL="457200" indent="0">
-              <a:buNone/>
-              <a:defRPr sz="1400"/>
-            </a:lvl2pPr>
-            <a:lvl3pPr marL="914400" indent="0">
-              <a:buNone/>
-              <a:defRPr sz="1200"/>
-            </a:lvl3pPr>
-            <a:lvl4pPr marL="1371600" indent="0">
-              <a:buNone/>
-              <a:defRPr sz="1000"/>
-            </a:lvl4pPr>
-            <a:lvl5pPr marL="1828800" indent="0">
-              <a:buNone/>
-              <a:defRPr sz="1000"/>
-            </a:lvl5pPr>
-            <a:lvl6pPr marL="2286000" indent="0">
-              <a:buNone/>
-              <a:defRPr sz="1000"/>
-            </a:lvl6pPr>
-            <a:lvl7pPr marL="2743200" indent="0">
-              <a:buNone/>
-              <a:defRPr sz="1000"/>
-            </a:lvl7pPr>
-            <a:lvl8pPr marL="3200400" indent="0">
-              <a:buNone/>
-              <a:defRPr sz="1000"/>
-            </a:lvl8pPr>
-            <a:lvl9pPr marL="3657600" indent="0">
-              <a:buNone/>
-              <a:defRPr sz="1000"/>
-            </a:lvl9pPr>
-          </a:lstStyle>
-          <a:p>
-            <a:pPr lvl="0"/>
-            <a:r>
-              <a:rPr lang="de-DE"/>
-              <a:t>Mastertextformat bearbeiten</a:t>
-            </a:r>
-          </a:p>
-        </p:txBody>
-      </p:sp>
-      <p:sp>
-        <p:nvSpPr>
-          <p:cNvPr id="5" name="Datumsplatzhalter 4">
-            <a:extLst>
-              <a:ext uri="{FF2B5EF4-FFF2-40B4-BE49-F238E27FC236}">
-                <a16:creationId xmlns:a16="http://schemas.microsoft.com/office/drawing/2014/main" id="{8C66DE96-1A49-E8A0-AD60-B074AC21203A}"/>
-              </a:ext>
-            </a:extLst>
-          </p:cNvPr>
-          <p:cNvSpPr>
-            <a:spLocks noGrp="1"/>
-          </p:cNvSpPr>
-          <p:nvPr>
-            <p:ph type="dt" sz="half" idx="10"/>
-          </p:nvPr>
-        </p:nvSpPr>
-        <p:spPr/>
-        <p:txBody>
-          <a:bodyPr/>
-          <a:lstStyle/>
-          <a:p>
-            <a:fld id="{C4141A18-4352-4597-AFD8-BECC62423707}" type="datetimeFigureOut">
-              <a:rPr lang="de-DE" smtClean="0"/>
-              <a:t>31.05.2023</a:t>
-            </a:fld>
-            <a:endParaRPr lang="de-DE"/>
-          </a:p>
-        </p:txBody>
-      </p:sp>
-      <p:sp>
-        <p:nvSpPr>
-          <p:cNvPr id="6" name="Fußzeilenplatzhalter 5">
-            <a:extLst>
-              <a:ext uri="{FF2B5EF4-FFF2-40B4-BE49-F238E27FC236}">
-                <a16:creationId xmlns:a16="http://schemas.microsoft.com/office/drawing/2014/main" id="{160B54BF-286D-93D7-0B93-FBF832EC3D3A}"/>
-              </a:ext>
-            </a:extLst>
-          </p:cNvPr>
-          <p:cNvSpPr>
-            <a:spLocks noGrp="1"/>
-          </p:cNvSpPr>
-          <p:nvPr>
-            <p:ph type="ftr" sz="quarter" idx="11"/>
-          </p:nvPr>
-        </p:nvSpPr>
-        <p:spPr/>
-        <p:txBody>
-          <a:bodyPr/>
-          <a:lstStyle/>
-          <a:p>
-            <a:endParaRPr lang="de-DE"/>
-          </a:p>
-        </p:txBody>
-      </p:sp>
-      <p:sp>
-        <p:nvSpPr>
-          <p:cNvPr id="7" name="Foliennummernplatzhalter 6">
-            <a:extLst>
-              <a:ext uri="{FF2B5EF4-FFF2-40B4-BE49-F238E27FC236}">
-                <a16:creationId xmlns:a16="http://schemas.microsoft.com/office/drawing/2014/main" id="{410F0DFF-FDCF-D669-0F45-C3C7AA04B64A}"/>
-              </a:ext>
-            </a:extLst>
-          </p:cNvPr>
-          <p:cNvSpPr>
-            <a:spLocks noGrp="1"/>
-          </p:cNvSpPr>
-          <p:nvPr>
-            <p:ph type="sldNum" sz="quarter" idx="12"/>
-          </p:nvPr>
-        </p:nvSpPr>
-        <p:spPr/>
-        <p:txBody>
-          <a:bodyPr/>
-          <a:lstStyle/>
           <a:p>
             <a:fld id="{2A8E32EE-9F0A-4F67-9861-A9ED03B92354}" type="slidenum">
               <a:rPr lang="de-DE" smtClean="0"/>
@@ -3320,7 +3566,7 @@
     </p:spTree>
     <p:extLst>
       <p:ext uri="{BB962C8B-B14F-4D97-AF65-F5344CB8AC3E}">
-        <p14:creationId xmlns:p14="http://schemas.microsoft.com/office/powerpoint/2010/main" val="2052769583"/>
+        <p14:creationId xmlns:p14="http://schemas.microsoft.com/office/powerpoint/2010/main" val="1798887339"/>
       </p:ext>
     </p:extLst>
   </p:cSld>
@@ -3331,7 +3577,7 @@
 </file>
 
 <file path=ppt/slideLayouts/slideLayout9.xml><?xml version="1.0" encoding="utf-8"?>
-<p:sldLayout xmlns:a="http://schemas.openxmlformats.org/drawingml/2006/main" xmlns:r="http://schemas.openxmlformats.org/officeDocument/2006/relationships" xmlns:p="http://schemas.openxmlformats.org/presentationml/2006/main" type="picTx" preserve="1">
+<p:sldLayout xmlns:a="http://schemas.openxmlformats.org/drawingml/2006/main" xmlns:r="http://schemas.openxmlformats.org/officeDocument/2006/relationships" xmlns:p="http://schemas.openxmlformats.org/presentationml/2006/main" showMasterSp="0" type="picTx" preserve="1">
   <p:cSld name="Bild mit Überschrift">
     <p:spTree>
       <p:nvGrpSpPr>
@@ -3349,52 +3595,123 @@
       </p:grpSpPr>
       <p:sp>
         <p:nvSpPr>
-          <p:cNvPr id="2" name="Titel 1">
-            <a:extLst>
-              <a:ext uri="{FF2B5EF4-FFF2-40B4-BE49-F238E27FC236}">
-                <a16:creationId xmlns:a16="http://schemas.microsoft.com/office/drawing/2014/main" id="{57E131ED-F4E6-4784-9671-8F5AF1D1B1D5}"/>
-              </a:ext>
-            </a:extLst>
-          </p:cNvPr>
-          <p:cNvSpPr>
-            <a:spLocks noGrp="1"/>
-          </p:cNvSpPr>
-          <p:nvPr>
-            <p:ph type="title"/>
-          </p:nvPr>
+          <p:cNvPr id="8" name="Rectangle 7"/>
+          <p:cNvSpPr/>
+          <p:nvPr/>
         </p:nvSpPr>
         <p:spPr>
           <a:xfrm>
-            <a:off x="839788" y="457200"/>
-            <a:ext cx="3932237" cy="1600200"/>
+            <a:off x="0" y="4953000"/>
+            <a:ext cx="12188825" cy="1905000"/>
+          </a:xfrm>
+          <a:prstGeom prst="rect">
+            <a:avLst/>
+          </a:prstGeom>
+          <a:solidFill>
+            <a:schemeClr val="accent2"/>
+          </a:solidFill>
+          <a:ln>
+            <a:noFill/>
+          </a:ln>
+        </p:spPr>
+        <p:style>
+          <a:lnRef idx="2">
+            <a:schemeClr val="accent1">
+              <a:shade val="50000"/>
+            </a:schemeClr>
+          </a:lnRef>
+          <a:fillRef idx="1">
+            <a:schemeClr val="accent1"/>
+          </a:fillRef>
+          <a:effectRef idx="0">
+            <a:schemeClr val="accent1"/>
+          </a:effectRef>
+          <a:fontRef idx="minor">
+            <a:schemeClr val="lt1"/>
+          </a:fontRef>
+        </p:style>
+      </p:sp>
+      <p:sp>
+        <p:nvSpPr>
+          <p:cNvPr id="9" name="Rectangle 8"/>
+          <p:cNvSpPr/>
+          <p:nvPr/>
+        </p:nvSpPr>
+        <p:spPr>
+          <a:xfrm>
+            <a:off x="15" y="4915076"/>
+            <a:ext cx="12188825" cy="64008"/>
+          </a:xfrm>
+          <a:prstGeom prst="rect">
+            <a:avLst/>
+          </a:prstGeom>
+          <a:solidFill>
+            <a:schemeClr val="accent1"/>
+          </a:solidFill>
+          <a:ln>
+            <a:noFill/>
+          </a:ln>
+        </p:spPr>
+        <p:style>
+          <a:lnRef idx="2">
+            <a:schemeClr val="accent1">
+              <a:shade val="50000"/>
+            </a:schemeClr>
+          </a:lnRef>
+          <a:fillRef idx="1">
+            <a:schemeClr val="accent1"/>
+          </a:fillRef>
+          <a:effectRef idx="0">
+            <a:schemeClr val="accent1"/>
+          </a:effectRef>
+          <a:fontRef idx="minor">
+            <a:schemeClr val="lt1"/>
+          </a:fontRef>
+        </p:style>
+      </p:sp>
+      <p:sp>
+        <p:nvSpPr>
+          <p:cNvPr id="2" name="Title 1"/>
+          <p:cNvSpPr>
+            <a:spLocks noGrp="1"/>
+          </p:cNvSpPr>
+          <p:nvPr>
+            <p:ph type="title"/>
+          </p:nvPr>
+        </p:nvSpPr>
+        <p:spPr>
+          <a:xfrm>
+            <a:off x="1097280" y="5074920"/>
+            <a:ext cx="10113645" cy="822960"/>
           </a:xfrm>
         </p:spPr>
         <p:txBody>
-          <a:bodyPr anchor="b"/>
+          <a:bodyPr tIns="0" bIns="0" anchor="b">
+            <a:noAutofit/>
+          </a:bodyPr>
           <a:lstStyle>
             <a:lvl1pPr>
-              <a:defRPr sz="3200"/>
+              <a:defRPr sz="3600" b="0">
+                <a:solidFill>
+                  <a:srgbClr val="FFFFFF"/>
+                </a:solidFill>
+              </a:defRPr>
             </a:lvl1pPr>
           </a:lstStyle>
           <a:p>
             <a:r>
-              <a:rPr lang="de-DE"/>
-              <a:t>Mastertitelformat bearbeiten</a:t>
-            </a:r>
-          </a:p>
-        </p:txBody>
-      </p:sp>
-      <p:sp>
-        <p:nvSpPr>
-          <p:cNvPr id="3" name="Bildplatzhalter 2">
-            <a:extLst>
-              <a:ext uri="{FF2B5EF4-FFF2-40B4-BE49-F238E27FC236}">
-                <a16:creationId xmlns:a16="http://schemas.microsoft.com/office/drawing/2014/main" id="{F57C01C1-7DD8-6B88-C24E-B76A560C2F02}"/>
-              </a:ext>
-            </a:extLst>
-          </p:cNvPr>
-          <p:cNvSpPr>
-            <a:spLocks noGrp="1"/>
+              <a:rPr lang="de-DE" smtClean="0"/>
+              <a:t>Titelmasterformat durch Klicken bearbeiten</a:t>
+            </a:r>
+            <a:endParaRPr lang="en-US" dirty="0"/>
+          </a:p>
+        </p:txBody>
+      </p:sp>
+      <p:sp>
+        <p:nvSpPr>
+          <p:cNvPr id="3" name="Picture Placeholder 2"/>
+          <p:cNvSpPr>
+            <a:spLocks noGrp="1" noChangeAspect="1"/>
           </p:cNvSpPr>
           <p:nvPr>
             <p:ph type="pic" idx="1"/>
@@ -3402,12 +3719,17 @@
         </p:nvSpPr>
         <p:spPr>
           <a:xfrm>
-            <a:off x="5183188" y="987425"/>
-            <a:ext cx="6172200" cy="4873625"/>
+            <a:off x="15" y="0"/>
+            <a:ext cx="12191985" cy="4915076"/>
           </a:xfrm>
+          <a:solidFill>
+            <a:schemeClr val="bg2">
+              <a:lumMod val="90000"/>
+            </a:schemeClr>
+          </a:solidFill>
         </p:spPr>
         <p:txBody>
-          <a:bodyPr/>
+          <a:bodyPr lIns="457200" tIns="457200" anchor="t"/>
           <a:lstStyle>
             <a:lvl1pPr marL="0" indent="0">
               <a:buNone/>
@@ -3447,19 +3769,17 @@
             </a:lvl9pPr>
           </a:lstStyle>
           <a:p>
-            <a:endParaRPr lang="de-DE"/>
-          </a:p>
-        </p:txBody>
-      </p:sp>
-      <p:sp>
-        <p:nvSpPr>
-          <p:cNvPr id="4" name="Textplatzhalter 3">
-            <a:extLst>
-              <a:ext uri="{FF2B5EF4-FFF2-40B4-BE49-F238E27FC236}">
-                <a16:creationId xmlns:a16="http://schemas.microsoft.com/office/drawing/2014/main" id="{F45D7ABA-EBF2-08AA-DB7F-80B44590C874}"/>
-              </a:ext>
-            </a:extLst>
-          </p:cNvPr>
+            <a:r>
+              <a:rPr lang="de-DE" smtClean="0"/>
+              <a:t>Bild durch Klicken auf Symbol hinzufügen</a:t>
+            </a:r>
+            <a:endParaRPr lang="en-US" dirty="0"/>
+          </a:p>
+        </p:txBody>
+      </p:sp>
+      <p:sp>
+        <p:nvSpPr>
+          <p:cNvPr id="4" name="Text Placeholder 3"/>
           <p:cNvSpPr>
             <a:spLocks noGrp="1"/>
           </p:cNvSpPr>
@@ -3469,68 +3789,74 @@
         </p:nvSpPr>
         <p:spPr>
           <a:xfrm>
-            <a:off x="839788" y="2057400"/>
-            <a:ext cx="3932237" cy="3811588"/>
+            <a:off x="1097280" y="5907024"/>
+            <a:ext cx="10113264" cy="594360"/>
           </a:xfrm>
         </p:spPr>
         <p:txBody>
-          <a:bodyPr/>
+          <a:bodyPr lIns="91440" tIns="0" rIns="91440" bIns="0">
+            <a:normAutofit/>
+          </a:bodyPr>
           <a:lstStyle>
             <a:lvl1pPr marL="0" indent="0">
+              <a:spcBef>
+                <a:spcPts val="0"/>
+              </a:spcBef>
+              <a:spcAft>
+                <a:spcPts val="600"/>
+              </a:spcAft>
               <a:buNone/>
-              <a:defRPr sz="1600"/>
+              <a:defRPr sz="1500">
+                <a:solidFill>
+                  <a:srgbClr val="FFFFFF"/>
+                </a:solidFill>
+              </a:defRPr>
             </a:lvl1pPr>
             <a:lvl2pPr marL="457200" indent="0">
               <a:buNone/>
-              <a:defRPr sz="1400"/>
+              <a:defRPr sz="1200"/>
             </a:lvl2pPr>
             <a:lvl3pPr marL="914400" indent="0">
               <a:buNone/>
-              <a:defRPr sz="1200"/>
+              <a:defRPr sz="1000"/>
             </a:lvl3pPr>
             <a:lvl4pPr marL="1371600" indent="0">
               <a:buNone/>
-              <a:defRPr sz="1000"/>
+              <a:defRPr sz="900"/>
             </a:lvl4pPr>
             <a:lvl5pPr marL="1828800" indent="0">
               <a:buNone/>
-              <a:defRPr sz="1000"/>
+              <a:defRPr sz="900"/>
             </a:lvl5pPr>
             <a:lvl6pPr marL="2286000" indent="0">
               <a:buNone/>
-              <a:defRPr sz="1000"/>
+              <a:defRPr sz="900"/>
             </a:lvl6pPr>
             <a:lvl7pPr marL="2743200" indent="0">
               <a:buNone/>
-              <a:defRPr sz="1000"/>
+              <a:defRPr sz="900"/>
             </a:lvl7pPr>
             <a:lvl8pPr marL="3200400" indent="0">
               <a:buNone/>
-              <a:defRPr sz="1000"/>
+              <a:defRPr sz="900"/>
             </a:lvl8pPr>
             <a:lvl9pPr marL="3657600" indent="0">
               <a:buNone/>
-              <a:defRPr sz="1000"/>
+              <a:defRPr sz="900"/>
             </a:lvl9pPr>
           </a:lstStyle>
           <a:p>
             <a:pPr lvl="0"/>
             <a:r>
-              <a:rPr lang="de-DE"/>
-              <a:t>Mastertextformat bearbeiten</a:t>
-            </a:r>
-          </a:p>
-        </p:txBody>
-      </p:sp>
-      <p:sp>
-        <p:nvSpPr>
-          <p:cNvPr id="5" name="Datumsplatzhalter 4">
-            <a:extLst>
-              <a:ext uri="{FF2B5EF4-FFF2-40B4-BE49-F238E27FC236}">
-                <a16:creationId xmlns:a16="http://schemas.microsoft.com/office/drawing/2014/main" id="{D882BE7E-61C6-A6C2-ED46-E089A3BDAFA0}"/>
-              </a:ext>
-            </a:extLst>
-          </p:cNvPr>
+              <a:rPr lang="de-DE" smtClean="0"/>
+              <a:t>Textmasterformat bearbeiten</a:t>
+            </a:r>
+          </a:p>
+        </p:txBody>
+      </p:sp>
+      <p:sp>
+        <p:nvSpPr>
+          <p:cNvPr id="5" name="Date Placeholder 4"/>
           <p:cNvSpPr>
             <a:spLocks noGrp="1"/>
           </p:cNvSpPr>
@@ -3545,7 +3871,7 @@
           <a:p>
             <a:fld id="{C4141A18-4352-4597-AFD8-BECC62423707}" type="datetimeFigureOut">
               <a:rPr lang="de-DE" smtClean="0"/>
-              <a:t>31.05.2023</a:t>
+              <a:t>02.06.2023</a:t>
             </a:fld>
             <a:endParaRPr lang="de-DE"/>
           </a:p>
@@ -3553,13 +3879,7 @@
       </p:sp>
       <p:sp>
         <p:nvSpPr>
-          <p:cNvPr id="6" name="Fußzeilenplatzhalter 5">
-            <a:extLst>
-              <a:ext uri="{FF2B5EF4-FFF2-40B4-BE49-F238E27FC236}">
-                <a16:creationId xmlns:a16="http://schemas.microsoft.com/office/drawing/2014/main" id="{CE653C0F-9D2D-C993-F514-8B59DA83ECEC}"/>
-              </a:ext>
-            </a:extLst>
-          </p:cNvPr>
+          <p:cNvPr id="6" name="Footer Placeholder 5"/>
           <p:cNvSpPr>
             <a:spLocks noGrp="1"/>
           </p:cNvSpPr>
@@ -3578,13 +3898,7 @@
       </p:sp>
       <p:sp>
         <p:nvSpPr>
-          <p:cNvPr id="7" name="Foliennummernplatzhalter 6">
-            <a:extLst>
-              <a:ext uri="{FF2B5EF4-FFF2-40B4-BE49-F238E27FC236}">
-                <a16:creationId xmlns:a16="http://schemas.microsoft.com/office/drawing/2014/main" id="{CA761C0D-106E-FCD9-A076-1C1E373BAE11}"/>
-              </a:ext>
-            </a:extLst>
-          </p:cNvPr>
+          <p:cNvPr id="7" name="Slide Number Placeholder 6"/>
           <p:cNvSpPr>
             <a:spLocks noGrp="1"/>
           </p:cNvSpPr>
@@ -3608,7 +3922,7 @@
     </p:spTree>
     <p:extLst>
       <p:ext uri="{BB962C8B-B14F-4D97-AF65-F5344CB8AC3E}">
-        <p14:creationId xmlns:p14="http://schemas.microsoft.com/office/powerpoint/2010/main" val="3773451223"/>
+        <p14:creationId xmlns:p14="http://schemas.microsoft.com/office/powerpoint/2010/main" val="1022307164"/>
       </p:ext>
     </p:extLst>
   </p:cSld>
@@ -3642,51 +3956,116 @@
       </p:grpSpPr>
       <p:sp>
         <p:nvSpPr>
-          <p:cNvPr id="2" name="Titelplatzhalter 1">
-            <a:extLst>
-              <a:ext uri="{FF2B5EF4-FFF2-40B4-BE49-F238E27FC236}">
-                <a16:creationId xmlns:a16="http://schemas.microsoft.com/office/drawing/2014/main" id="{CBDEEDFC-3090-6928-B8F7-2FA1EC36241B}"/>
-              </a:ext>
-            </a:extLst>
-          </p:cNvPr>
-          <p:cNvSpPr>
-            <a:spLocks noGrp="1"/>
-          </p:cNvSpPr>
-          <p:nvPr>
-            <p:ph type="title"/>
-          </p:nvPr>
+          <p:cNvPr id="7" name="Rectangle 6"/>
+          <p:cNvSpPr/>
+          <p:nvPr/>
         </p:nvSpPr>
         <p:spPr>
           <a:xfrm>
-            <a:off x="838200" y="365125"/>
-            <a:ext cx="10515600" cy="1325563"/>
+            <a:off x="3175" y="6400800"/>
+            <a:ext cx="12188825" cy="457200"/>
+          </a:xfrm>
+          <a:prstGeom prst="rect">
+            <a:avLst/>
+          </a:prstGeom>
+          <a:solidFill>
+            <a:schemeClr val="accent2"/>
+          </a:solidFill>
+          <a:ln>
+            <a:noFill/>
+          </a:ln>
+        </p:spPr>
+        <p:style>
+          <a:lnRef idx="2">
+            <a:schemeClr val="accent1">
+              <a:shade val="50000"/>
+            </a:schemeClr>
+          </a:lnRef>
+          <a:fillRef idx="1">
+            <a:schemeClr val="accent1"/>
+          </a:fillRef>
+          <a:effectRef idx="0">
+            <a:schemeClr val="accent1"/>
+          </a:effectRef>
+          <a:fontRef idx="minor">
+            <a:schemeClr val="lt1"/>
+          </a:fontRef>
+        </p:style>
+      </p:sp>
+      <p:sp>
+        <p:nvSpPr>
+          <p:cNvPr id="9" name="Rectangle 8"/>
+          <p:cNvSpPr/>
+          <p:nvPr/>
+        </p:nvSpPr>
+        <p:spPr>
+          <a:xfrm>
+            <a:off x="15" y="6334316"/>
+            <a:ext cx="12188825" cy="64008"/>
+          </a:xfrm>
+          <a:prstGeom prst="rect">
+            <a:avLst/>
+          </a:prstGeom>
+          <a:solidFill>
+            <a:schemeClr val="accent1"/>
+          </a:solidFill>
+          <a:ln>
+            <a:noFill/>
+          </a:ln>
+        </p:spPr>
+        <p:style>
+          <a:lnRef idx="2">
+            <a:schemeClr val="accent1">
+              <a:shade val="50000"/>
+            </a:schemeClr>
+          </a:lnRef>
+          <a:fillRef idx="1">
+            <a:schemeClr val="accent1"/>
+          </a:fillRef>
+          <a:effectRef idx="0">
+            <a:schemeClr val="accent1"/>
+          </a:effectRef>
+          <a:fontRef idx="minor">
+            <a:schemeClr val="lt1"/>
+          </a:fontRef>
+        </p:style>
+      </p:sp>
+      <p:sp>
+        <p:nvSpPr>
+          <p:cNvPr id="2" name="Title Placeholder 1"/>
+          <p:cNvSpPr>
+            <a:spLocks noGrp="1"/>
+          </p:cNvSpPr>
+          <p:nvPr>
+            <p:ph type="title"/>
+          </p:nvPr>
+        </p:nvSpPr>
+        <p:spPr>
+          <a:xfrm>
+            <a:off x="1097280" y="286603"/>
+            <a:ext cx="10058400" cy="1450757"/>
           </a:xfrm>
           <a:prstGeom prst="rect">
             <a:avLst/>
           </a:prstGeom>
         </p:spPr>
         <p:txBody>
-          <a:bodyPr vert="horz" lIns="91440" tIns="45720" rIns="91440" bIns="45720" rtlCol="0" anchor="ctr">
+          <a:bodyPr vert="horz" lIns="91440" tIns="45720" rIns="91440" bIns="45720" rtlCol="0" anchor="b">
             <a:normAutofit/>
           </a:bodyPr>
           <a:lstStyle/>
           <a:p>
             <a:r>
-              <a:rPr lang="de-DE"/>
-              <a:t>Mastertitelformat bearbeiten</a:t>
-            </a:r>
-          </a:p>
-        </p:txBody>
-      </p:sp>
-      <p:sp>
-        <p:nvSpPr>
-          <p:cNvPr id="3" name="Textplatzhalter 2">
-            <a:extLst>
-              <a:ext uri="{FF2B5EF4-FFF2-40B4-BE49-F238E27FC236}">
-                <a16:creationId xmlns:a16="http://schemas.microsoft.com/office/drawing/2014/main" id="{A0377084-841B-9055-72E2-30EA7A93F73E}"/>
-              </a:ext>
-            </a:extLst>
-          </p:cNvPr>
+              <a:rPr lang="de-DE" smtClean="0"/>
+              <a:t>Titelmasterformat durch Klicken bearbeiten</a:t>
+            </a:r>
+            <a:endParaRPr lang="en-US" dirty="0"/>
+          </a:p>
+        </p:txBody>
+      </p:sp>
+      <p:sp>
+        <p:nvSpPr>
+          <p:cNvPr id="3" name="Text Placeholder 2"/>
           <p:cNvSpPr>
             <a:spLocks noGrp="1"/>
           </p:cNvSpPr>
@@ -3696,64 +4075,59 @@
         </p:nvSpPr>
         <p:spPr>
           <a:xfrm>
-            <a:off x="838200" y="1825625"/>
-            <a:ext cx="10515600" cy="4351338"/>
+            <a:off x="1097280" y="1845734"/>
+            <a:ext cx="10058400" cy="4023360"/>
           </a:xfrm>
           <a:prstGeom prst="rect">
             <a:avLst/>
           </a:prstGeom>
         </p:spPr>
         <p:txBody>
-          <a:bodyPr vert="horz" lIns="91440" tIns="45720" rIns="91440" bIns="45720" rtlCol="0">
+          <a:bodyPr vert="horz" lIns="0" tIns="45720" rIns="0" bIns="45720" rtlCol="0">
             <a:normAutofit/>
           </a:bodyPr>
           <a:lstStyle/>
           <a:p>
             <a:pPr lvl="0"/>
             <a:r>
-              <a:rPr lang="de-DE"/>
-              <a:t>Mastertextformat bearbeiten</a:t>
+              <a:rPr lang="de-DE" smtClean="0"/>
+              <a:t>Textmasterformat bearbeiten</a:t>
             </a:r>
           </a:p>
           <a:p>
             <a:pPr lvl="1"/>
             <a:r>
-              <a:rPr lang="de-DE"/>
+              <a:rPr lang="de-DE" smtClean="0"/>
               <a:t>Zweite Ebene</a:t>
             </a:r>
           </a:p>
           <a:p>
             <a:pPr lvl="2"/>
             <a:r>
-              <a:rPr lang="de-DE"/>
+              <a:rPr lang="de-DE" smtClean="0"/>
               <a:t>Dritte Ebene</a:t>
             </a:r>
           </a:p>
           <a:p>
             <a:pPr lvl="3"/>
             <a:r>
-              <a:rPr lang="de-DE"/>
+              <a:rPr lang="de-DE" smtClean="0"/>
               <a:t>Vierte Ebene</a:t>
             </a:r>
           </a:p>
           <a:p>
             <a:pPr lvl="4"/>
             <a:r>
-              <a:rPr lang="de-DE"/>
+              <a:rPr lang="de-DE" smtClean="0"/>
               <a:t>Fünfte Ebene</a:t>
             </a:r>
-          </a:p>
-        </p:txBody>
-      </p:sp>
-      <p:sp>
-        <p:nvSpPr>
-          <p:cNvPr id="4" name="Datumsplatzhalter 3">
-            <a:extLst>
-              <a:ext uri="{FF2B5EF4-FFF2-40B4-BE49-F238E27FC236}">
-                <a16:creationId xmlns:a16="http://schemas.microsoft.com/office/drawing/2014/main" id="{B8D4C867-3311-4F0B-D178-FEA05241B55B}"/>
-              </a:ext>
-            </a:extLst>
-          </p:cNvPr>
+            <a:endParaRPr lang="en-US" dirty="0"/>
+          </a:p>
+        </p:txBody>
+      </p:sp>
+      <p:sp>
+        <p:nvSpPr>
+          <p:cNvPr id="4" name="Date Placeholder 3"/>
           <p:cNvSpPr>
             <a:spLocks noGrp="1"/>
           </p:cNvSpPr>
@@ -3763,8 +4137,8 @@
         </p:nvSpPr>
         <p:spPr>
           <a:xfrm>
-            <a:off x="838200" y="6356350"/>
-            <a:ext cx="2743200" cy="365125"/>
+            <a:off x="1097280" y="6459785"/>
+            <a:ext cx="2472271" cy="365125"/>
           </a:xfrm>
           <a:prstGeom prst="rect">
             <a:avLst/>
@@ -3774,11 +4148,9 @@
           <a:bodyPr vert="horz" lIns="91440" tIns="45720" rIns="91440" bIns="45720" rtlCol="0" anchor="ctr"/>
           <a:lstStyle>
             <a:lvl1pPr algn="l">
-              <a:defRPr sz="1200">
+              <a:defRPr sz="900">
                 <a:solidFill>
-                  <a:schemeClr val="tx1">
-                    <a:tint val="75000"/>
-                  </a:schemeClr>
+                  <a:srgbClr val="FFFFFF"/>
                 </a:solidFill>
               </a:defRPr>
             </a:lvl1pPr>
@@ -3786,7 +4158,7 @@
           <a:p>
             <a:fld id="{C4141A18-4352-4597-AFD8-BECC62423707}" type="datetimeFigureOut">
               <a:rPr lang="de-DE" smtClean="0"/>
-              <a:t>31.05.2023</a:t>
+              <a:t>02.06.2023</a:t>
             </a:fld>
             <a:endParaRPr lang="de-DE"/>
           </a:p>
@@ -3794,13 +4166,7 @@
       </p:sp>
       <p:sp>
         <p:nvSpPr>
-          <p:cNvPr id="5" name="Fußzeilenplatzhalter 4">
-            <a:extLst>
-              <a:ext uri="{FF2B5EF4-FFF2-40B4-BE49-F238E27FC236}">
-                <a16:creationId xmlns:a16="http://schemas.microsoft.com/office/drawing/2014/main" id="{66DC43EC-4E6D-B566-0B56-A7E4EF969AEB}"/>
-              </a:ext>
-            </a:extLst>
-          </p:cNvPr>
+          <p:cNvPr id="5" name="Footer Placeholder 4"/>
           <p:cNvSpPr>
             <a:spLocks noGrp="1"/>
           </p:cNvSpPr>
@@ -3810,8 +4176,8 @@
         </p:nvSpPr>
         <p:spPr>
           <a:xfrm>
-            <a:off x="4038600" y="6356350"/>
-            <a:ext cx="4114800" cy="365125"/>
+            <a:off x="3686185" y="6459785"/>
+            <a:ext cx="4822804" cy="365125"/>
           </a:xfrm>
           <a:prstGeom prst="rect">
             <a:avLst/>
@@ -3821,11 +4187,9 @@
           <a:bodyPr vert="horz" lIns="91440" tIns="45720" rIns="91440" bIns="45720" rtlCol="0" anchor="ctr"/>
           <a:lstStyle>
             <a:lvl1pPr algn="ctr">
-              <a:defRPr sz="1200">
+              <a:defRPr sz="900" cap="all" baseline="0">
                 <a:solidFill>
-                  <a:schemeClr val="tx1">
-                    <a:tint val="75000"/>
-                  </a:schemeClr>
+                  <a:srgbClr val="FFFFFF"/>
                 </a:solidFill>
               </a:defRPr>
             </a:lvl1pPr>
@@ -3837,13 +4201,7 @@
       </p:sp>
       <p:sp>
         <p:nvSpPr>
-          <p:cNvPr id="6" name="Foliennummernplatzhalter 5">
-            <a:extLst>
-              <a:ext uri="{FF2B5EF4-FFF2-40B4-BE49-F238E27FC236}">
-                <a16:creationId xmlns:a16="http://schemas.microsoft.com/office/drawing/2014/main" id="{6A86C63A-B75A-780B-249D-B1FBD52F76D3}"/>
-              </a:ext>
-            </a:extLst>
-          </p:cNvPr>
+          <p:cNvPr id="6" name="Slide Number Placeholder 5"/>
           <p:cNvSpPr>
             <a:spLocks noGrp="1"/>
           </p:cNvSpPr>
@@ -3853,8 +4211,8 @@
         </p:nvSpPr>
         <p:spPr>
           <a:xfrm>
-            <a:off x="8610600" y="6356350"/>
-            <a:ext cx="2743200" cy="365125"/>
+            <a:off x="9900458" y="6459785"/>
+            <a:ext cx="1312025" cy="365125"/>
           </a:xfrm>
           <a:prstGeom prst="rect">
             <a:avLst/>
@@ -3864,11 +4222,9 @@
           <a:bodyPr vert="horz" lIns="91440" tIns="45720" rIns="91440" bIns="45720" rtlCol="0" anchor="ctr"/>
           <a:lstStyle>
             <a:lvl1pPr algn="r">
-              <a:defRPr sz="1200">
+              <a:defRPr sz="1050">
                 <a:solidFill>
-                  <a:schemeClr val="tx1">
-                    <a:tint val="75000"/>
-                  </a:schemeClr>
+                  <a:srgbClr val="FFFFFF"/>
                 </a:solidFill>
               </a:defRPr>
             </a:lvl1pPr>
@@ -3882,40 +4238,81 @@
           </a:p>
         </p:txBody>
       </p:sp>
+      <p:cxnSp>
+        <p:nvCxnSpPr>
+          <p:cNvPr id="10" name="Straight Connector 9"/>
+          <p:cNvCxnSpPr/>
+          <p:nvPr/>
+        </p:nvCxnSpPr>
+        <p:spPr>
+          <a:xfrm>
+            <a:off x="1193532" y="1737845"/>
+            <a:ext cx="9966960" cy="0"/>
+          </a:xfrm>
+          <a:prstGeom prst="line">
+            <a:avLst/>
+          </a:prstGeom>
+          <a:ln w="6350">
+            <a:solidFill>
+              <a:schemeClr val="tx1">
+                <a:lumMod val="50000"/>
+                <a:lumOff val="50000"/>
+              </a:schemeClr>
+            </a:solidFill>
+          </a:ln>
+        </p:spPr>
+        <p:style>
+          <a:lnRef idx="1">
+            <a:schemeClr val="accent1"/>
+          </a:lnRef>
+          <a:fillRef idx="0">
+            <a:schemeClr val="accent1"/>
+          </a:fillRef>
+          <a:effectRef idx="0">
+            <a:schemeClr val="accent1"/>
+          </a:effectRef>
+          <a:fontRef idx="minor">
+            <a:schemeClr val="tx1"/>
+          </a:fontRef>
+        </p:style>
+      </p:cxnSp>
     </p:spTree>
     <p:extLst>
       <p:ext uri="{BB962C8B-B14F-4D97-AF65-F5344CB8AC3E}">
-        <p14:creationId xmlns:p14="http://schemas.microsoft.com/office/powerpoint/2010/main" val="1495807442"/>
+        <p14:creationId xmlns:p14="http://schemas.microsoft.com/office/powerpoint/2010/main" val="4073272124"/>
       </p:ext>
     </p:extLst>
   </p:cSld>
   <p:clrMap bg1="lt1" tx1="dk1" bg2="lt2" tx2="dk2" accent1="accent1" accent2="accent2" accent3="accent3" accent4="accent4" accent5="accent5" accent6="accent6" hlink="hlink" folHlink="folHlink"/>
   <p:sldLayoutIdLst>
-    <p:sldLayoutId id="2147483649" r:id="rId1"/>
-    <p:sldLayoutId id="2147483650" r:id="rId2"/>
-    <p:sldLayoutId id="2147483651" r:id="rId3"/>
-    <p:sldLayoutId id="2147483652" r:id="rId4"/>
-    <p:sldLayoutId id="2147483653" r:id="rId5"/>
-    <p:sldLayoutId id="2147483654" r:id="rId6"/>
-    <p:sldLayoutId id="2147483655" r:id="rId7"/>
-    <p:sldLayoutId id="2147483656" r:id="rId8"/>
-    <p:sldLayoutId id="2147483657" r:id="rId9"/>
-    <p:sldLayoutId id="2147483658" r:id="rId10"/>
-    <p:sldLayoutId id="2147483659" r:id="rId11"/>
+    <p:sldLayoutId id="2147483690" r:id="rId1"/>
+    <p:sldLayoutId id="2147483691" r:id="rId2"/>
+    <p:sldLayoutId id="2147483692" r:id="rId3"/>
+    <p:sldLayoutId id="2147483693" r:id="rId4"/>
+    <p:sldLayoutId id="2147483694" r:id="rId5"/>
+    <p:sldLayoutId id="2147483695" r:id="rId6"/>
+    <p:sldLayoutId id="2147483696" r:id="rId7"/>
+    <p:sldLayoutId id="2147483697" r:id="rId8"/>
+    <p:sldLayoutId id="2147483698" r:id="rId9"/>
+    <p:sldLayoutId id="2147483699" r:id="rId10"/>
+    <p:sldLayoutId id="2147483700" r:id="rId11"/>
   </p:sldLayoutIdLst>
   <p:txStyles>
     <p:titleStyle>
       <a:lvl1pPr algn="l" defTabSz="914400" rtl="0" eaLnBrk="1" latinLnBrk="0" hangingPunct="1">
         <a:lnSpc>
-          <a:spcPct val="90000"/>
+          <a:spcPct val="85000"/>
         </a:lnSpc>
         <a:spcBef>
           <a:spcPct val="0"/>
         </a:spcBef>
         <a:buNone/>
-        <a:defRPr sz="4400" kern="1200">
+        <a:defRPr sz="4800" kern="1200" spc="-50" baseline="0">
           <a:solidFill>
-            <a:schemeClr val="tx1"/>
+            <a:schemeClr val="tx1">
+              <a:lumMod val="75000"/>
+              <a:lumOff val="25000"/>
+            </a:schemeClr>
           </a:solidFill>
           <a:latin typeface="+mj-lt"/>
           <a:ea typeface="+mj-ea"/>
@@ -3924,162 +4321,244 @@
       </a:lvl1pPr>
     </p:titleStyle>
     <p:bodyStyle>
-      <a:lvl1pPr marL="228600" indent="-228600" algn="l" defTabSz="914400" rtl="0" eaLnBrk="1" latinLnBrk="0" hangingPunct="1">
+      <a:lvl1pPr marL="91440" indent="-91440" algn="l" defTabSz="914400" rtl="0" eaLnBrk="1" latinLnBrk="0" hangingPunct="1">
         <a:lnSpc>
           <a:spcPct val="90000"/>
         </a:lnSpc>
         <a:spcBef>
-          <a:spcPts val="1000"/>
+          <a:spcPts val="1200"/>
         </a:spcBef>
-        <a:buFont typeface="Arial" panose="020B0604020202020204" pitchFamily="34" charset="0"/>
-        <a:buChar char="•"/>
-        <a:defRPr sz="2800" kern="1200">
+        <a:spcAft>
+          <a:spcPts val="200"/>
+        </a:spcAft>
+        <a:buClr>
+          <a:schemeClr val="accent1"/>
+        </a:buClr>
+        <a:buSzPct val="100000"/>
+        <a:buFont typeface="Calibri" panose="020F0502020204030204" pitchFamily="34" charset="0"/>
+        <a:buChar char=" "/>
+        <a:defRPr sz="2000" kern="1200">
           <a:solidFill>
-            <a:schemeClr val="tx1"/>
+            <a:schemeClr val="tx1">
+              <a:lumMod val="75000"/>
+              <a:lumOff val="25000"/>
+            </a:schemeClr>
           </a:solidFill>
           <a:latin typeface="+mn-lt"/>
           <a:ea typeface="+mn-ea"/>
           <a:cs typeface="+mn-cs"/>
         </a:defRPr>
       </a:lvl1pPr>
-      <a:lvl2pPr marL="685800" indent="-228600" algn="l" defTabSz="914400" rtl="0" eaLnBrk="1" latinLnBrk="0" hangingPunct="1">
+      <a:lvl2pPr marL="384048" indent="-182880" algn="l" defTabSz="914400" rtl="0" eaLnBrk="1" latinLnBrk="0" hangingPunct="1">
         <a:lnSpc>
           <a:spcPct val="90000"/>
         </a:lnSpc>
         <a:spcBef>
-          <a:spcPts val="500"/>
+          <a:spcPts val="200"/>
         </a:spcBef>
-        <a:buFont typeface="Arial" panose="020B0604020202020204" pitchFamily="34" charset="0"/>
-        <a:buChar char="•"/>
-        <a:defRPr sz="2400" kern="1200">
+        <a:spcAft>
+          <a:spcPts val="400"/>
+        </a:spcAft>
+        <a:buClr>
+          <a:schemeClr val="accent1"/>
+        </a:buClr>
+        <a:buFont typeface="Calibri" pitchFamily="34" charset="0"/>
+        <a:buChar char="◦"/>
+        <a:defRPr sz="1800" kern="1200">
           <a:solidFill>
-            <a:schemeClr val="tx1"/>
+            <a:schemeClr val="tx1">
+              <a:lumMod val="75000"/>
+              <a:lumOff val="25000"/>
+            </a:schemeClr>
           </a:solidFill>
           <a:latin typeface="+mn-lt"/>
           <a:ea typeface="+mn-ea"/>
           <a:cs typeface="+mn-cs"/>
         </a:defRPr>
       </a:lvl2pPr>
-      <a:lvl3pPr marL="1143000" indent="-228600" algn="l" defTabSz="914400" rtl="0" eaLnBrk="1" latinLnBrk="0" hangingPunct="1">
+      <a:lvl3pPr marL="566928" indent="-182880" algn="l" defTabSz="914400" rtl="0" eaLnBrk="1" latinLnBrk="0" hangingPunct="1">
         <a:lnSpc>
           <a:spcPct val="90000"/>
         </a:lnSpc>
         <a:spcBef>
-          <a:spcPts val="500"/>
+          <a:spcPts val="200"/>
         </a:spcBef>
-        <a:buFont typeface="Arial" panose="020B0604020202020204" pitchFamily="34" charset="0"/>
-        <a:buChar char="•"/>
-        <a:defRPr sz="2000" kern="1200">
+        <a:spcAft>
+          <a:spcPts val="400"/>
+        </a:spcAft>
+        <a:buClr>
+          <a:schemeClr val="accent1"/>
+        </a:buClr>
+        <a:buFont typeface="Calibri" pitchFamily="34" charset="0"/>
+        <a:buChar char="◦"/>
+        <a:defRPr sz="1400" kern="1200">
           <a:solidFill>
-            <a:schemeClr val="tx1"/>
+            <a:schemeClr val="tx1">
+              <a:lumMod val="75000"/>
+              <a:lumOff val="25000"/>
+            </a:schemeClr>
           </a:solidFill>
           <a:latin typeface="+mn-lt"/>
           <a:ea typeface="+mn-ea"/>
           <a:cs typeface="+mn-cs"/>
         </a:defRPr>
       </a:lvl3pPr>
-      <a:lvl4pPr marL="1600200" indent="-228600" algn="l" defTabSz="914400" rtl="0" eaLnBrk="1" latinLnBrk="0" hangingPunct="1">
+      <a:lvl4pPr marL="749808" indent="-182880" algn="l" defTabSz="914400" rtl="0" eaLnBrk="1" latinLnBrk="0" hangingPunct="1">
         <a:lnSpc>
           <a:spcPct val="90000"/>
         </a:lnSpc>
         <a:spcBef>
-          <a:spcPts val="500"/>
+          <a:spcPts val="200"/>
         </a:spcBef>
-        <a:buFont typeface="Arial" panose="020B0604020202020204" pitchFamily="34" charset="0"/>
-        <a:buChar char="•"/>
-        <a:defRPr sz="1800" kern="1200">
+        <a:spcAft>
+          <a:spcPts val="400"/>
+        </a:spcAft>
+        <a:buClr>
+          <a:schemeClr val="accent1"/>
+        </a:buClr>
+        <a:buFont typeface="Calibri" pitchFamily="34" charset="0"/>
+        <a:buChar char="◦"/>
+        <a:defRPr sz="1400" kern="1200">
           <a:solidFill>
-            <a:schemeClr val="tx1"/>
+            <a:schemeClr val="tx1">
+              <a:lumMod val="75000"/>
+              <a:lumOff val="25000"/>
+            </a:schemeClr>
           </a:solidFill>
           <a:latin typeface="+mn-lt"/>
           <a:ea typeface="+mn-ea"/>
           <a:cs typeface="+mn-cs"/>
         </a:defRPr>
       </a:lvl4pPr>
-      <a:lvl5pPr marL="2057400" indent="-228600" algn="l" defTabSz="914400" rtl="0" eaLnBrk="1" latinLnBrk="0" hangingPunct="1">
+      <a:lvl5pPr marL="932688" indent="-182880" algn="l" defTabSz="914400" rtl="0" eaLnBrk="1" latinLnBrk="0" hangingPunct="1">
         <a:lnSpc>
           <a:spcPct val="90000"/>
         </a:lnSpc>
         <a:spcBef>
-          <a:spcPts val="500"/>
+          <a:spcPts val="200"/>
         </a:spcBef>
-        <a:buFont typeface="Arial" panose="020B0604020202020204" pitchFamily="34" charset="0"/>
-        <a:buChar char="•"/>
-        <a:defRPr sz="1800" kern="1200">
+        <a:spcAft>
+          <a:spcPts val="400"/>
+        </a:spcAft>
+        <a:buClr>
+          <a:schemeClr val="accent1"/>
+        </a:buClr>
+        <a:buFont typeface="Calibri" pitchFamily="34" charset="0"/>
+        <a:buChar char="◦"/>
+        <a:defRPr sz="1400" kern="1200">
           <a:solidFill>
-            <a:schemeClr val="tx1"/>
+            <a:schemeClr val="tx1">
+              <a:lumMod val="75000"/>
+              <a:lumOff val="25000"/>
+            </a:schemeClr>
           </a:solidFill>
           <a:latin typeface="+mn-lt"/>
           <a:ea typeface="+mn-ea"/>
           <a:cs typeface="+mn-cs"/>
         </a:defRPr>
       </a:lvl5pPr>
-      <a:lvl6pPr marL="2514600" indent="-228600" algn="l" defTabSz="914400" rtl="0" eaLnBrk="1" latinLnBrk="0" hangingPunct="1">
+      <a:lvl6pPr marL="1100000" indent="-228600" algn="l" defTabSz="914400" rtl="0" eaLnBrk="1" latinLnBrk="0" hangingPunct="1">
         <a:lnSpc>
           <a:spcPct val="90000"/>
         </a:lnSpc>
         <a:spcBef>
-          <a:spcPts val="500"/>
+          <a:spcPts val="200"/>
         </a:spcBef>
-        <a:buFont typeface="Arial" panose="020B0604020202020204" pitchFamily="34" charset="0"/>
-        <a:buChar char="•"/>
-        <a:defRPr sz="1800" kern="1200">
+        <a:spcAft>
+          <a:spcPts val="400"/>
+        </a:spcAft>
+        <a:buClr>
+          <a:schemeClr val="accent1"/>
+        </a:buClr>
+        <a:buFont typeface="Calibri" pitchFamily="34" charset="0"/>
+        <a:buChar char="◦"/>
+        <a:defRPr sz="1400" kern="1200">
           <a:solidFill>
-            <a:schemeClr val="tx1"/>
+            <a:schemeClr val="tx1">
+              <a:lumMod val="75000"/>
+              <a:lumOff val="25000"/>
+            </a:schemeClr>
           </a:solidFill>
           <a:latin typeface="+mn-lt"/>
           <a:ea typeface="+mn-ea"/>
           <a:cs typeface="+mn-cs"/>
         </a:defRPr>
       </a:lvl6pPr>
-      <a:lvl7pPr marL="2971800" indent="-228600" algn="l" defTabSz="914400" rtl="0" eaLnBrk="1" latinLnBrk="0" hangingPunct="1">
+      <a:lvl7pPr marL="1300000" indent="-228600" algn="l" defTabSz="914400" rtl="0" eaLnBrk="1" latinLnBrk="0" hangingPunct="1">
         <a:lnSpc>
           <a:spcPct val="90000"/>
         </a:lnSpc>
         <a:spcBef>
-          <a:spcPts val="500"/>
+          <a:spcPts val="200"/>
         </a:spcBef>
-        <a:buFont typeface="Arial" panose="020B0604020202020204" pitchFamily="34" charset="0"/>
-        <a:buChar char="•"/>
-        <a:defRPr sz="1800" kern="1200">
+        <a:spcAft>
+          <a:spcPts val="400"/>
+        </a:spcAft>
+        <a:buClr>
+          <a:schemeClr val="accent1"/>
+        </a:buClr>
+        <a:buFont typeface="Calibri" pitchFamily="34" charset="0"/>
+        <a:buChar char="◦"/>
+        <a:defRPr sz="1400" kern="1200">
           <a:solidFill>
-            <a:schemeClr val="tx1"/>
+            <a:schemeClr val="tx1">
+              <a:lumMod val="75000"/>
+              <a:lumOff val="25000"/>
+            </a:schemeClr>
           </a:solidFill>
           <a:latin typeface="+mn-lt"/>
           <a:ea typeface="+mn-ea"/>
           <a:cs typeface="+mn-cs"/>
         </a:defRPr>
       </a:lvl7pPr>
-      <a:lvl8pPr marL="3429000" indent="-228600" algn="l" defTabSz="914400" rtl="0" eaLnBrk="1" latinLnBrk="0" hangingPunct="1">
+      <a:lvl8pPr marL="1500000" indent="-228600" algn="l" defTabSz="914400" rtl="0" eaLnBrk="1" latinLnBrk="0" hangingPunct="1">
         <a:lnSpc>
           <a:spcPct val="90000"/>
         </a:lnSpc>
         <a:spcBef>
-          <a:spcPts val="500"/>
+          <a:spcPts val="200"/>
         </a:spcBef>
-        <a:buFont typeface="Arial" panose="020B0604020202020204" pitchFamily="34" charset="0"/>
-        <a:buChar char="•"/>
-        <a:defRPr sz="1800" kern="1200">
+        <a:spcAft>
+          <a:spcPts val="400"/>
+        </a:spcAft>
+        <a:buClr>
+          <a:schemeClr val="accent1"/>
+        </a:buClr>
+        <a:buFont typeface="Calibri" pitchFamily="34" charset="0"/>
+        <a:buChar char="◦"/>
+        <a:defRPr sz="1400" kern="1200">
           <a:solidFill>
-            <a:schemeClr val="tx1"/>
+            <a:schemeClr val="tx1">
+              <a:lumMod val="75000"/>
+              <a:lumOff val="25000"/>
+            </a:schemeClr>
           </a:solidFill>
           <a:latin typeface="+mn-lt"/>
           <a:ea typeface="+mn-ea"/>
           <a:cs typeface="+mn-cs"/>
         </a:defRPr>
       </a:lvl8pPr>
-      <a:lvl9pPr marL="3886200" indent="-228600" algn="l" defTabSz="914400" rtl="0" eaLnBrk="1" latinLnBrk="0" hangingPunct="1">
+      <a:lvl9pPr marL="1700000" indent="-228600" algn="l" defTabSz="914400" rtl="0" eaLnBrk="1" latinLnBrk="0" hangingPunct="1">
         <a:lnSpc>
           <a:spcPct val="90000"/>
         </a:lnSpc>
         <a:spcBef>
-          <a:spcPts val="500"/>
+          <a:spcPts val="200"/>
         </a:spcBef>
-        <a:buFont typeface="Arial" panose="020B0604020202020204" pitchFamily="34" charset="0"/>
-        <a:buChar char="•"/>
-        <a:defRPr sz="1800" kern="1200">
+        <a:spcAft>
+          <a:spcPts val="400"/>
+        </a:spcAft>
+        <a:buClr>
+          <a:schemeClr val="accent1"/>
+        </a:buClr>
+        <a:buFont typeface="Calibri" pitchFamily="34" charset="0"/>
+        <a:buChar char="◦"/>
+        <a:defRPr sz="1400" kern="1200">
           <a:solidFill>
-            <a:schemeClr val="tx1"/>
+            <a:schemeClr val="tx1">
+              <a:lumMod val="75000"/>
+              <a:lumOff val="25000"/>
+            </a:schemeClr>
           </a:solidFill>
           <a:latin typeface="+mn-lt"/>
           <a:ea typeface="+mn-ea"/>
@@ -4089,7 +4568,7 @@
     </p:bodyStyle>
     <p:otherStyle>
       <a:defPPr>
-        <a:defRPr lang="de-DE"/>
+        <a:defRPr lang="en-US"/>
       </a:defPPr>
       <a:lvl1pPr marL="0" algn="l" defTabSz="914400" rtl="0" eaLnBrk="1" latinLnBrk="0" hangingPunct="1">
         <a:defRPr sz="1800" kern="1200">
@@ -4208,7 +4687,7 @@
           <p:cNvPr id="2" name="Titel 1">
             <a:extLst>
               <a:ext uri="{FF2B5EF4-FFF2-40B4-BE49-F238E27FC236}">
-                <a16:creationId xmlns:a16="http://schemas.microsoft.com/office/drawing/2014/main" id="{3FFFECB4-827B-2C8D-5469-5BE65CD2FC92}"/>
+                <a16:creationId xmlns:a16="http://schemas.microsoft.com/office/drawing/2014/main" xmlns="" id="{3FFFECB4-827B-2C8D-5469-5BE65CD2FC92}"/>
               </a:ext>
             </a:extLst>
           </p:cNvPr>
@@ -4236,7 +4715,7 @@
           <p:cNvPr id="3" name="Untertitel 2">
             <a:extLst>
               <a:ext uri="{FF2B5EF4-FFF2-40B4-BE49-F238E27FC236}">
-                <a16:creationId xmlns:a16="http://schemas.microsoft.com/office/drawing/2014/main" id="{31BC26FC-10CC-0CE7-6E54-CD50658EA4BD}"/>
+                <a16:creationId xmlns:a16="http://schemas.microsoft.com/office/drawing/2014/main" xmlns="" id="{31BC26FC-10CC-0CE7-6E54-CD50658EA4BD}"/>
               </a:ext>
             </a:extLst>
           </p:cNvPr>
@@ -4300,7 +4779,7 @@
           <p:cNvPr id="2" name="Titel 1">
             <a:extLst>
               <a:ext uri="{FF2B5EF4-FFF2-40B4-BE49-F238E27FC236}">
-                <a16:creationId xmlns:a16="http://schemas.microsoft.com/office/drawing/2014/main" id="{2B12611C-97F0-82E0-1497-D1FFEE0DADA0}"/>
+                <a16:creationId xmlns:a16="http://schemas.microsoft.com/office/drawing/2014/main" xmlns="" id="{2B12611C-97F0-82E0-1497-D1FFEE0DADA0}"/>
               </a:ext>
             </a:extLst>
           </p:cNvPr>
@@ -4317,7 +4796,7 @@
           <a:lstStyle/>
           <a:p>
             <a:r>
-              <a:rPr lang="de-DE" dirty="0"/>
+              <a:rPr lang="de-DE" b="1" dirty="0"/>
               <a:t>Löschen der Objekte</a:t>
             </a:r>
           </a:p>
@@ -4328,7 +4807,7 @@
           <p:cNvPr id="4" name="Textplatzhalter 3">
             <a:extLst>
               <a:ext uri="{FF2B5EF4-FFF2-40B4-BE49-F238E27FC236}">
-                <a16:creationId xmlns:a16="http://schemas.microsoft.com/office/drawing/2014/main" id="{00041F69-5064-FA6F-567A-A03D23EB9ABB}"/>
+                <a16:creationId xmlns:a16="http://schemas.microsoft.com/office/drawing/2014/main" xmlns="" id="{00041F69-5064-FA6F-567A-A03D23EB9ABB}"/>
               </a:ext>
             </a:extLst>
           </p:cNvPr>
@@ -4341,7 +4820,9 @@
         </p:nvSpPr>
         <p:spPr/>
         <p:txBody>
-          <a:bodyPr/>
+          <a:bodyPr>
+            <a:normAutofit/>
+          </a:bodyPr>
           <a:lstStyle/>
           <a:p>
             <a:pPr marL="285750" indent="-285750">
@@ -4349,7 +4830,7 @@
               <a:buChar char="•"/>
             </a:pPr>
             <a:r>
-              <a:rPr lang="de-DE" dirty="0"/>
+              <a:rPr lang="de-DE" sz="1800" dirty="0"/>
               <a:t>Für jeden Frame wird überprüft, ob</a:t>
             </a:r>
           </a:p>
@@ -4359,8 +4840,12 @@
               <a:buChar char="•"/>
             </a:pPr>
             <a:r>
-              <a:rPr lang="de-DE" dirty="0"/>
-              <a:t>eine neue Landschaft generiert werden soll</a:t>
+              <a:rPr lang="de-DE" sz="1600" dirty="0">
+                <a:solidFill>
+                  <a:schemeClr val="bg1"/>
+                </a:solidFill>
+              </a:rPr>
+              <a:t>eine neue Landschaft generiert werden soll.</a:t>
             </a:r>
           </a:p>
           <a:p>
@@ -4369,8 +4854,12 @@
               <a:buChar char="•"/>
             </a:pPr>
             <a:r>
-              <a:rPr lang="de-DE" dirty="0"/>
-              <a:t>Landschaftselemente, die hinter der Kamera sind</a:t>
+              <a:rPr lang="de-DE" sz="1600" dirty="0">
+                <a:solidFill>
+                  <a:schemeClr val="bg1"/>
+                </a:solidFill>
+              </a:rPr>
+              <a:t>Landschaftselemente, die hinter der Kamera sind, gelöscht werden sollen.</a:t>
             </a:r>
           </a:p>
           <a:p>
@@ -4379,44 +4868,24 @@
               <a:buChar char="•"/>
             </a:pPr>
             <a:r>
-              <a:rPr lang="de-DE" dirty="0"/>
-              <a:t>Falls die Elemente weit genug hinter der Kamera sind, werden diese aus der Gruppe entfernt</a:t>
-            </a:r>
-          </a:p>
-          <a:p>
-            <a:pPr marL="742950" lvl="1" indent="-285750">
-              <a:buFont typeface="Arial" panose="020B0604020202020204" pitchFamily="34" charset="0"/>
-              <a:buChar char="•"/>
-            </a:pPr>
-            <a:r>
-              <a:rPr lang="de-DE" dirty="0"/>
-              <a:t>Dadurch auch gelöscht durch den </a:t>
-            </a:r>
-            <a:r>
-              <a:rPr lang="de-DE" dirty="0" err="1"/>
-              <a:t>Garbage</a:t>
-            </a:r>
-            <a:r>
-              <a:rPr lang="de-DE" dirty="0"/>
-              <a:t> </a:t>
-            </a:r>
-            <a:r>
-              <a:rPr lang="de-DE" dirty="0" err="1"/>
-              <a:t>Collector</a:t>
-            </a:r>
-            <a:endParaRPr lang="de-DE" dirty="0"/>
+              <a:rPr lang="de-DE" sz="1800" dirty="0"/>
+              <a:t>Falls die Elemente weit genug hinter der Kamera sind, werden diese aus der Gruppe </a:t>
+            </a:r>
+            <a:r>
+              <a:rPr lang="de-DE" sz="1800" dirty="0" smtClean="0"/>
+              <a:t>entfernt</a:t>
+            </a:r>
+            <a:r>
+              <a:rPr lang="de-DE" sz="1600" dirty="0" smtClean="0"/>
+              <a:t>.</a:t>
+            </a:r>
+            <a:endParaRPr lang="de-DE" sz="1600" dirty="0"/>
           </a:p>
         </p:txBody>
       </p:sp>
       <p:pic>
         <p:nvPicPr>
-          <p:cNvPr id="6" name="Grafik 5">
-            <a:extLst>
-              <a:ext uri="{FF2B5EF4-FFF2-40B4-BE49-F238E27FC236}">
-                <a16:creationId xmlns:a16="http://schemas.microsoft.com/office/drawing/2014/main" id="{21DFAE3D-1D07-CF23-DCEC-D4D807E72BD2}"/>
-              </a:ext>
-            </a:extLst>
-          </p:cNvPr>
+          <p:cNvPr id="3" name="Grafik 2"/>
           <p:cNvPicPr>
             <a:picLocks noChangeAspect="1"/>
           </p:cNvPicPr>
@@ -4430,8 +4899,8 @@
         </p:blipFill>
         <p:spPr>
           <a:xfrm>
-            <a:off x="5225331" y="838918"/>
-            <a:ext cx="6658435" cy="5180163"/>
+            <a:off x="4744528" y="789289"/>
+            <a:ext cx="7014760" cy="5216420"/>
           </a:xfrm>
           <a:prstGeom prst="rect">
             <a:avLst/>
@@ -4473,7 +4942,7 @@
           <p:cNvPr id="2" name="Titel 1">
             <a:extLst>
               <a:ext uri="{FF2B5EF4-FFF2-40B4-BE49-F238E27FC236}">
-                <a16:creationId xmlns:a16="http://schemas.microsoft.com/office/drawing/2014/main" id="{CAA03FC0-31DF-9F63-961D-9997DDF3CA14}"/>
+                <a16:creationId xmlns:a16="http://schemas.microsoft.com/office/drawing/2014/main" xmlns="" id="{CAA03FC0-31DF-9F63-961D-9997DDF3CA14}"/>
               </a:ext>
             </a:extLst>
           </p:cNvPr>
@@ -4501,7 +4970,7 @@
           <p:cNvPr id="3" name="Inhaltsplatzhalter 2">
             <a:extLst>
               <a:ext uri="{FF2B5EF4-FFF2-40B4-BE49-F238E27FC236}">
-                <a16:creationId xmlns:a16="http://schemas.microsoft.com/office/drawing/2014/main" id="{37A5B4AA-D93B-A26A-D893-BA507A2758AB}"/>
+                <a16:creationId xmlns:a16="http://schemas.microsoft.com/office/drawing/2014/main" xmlns="" id="{37A5B4AA-D93B-A26A-D893-BA507A2758AB}"/>
               </a:ext>
             </a:extLst>
           </p:cNvPr>
@@ -4520,73 +4989,73 @@
           <a:lstStyle/>
           <a:p>
             <a:r>
-              <a:rPr lang="de-DE" dirty="0"/>
+              <a:rPr lang="de-DE" sz="2400" dirty="0"/>
               <a:t>Identifikation wichtiger Daten:</a:t>
             </a:r>
           </a:p>
           <a:p>
             <a:pPr lvl="1"/>
             <a:r>
-              <a:rPr lang="de-DE" dirty="0"/>
+              <a:rPr lang="de-DE" sz="2000" dirty="0"/>
               <a:t>Geometriedaten</a:t>
             </a:r>
           </a:p>
           <a:p>
             <a:pPr lvl="1"/>
             <a:r>
-              <a:rPr lang="de-DE" dirty="0"/>
+              <a:rPr lang="de-DE" sz="2000" dirty="0"/>
               <a:t>Normalvektoren</a:t>
             </a:r>
           </a:p>
           <a:p>
             <a:pPr lvl="1"/>
             <a:r>
-              <a:rPr lang="de-DE" dirty="0"/>
+              <a:rPr lang="de-DE" sz="2000" dirty="0"/>
               <a:t>Texturkoordinaten</a:t>
             </a:r>
           </a:p>
           <a:p>
             <a:pPr lvl="1"/>
             <a:r>
-              <a:rPr lang="de-DE" dirty="0"/>
+              <a:rPr lang="de-DE" sz="2000" dirty="0"/>
               <a:t>Materialien</a:t>
             </a:r>
           </a:p>
           <a:p>
             <a:r>
-              <a:rPr lang="de-DE" dirty="0"/>
+              <a:rPr lang="de-DE" sz="2400" dirty="0"/>
               <a:t>Exportformat:</a:t>
             </a:r>
           </a:p>
           <a:p>
             <a:pPr lvl="1"/>
             <a:r>
-              <a:rPr lang="de-DE" b="1" dirty="0"/>
+              <a:rPr lang="de-DE" sz="2000" b="1" dirty="0"/>
               <a:t>OBJ-Format</a:t>
             </a:r>
           </a:p>
           <a:p>
             <a:pPr lvl="1"/>
             <a:r>
-              <a:rPr lang="de-DE" dirty="0"/>
+              <a:rPr lang="de-DE" sz="2000" dirty="0"/>
               <a:t>FBX-Format</a:t>
             </a:r>
           </a:p>
           <a:p>
             <a:pPr lvl="1"/>
             <a:r>
-              <a:rPr lang="de-DE" dirty="0"/>
+              <a:rPr lang="de-DE" sz="2000" dirty="0"/>
               <a:t>COLLADA-Format (DAE)</a:t>
             </a:r>
           </a:p>
           <a:p>
             <a:pPr lvl="1"/>
             <a:r>
-              <a:rPr lang="de-DE" dirty="0" err="1"/>
+              <a:rPr lang="de-DE" sz="2000" dirty="0" err="1"/>
               <a:t>glTF</a:t>
             </a:r>
             <a:r>
-              <a:rPr lang="de-DE" dirty="0"/>
+              <a:rPr lang="de-DE" sz="2000" dirty="0"/>
               <a:t>-Format</a:t>
             </a:r>
           </a:p>
@@ -4627,7 +5096,7 @@
           <p:cNvPr id="2" name="Titel 1">
             <a:extLst>
               <a:ext uri="{FF2B5EF4-FFF2-40B4-BE49-F238E27FC236}">
-                <a16:creationId xmlns:a16="http://schemas.microsoft.com/office/drawing/2014/main" id="{A90F4A71-8F7D-10A7-C29E-F3FCD96E8778}"/>
+                <a16:creationId xmlns:a16="http://schemas.microsoft.com/office/drawing/2014/main" xmlns="" id="{A90F4A71-8F7D-10A7-C29E-F3FCD96E8778}"/>
               </a:ext>
             </a:extLst>
           </p:cNvPr>
@@ -4660,7 +5129,7 @@
           <p:cNvPr id="3" name="Inhaltsplatzhalter 2">
             <a:extLst>
               <a:ext uri="{FF2B5EF4-FFF2-40B4-BE49-F238E27FC236}">
-                <a16:creationId xmlns:a16="http://schemas.microsoft.com/office/drawing/2014/main" id="{9C39594A-A392-68D6-5C22-4046703762BB}"/>
+                <a16:creationId xmlns:a16="http://schemas.microsoft.com/office/drawing/2014/main" xmlns="" id="{9C39594A-A392-68D6-5C22-4046703762BB}"/>
               </a:ext>
             </a:extLst>
           </p:cNvPr>
@@ -4677,32 +5146,38 @@
           <a:lstStyle/>
           <a:p>
             <a:r>
-              <a:rPr lang="de-DE" dirty="0"/>
+              <a:rPr lang="de-DE" sz="2400" dirty="0"/>
               <a:t>Beeindruckend</a:t>
             </a:r>
           </a:p>
           <a:p>
             <a:r>
-              <a:rPr lang="de-DE" dirty="0"/>
+              <a:rPr lang="de-DE" sz="2400" dirty="0"/>
               <a:t>Spaß</a:t>
             </a:r>
           </a:p>
           <a:p>
             <a:r>
-              <a:rPr lang="de-DE" dirty="0"/>
+              <a:rPr lang="de-DE" sz="2400" dirty="0"/>
+              <a:t>Unwissen über den generierten Code</a:t>
+            </a:r>
+          </a:p>
+          <a:p>
+            <a:r>
+              <a:rPr lang="de-DE" sz="2400" dirty="0"/>
               <a:t>Generiert falschen Code</a:t>
             </a:r>
           </a:p>
           <a:p>
             <a:pPr lvl="1"/>
             <a:r>
-              <a:rPr lang="de-DE" dirty="0"/>
+              <a:rPr lang="de-DE" sz="2000" dirty="0"/>
               <a:t>KI konnte kein einfaches Beispiel mit JavaFX erzeugen.</a:t>
             </a:r>
           </a:p>
           <a:p>
             <a:r>
-              <a:rPr lang="de-DE" dirty="0"/>
+              <a:rPr lang="de-DE" sz="2400" dirty="0"/>
               <a:t>Lernfähigkeit der KI im Chat?</a:t>
             </a:r>
           </a:p>
@@ -4746,7 +5221,7 @@
           <p:cNvPr id="2" name="Titel 1">
             <a:extLst>
               <a:ext uri="{FF2B5EF4-FFF2-40B4-BE49-F238E27FC236}">
-                <a16:creationId xmlns:a16="http://schemas.microsoft.com/office/drawing/2014/main" id="{47FA62A9-319C-EEE5-1780-85CD0C578017}"/>
+                <a16:creationId xmlns:a16="http://schemas.microsoft.com/office/drawing/2014/main" xmlns="" id="{47FA62A9-319C-EEE5-1780-85CD0C578017}"/>
               </a:ext>
             </a:extLst>
           </p:cNvPr>
@@ -4774,7 +5249,7 @@
           <p:cNvPr id="3" name="Inhaltsplatzhalter 2">
             <a:extLst>
               <a:ext uri="{FF2B5EF4-FFF2-40B4-BE49-F238E27FC236}">
-                <a16:creationId xmlns:a16="http://schemas.microsoft.com/office/drawing/2014/main" id="{5091DB7F-9328-3E71-E79B-50D3AB832DB5}"/>
+                <a16:creationId xmlns:a16="http://schemas.microsoft.com/office/drawing/2014/main" xmlns="" id="{5091DB7F-9328-3E71-E79B-50D3AB832DB5}"/>
               </a:ext>
             </a:extLst>
           </p:cNvPr>
@@ -4787,63 +5262,120 @@
         </p:nvSpPr>
         <p:spPr/>
         <p:txBody>
-          <a:bodyPr/>
-          <a:lstStyle/>
-          <a:p>
-            <a:r>
-              <a:rPr lang="de-DE" dirty="0"/>
+          <a:bodyPr>
+            <a:normAutofit/>
+          </a:bodyPr>
+          <a:lstStyle/>
+          <a:p>
+            <a:r>
+              <a:rPr lang="de-DE" sz="2400" dirty="0"/>
               <a:t>Generierung einer endlosen Landschaft</a:t>
             </a:r>
           </a:p>
           <a:p>
             <a:pPr lvl="1"/>
             <a:r>
-              <a:rPr lang="de-DE" dirty="0"/>
+              <a:rPr lang="de-DE" sz="2000" dirty="0"/>
               <a:t>Oberfläche</a:t>
             </a:r>
           </a:p>
           <a:p>
             <a:pPr lvl="1"/>
             <a:r>
-              <a:rPr lang="de-DE" dirty="0"/>
+              <a:rPr lang="de-DE" sz="2000" dirty="0"/>
               <a:t>Hügel</a:t>
             </a:r>
           </a:p>
           <a:p>
             <a:r>
-              <a:rPr lang="de-DE" dirty="0"/>
+              <a:rPr lang="de-DE" sz="2400" dirty="0" err="1"/>
+              <a:t>Quadtree</a:t>
+            </a:r>
+            <a:endParaRPr lang="de-DE" sz="2400" dirty="0"/>
+          </a:p>
+          <a:p>
+            <a:pPr lvl="1"/>
+            <a:r>
+              <a:rPr lang="de-DE" sz="2000" dirty="0"/>
+              <a:t>Fokus auf die </a:t>
+            </a:r>
+            <a:r>
+              <a:rPr lang="de-DE" sz="2000" dirty="0" smtClean="0"/>
+              <a:t>Kugeln</a:t>
+            </a:r>
+            <a:endParaRPr lang="de-DE" sz="2000" dirty="0"/>
+          </a:p>
+          <a:p>
+            <a:r>
+              <a:rPr lang="de-DE" sz="2400" dirty="0"/>
               <a:t>Auswahl der Texturen ist eine Anspielung auf ein Minispiel</a:t>
             </a:r>
           </a:p>
           <a:p>
             <a:r>
-              <a:rPr lang="de-DE" dirty="0"/>
+              <a:rPr lang="de-DE" sz="2400" dirty="0"/>
               <a:t>Exportierungsmöglichkeit:</a:t>
             </a:r>
           </a:p>
           <a:p>
             <a:pPr lvl="1"/>
             <a:r>
-              <a:rPr lang="de-DE" dirty="0"/>
+              <a:rPr lang="de-DE" sz="2000" dirty="0"/>
               <a:t>Wichtige Geometriedaten</a:t>
             </a:r>
           </a:p>
           <a:p>
             <a:pPr lvl="1"/>
             <a:r>
-              <a:rPr lang="de-DE" dirty="0"/>
+              <a:rPr lang="de-DE" sz="2000" dirty="0"/>
               <a:t>Vektoren</a:t>
             </a:r>
           </a:p>
           <a:p>
             <a:pPr lvl="1"/>
             <a:r>
-              <a:rPr lang="de-DE" dirty="0"/>
+              <a:rPr lang="de-DE" sz="2000" dirty="0"/>
               <a:t>Exportformat</a:t>
             </a:r>
           </a:p>
         </p:txBody>
       </p:sp>
+      <p:pic>
+        <p:nvPicPr>
+          <p:cNvPr id="5" name="Grafik 4" descr="Ein Bild, das Text, Muster, Quadrat, Screenshot enthält.&#10;&#10;Automatisch generierte Beschreibung">
+            <a:extLst>
+              <a:ext uri="{FF2B5EF4-FFF2-40B4-BE49-F238E27FC236}">
+                <a16:creationId xmlns:a16="http://schemas.microsoft.com/office/drawing/2014/main" xmlns="" id="{EA3AC4A0-7AC7-ED1E-23AF-22BFB6B96BA9}"/>
+              </a:ext>
+            </a:extLst>
+          </p:cNvPr>
+          <p:cNvPicPr>
+            <a:picLocks noChangeAspect="1"/>
+          </p:cNvPicPr>
+          <p:nvPr/>
+        </p:nvPicPr>
+        <p:blipFill>
+          <a:blip r:embed="rId2">
+            <a:extLst>
+              <a:ext uri="{28A0092B-C50C-407E-A947-70E740481C1C}">
+                <a14:useLocalDpi xmlns:a14="http://schemas.microsoft.com/office/drawing/2010/main" val="0"/>
+              </a:ext>
+            </a:extLst>
+          </a:blip>
+          <a:stretch>
+            <a:fillRect/>
+          </a:stretch>
+        </p:blipFill>
+        <p:spPr>
+          <a:xfrm>
+            <a:off x="9765103" y="3596856"/>
+            <a:ext cx="2089030" cy="2597360"/>
+          </a:xfrm>
+          <a:prstGeom prst="rect">
+            <a:avLst/>
+          </a:prstGeom>
+        </p:spPr>
+      </p:pic>
     </p:spTree>
     <p:extLst>
       <p:ext uri="{BB962C8B-B14F-4D97-AF65-F5344CB8AC3E}">
@@ -4879,7 +5411,7 @@
           <p:cNvPr id="2" name="Titel 1">
             <a:extLst>
               <a:ext uri="{FF2B5EF4-FFF2-40B4-BE49-F238E27FC236}">
-                <a16:creationId xmlns:a16="http://schemas.microsoft.com/office/drawing/2014/main" id="{0C083BD7-20DB-2B2A-24A8-BDDD70A08F66}"/>
+                <a16:creationId xmlns:a16="http://schemas.microsoft.com/office/drawing/2014/main" xmlns="" id="{0C083BD7-20DB-2B2A-24A8-BDDD70A08F66}"/>
               </a:ext>
             </a:extLst>
           </p:cNvPr>
@@ -4907,7 +5439,7 @@
           <p:cNvPr id="3" name="Inhaltsplatzhalter 2">
             <a:extLst>
               <a:ext uri="{FF2B5EF4-FFF2-40B4-BE49-F238E27FC236}">
-                <a16:creationId xmlns:a16="http://schemas.microsoft.com/office/drawing/2014/main" id="{1892E5EF-3C09-A536-1067-AC914468537A}"/>
+                <a16:creationId xmlns:a16="http://schemas.microsoft.com/office/drawing/2014/main" xmlns="" id="{1892E5EF-3C09-A536-1067-AC914468537A}"/>
               </a:ext>
             </a:extLst>
           </p:cNvPr>
@@ -4920,7 +5452,9 @@
         </p:nvSpPr>
         <p:spPr/>
         <p:txBody>
-          <a:bodyPr/>
+          <a:bodyPr>
+            <a:normAutofit/>
+          </a:bodyPr>
           <a:lstStyle/>
           <a:p>
             <a:pPr marL="514350" indent="-514350">
@@ -4928,7 +5462,7 @@
               <a:buAutoNum type="arabicPeriod"/>
             </a:pPr>
             <a:r>
-              <a:rPr lang="de-DE" dirty="0"/>
+              <a:rPr lang="de-DE" sz="2800" dirty="0"/>
               <a:t>Funktionalität der Anwendung</a:t>
             </a:r>
           </a:p>
@@ -4938,7 +5472,7 @@
               <a:buAutoNum type="arabicPeriod"/>
             </a:pPr>
             <a:r>
-              <a:rPr lang="de-DE" dirty="0"/>
+              <a:rPr lang="de-DE" sz="2800" dirty="0"/>
               <a:t>Auswahl der Texturen</a:t>
             </a:r>
           </a:p>
@@ -4948,7 +5482,7 @@
               <a:buAutoNum type="arabicPeriod"/>
             </a:pPr>
             <a:r>
-              <a:rPr lang="de-DE" dirty="0"/>
+              <a:rPr lang="de-DE" sz="2800" dirty="0"/>
               <a:t>Generierung der Landschaften</a:t>
             </a:r>
           </a:p>
@@ -4958,7 +5492,7 @@
               <a:buAutoNum type="arabicPeriod"/>
             </a:pPr>
             <a:r>
-              <a:rPr lang="de-DE" dirty="0"/>
+              <a:rPr lang="de-DE" sz="2800" dirty="0"/>
               <a:t>Exportierungsmöglichkeit</a:t>
             </a:r>
           </a:p>
@@ -4968,14 +5502,14 @@
               <a:buAutoNum type="arabicPeriod"/>
             </a:pPr>
             <a:r>
-              <a:rPr lang="de-DE" dirty="0"/>
+              <a:rPr lang="de-DE" sz="2800" dirty="0"/>
               <a:t>Erfahrung mit </a:t>
             </a:r>
             <a:r>
-              <a:rPr lang="de-DE" dirty="0" err="1"/>
+              <a:rPr lang="de-DE" sz="2800" dirty="0" err="1"/>
               <a:t>ChatGPT</a:t>
             </a:r>
-            <a:endParaRPr lang="de-DE" dirty="0"/>
+            <a:endParaRPr lang="de-DE" sz="2800" dirty="0"/>
           </a:p>
           <a:p>
             <a:pPr marL="514350" indent="-514350">
@@ -4983,7 +5517,7 @@
               <a:buAutoNum type="arabicPeriod"/>
             </a:pPr>
             <a:r>
-              <a:rPr lang="de-DE" dirty="0"/>
+              <a:rPr lang="de-DE" sz="2800" dirty="0"/>
               <a:t>Zusammenfassung</a:t>
             </a:r>
           </a:p>
@@ -5024,7 +5558,7 @@
           <p:cNvPr id="2" name="Titel 1">
             <a:extLst>
               <a:ext uri="{FF2B5EF4-FFF2-40B4-BE49-F238E27FC236}">
-                <a16:creationId xmlns:a16="http://schemas.microsoft.com/office/drawing/2014/main" id="{D4B15AD6-94CE-2A11-0E3C-E9B99F1E8FA8}"/>
+                <a16:creationId xmlns:a16="http://schemas.microsoft.com/office/drawing/2014/main" xmlns="" id="{D4B15AD6-94CE-2A11-0E3C-E9B99F1E8FA8}"/>
               </a:ext>
             </a:extLst>
           </p:cNvPr>
@@ -5052,7 +5586,7 @@
           <p:cNvPr id="3" name="Untertitel 2">
             <a:extLst>
               <a:ext uri="{FF2B5EF4-FFF2-40B4-BE49-F238E27FC236}">
-                <a16:creationId xmlns:a16="http://schemas.microsoft.com/office/drawing/2014/main" id="{49466385-C784-DE67-66B9-BF80942B2240}"/>
+                <a16:creationId xmlns:a16="http://schemas.microsoft.com/office/drawing/2014/main" xmlns="" id="{49466385-C784-DE67-66B9-BF80942B2240}"/>
               </a:ext>
             </a:extLst>
           </p:cNvPr>
@@ -5110,7 +5644,7 @@
           <p:cNvPr id="2" name="Titel 1">
             <a:extLst>
               <a:ext uri="{FF2B5EF4-FFF2-40B4-BE49-F238E27FC236}">
-                <a16:creationId xmlns:a16="http://schemas.microsoft.com/office/drawing/2014/main" id="{0B95B175-38D2-495B-288B-C52DCA446FD4}"/>
+                <a16:creationId xmlns:a16="http://schemas.microsoft.com/office/drawing/2014/main" xmlns="" id="{0B95B175-38D2-495B-288B-C52DCA446FD4}"/>
               </a:ext>
             </a:extLst>
           </p:cNvPr>
@@ -5138,7 +5672,7 @@
           <p:cNvPr id="3" name="Textplatzhalter 2">
             <a:extLst>
               <a:ext uri="{FF2B5EF4-FFF2-40B4-BE49-F238E27FC236}">
-                <a16:creationId xmlns:a16="http://schemas.microsoft.com/office/drawing/2014/main" id="{A33EF481-764C-A9E1-1408-393A0695AF23}"/>
+                <a16:creationId xmlns:a16="http://schemas.microsoft.com/office/drawing/2014/main" xmlns="" id="{A33EF481-764C-A9E1-1408-393A0695AF23}"/>
               </a:ext>
             </a:extLst>
           </p:cNvPr>
@@ -5166,7 +5700,7 @@
           <p:cNvPr id="15" name="Inhaltsplatzhalter 14">
             <a:extLst>
               <a:ext uri="{FF2B5EF4-FFF2-40B4-BE49-F238E27FC236}">
-                <a16:creationId xmlns:a16="http://schemas.microsoft.com/office/drawing/2014/main" id="{D8C3C021-6049-FC71-7C75-7941F6B19031}"/>
+                <a16:creationId xmlns:a16="http://schemas.microsoft.com/office/drawing/2014/main" xmlns="" id="{D8C3C021-6049-FC71-7C75-7941F6B19031}"/>
               </a:ext>
             </a:extLst>
           </p:cNvPr>
@@ -5185,8 +5719,8 @@
         </p:blipFill>
         <p:spPr>
           <a:xfrm>
-            <a:off x="839788" y="2812577"/>
-            <a:ext cx="5157787" cy="3069584"/>
+            <a:off x="1096963" y="2756323"/>
+            <a:ext cx="4938712" cy="2939204"/>
           </a:xfrm>
         </p:spPr>
       </p:pic>
@@ -5195,7 +5729,7 @@
           <p:cNvPr id="5" name="Textplatzhalter 4">
             <a:extLst>
               <a:ext uri="{FF2B5EF4-FFF2-40B4-BE49-F238E27FC236}">
-                <a16:creationId xmlns:a16="http://schemas.microsoft.com/office/drawing/2014/main" id="{BB2A4663-1B37-006F-795A-F3516C3A78AC}"/>
+                <a16:creationId xmlns:a16="http://schemas.microsoft.com/office/drawing/2014/main" xmlns="" id="{BB2A4663-1B37-006F-795A-F3516C3A78AC}"/>
               </a:ext>
             </a:extLst>
           </p:cNvPr>
@@ -5239,7 +5773,7 @@
           <p:cNvPr id="12" name="Inhaltsplatzhalter 11" descr="Ein Bild, das Spiele, Hallensportarten, Screenshot, Text enthält.">
             <a:extLst>
               <a:ext uri="{FF2B5EF4-FFF2-40B4-BE49-F238E27FC236}">
-                <a16:creationId xmlns:a16="http://schemas.microsoft.com/office/drawing/2014/main" id="{25A69D20-8546-B4E5-D39B-681E989D2269}"/>
+                <a16:creationId xmlns:a16="http://schemas.microsoft.com/office/drawing/2014/main" xmlns="" id="{25A69D20-8546-B4E5-D39B-681E989D2269}"/>
               </a:ext>
             </a:extLst>
           </p:cNvPr>
@@ -5264,8 +5798,8 @@
         </p:blipFill>
         <p:spPr>
           <a:xfrm>
-            <a:off x="6487064" y="2758817"/>
-            <a:ext cx="4554597" cy="3188218"/>
+            <a:off x="7162800" y="3159125"/>
+            <a:ext cx="3048000" cy="2133600"/>
           </a:xfrm>
         </p:spPr>
       </p:pic>
@@ -5274,7 +5808,7 @@
           <p:cNvPr id="13" name="Textfeld 12">
             <a:extLst>
               <a:ext uri="{FF2B5EF4-FFF2-40B4-BE49-F238E27FC236}">
-                <a16:creationId xmlns:a16="http://schemas.microsoft.com/office/drawing/2014/main" id="{4DD7BB02-407C-4CEF-14F4-193C15853E31}"/>
+                <a16:creationId xmlns:a16="http://schemas.microsoft.com/office/drawing/2014/main" xmlns="" id="{4DD7BB02-407C-4CEF-14F4-193C15853E31}"/>
               </a:ext>
             </a:extLst>
           </p:cNvPr>
@@ -5343,7 +5877,7 @@
           <p:cNvPr id="2" name="Titel 1">
             <a:extLst>
               <a:ext uri="{FF2B5EF4-FFF2-40B4-BE49-F238E27FC236}">
-                <a16:creationId xmlns:a16="http://schemas.microsoft.com/office/drawing/2014/main" id="{73377BEF-0C5A-3E9E-561B-DEFEFC73DE3D}"/>
+                <a16:creationId xmlns:a16="http://schemas.microsoft.com/office/drawing/2014/main" xmlns="" id="{73377BEF-0C5A-3E9E-561B-DEFEFC73DE3D}"/>
               </a:ext>
             </a:extLst>
           </p:cNvPr>
@@ -5371,7 +5905,7 @@
           <p:cNvPr id="5" name="Inhaltsplatzhalter 4">
             <a:extLst>
               <a:ext uri="{FF2B5EF4-FFF2-40B4-BE49-F238E27FC236}">
-                <a16:creationId xmlns:a16="http://schemas.microsoft.com/office/drawing/2014/main" id="{025B05BF-B420-36F4-F6C5-2DEBC077407F}"/>
+                <a16:creationId xmlns:a16="http://schemas.microsoft.com/office/drawing/2014/main" xmlns="" id="{025B05BF-B420-36F4-F6C5-2DEBC077407F}"/>
               </a:ext>
             </a:extLst>
           </p:cNvPr>
@@ -5390,8 +5924,8 @@
         </p:blipFill>
         <p:spPr>
           <a:xfrm>
-            <a:off x="2449861" y="1825625"/>
-            <a:ext cx="7292278" cy="4351338"/>
+            <a:off x="2755380" y="1846263"/>
+            <a:ext cx="6741565" cy="4022725"/>
           </a:xfrm>
         </p:spPr>
       </p:pic>
@@ -5430,7 +5964,7 @@
           <p:cNvPr id="2" name="Titel 1">
             <a:extLst>
               <a:ext uri="{FF2B5EF4-FFF2-40B4-BE49-F238E27FC236}">
-                <a16:creationId xmlns:a16="http://schemas.microsoft.com/office/drawing/2014/main" id="{C046C6AF-62B6-2C76-2536-2577C73ADC1C}"/>
+                <a16:creationId xmlns:a16="http://schemas.microsoft.com/office/drawing/2014/main" xmlns="" id="{BFE2AECC-2E61-B4AE-40C6-9090E23BF3BC}"/>
               </a:ext>
             </a:extLst>
           </p:cNvPr>
@@ -5447,7 +5981,7 @@
           <a:lstStyle/>
           <a:p>
             <a:r>
-              <a:rPr lang="de-DE" dirty="0"/>
+              <a:rPr lang="de-DE" b="1" dirty="0"/>
               <a:t>Generierung der Landschaft</a:t>
             </a:r>
           </a:p>
@@ -5455,10 +5989,10 @@
       </p:sp>
       <p:sp>
         <p:nvSpPr>
-          <p:cNvPr id="3" name="Inhaltsplatzhalter 2">
+          <p:cNvPr id="4" name="Textplatzhalter 3">
             <a:extLst>
               <a:ext uri="{FF2B5EF4-FFF2-40B4-BE49-F238E27FC236}">
-                <a16:creationId xmlns:a16="http://schemas.microsoft.com/office/drawing/2014/main" id="{CAE18F9E-6824-DE9A-356A-152764DDE704}"/>
+                <a16:creationId xmlns:a16="http://schemas.microsoft.com/office/drawing/2014/main" xmlns="" id="{C4F38619-03B1-BDE0-8F19-E22DAE407EF3}"/>
               </a:ext>
             </a:extLst>
           </p:cNvPr>
@@ -5466,53 +6000,123 @@
             <a:spLocks noGrp="1"/>
           </p:cNvSpPr>
           <p:nvPr>
-            <p:ph idx="1"/>
+            <p:ph type="body" sz="half" idx="2"/>
           </p:nvPr>
         </p:nvSpPr>
         <p:spPr/>
         <p:txBody>
-          <a:bodyPr/>
-          <a:lstStyle/>
-          <a:p>
-            <a:r>
-              <a:rPr lang="de-DE" dirty="0"/>
-              <a:t>Generierung der Landschaft</a:t>
-            </a:r>
-          </a:p>
-          <a:p>
-            <a:r>
-              <a:rPr lang="de-DE" dirty="0"/>
-              <a:t>Einsatz des </a:t>
-            </a:r>
-            <a:r>
-              <a:rPr lang="de-DE" dirty="0" err="1"/>
-              <a:t>Quadtrees</a:t>
-            </a:r>
+          <a:bodyPr>
+            <a:normAutofit lnSpcReduction="10000"/>
+          </a:bodyPr>
+          <a:lstStyle/>
+          <a:p>
+            <a:pPr marL="285750" indent="-285750">
+              <a:buClr>
+                <a:schemeClr val="bg1"/>
+              </a:buClr>
+              <a:buFont typeface="Arial" panose="020B0604020202020204" pitchFamily="34" charset="0"/>
+              <a:buChar char="•"/>
+            </a:pPr>
+            <a:r>
+              <a:rPr lang="de-DE" sz="1800" dirty="0"/>
+              <a:t>Landschaftselemente werden in einer Gruppe gespeichert</a:t>
+            </a:r>
+          </a:p>
+          <a:p>
+            <a:pPr marL="285750" indent="-285750">
+              <a:buClr>
+                <a:schemeClr val="bg1"/>
+              </a:buClr>
+              <a:buFont typeface="Arial" panose="020B0604020202020204" pitchFamily="34" charset="0"/>
+              <a:buChar char="•"/>
+            </a:pPr>
+            <a:r>
+              <a:rPr lang="de-DE" sz="1800" dirty="0"/>
+              <a:t>Die jeweilige Tiefe (in Z-Richtung) wird gespeichert.</a:t>
+            </a:r>
+          </a:p>
+          <a:p>
+            <a:pPr marL="285750" indent="-285750">
+              <a:buClr>
+                <a:schemeClr val="bg1"/>
+              </a:buClr>
+              <a:buFont typeface="Arial" panose="020B0604020202020204" pitchFamily="34" charset="0"/>
+              <a:buChar char="•"/>
+            </a:pPr>
+            <a:r>
+              <a:rPr lang="de-DE" sz="1800" dirty="0"/>
+              <a:t>Für die Oberfläche wird nur die Z-Koordinate geändert.</a:t>
+            </a:r>
+          </a:p>
+          <a:p>
+            <a:pPr marL="285750" indent="-285750">
+              <a:buClr>
+                <a:schemeClr val="bg1"/>
+              </a:buClr>
+              <a:buFont typeface="Arial" panose="020B0604020202020204" pitchFamily="34" charset="0"/>
+              <a:buChar char="•"/>
+            </a:pPr>
+            <a:r>
+              <a:rPr lang="de-DE" sz="1800" dirty="0"/>
+              <a:t>Für jede Landschaft werden 10 rote Kugeln erstellt</a:t>
+            </a:r>
+          </a:p>
+          <a:p>
+            <a:pPr marL="742950" lvl="1" indent="-285750">
+              <a:buClr>
+                <a:schemeClr val="bg1"/>
+              </a:buClr>
+              <a:buFont typeface="Arial" panose="020B0604020202020204" pitchFamily="34" charset="0"/>
+              <a:buChar char="•"/>
+            </a:pPr>
+            <a:r>
+              <a:rPr lang="de-DE" sz="1600" dirty="0">
+                <a:solidFill>
+                  <a:schemeClr val="bg1"/>
+                </a:solidFill>
+              </a:rPr>
+              <a:t>Radius, X- und Z- Koordinaten werden zufällig bestimmt</a:t>
+            </a:r>
+          </a:p>
+          <a:p>
             <a:endParaRPr lang="de-DE" dirty="0"/>
           </a:p>
-          <a:p>
-            <a:r>
-              <a:rPr lang="de-DE" dirty="0"/>
-              <a:t>Viewing </a:t>
-            </a:r>
-            <a:r>
-              <a:rPr lang="de-DE" dirty="0" err="1"/>
-              <a:t>Frustrum</a:t>
-            </a:r>
-            <a:endParaRPr lang="de-DE" dirty="0"/>
-          </a:p>
-          <a:p>
-            <a:r>
-              <a:rPr lang="de-DE" dirty="0"/>
-              <a:t>Löschen der Objekte</a:t>
-            </a:r>
-          </a:p>
-        </p:txBody>
-      </p:sp>
+        </p:txBody>
+      </p:sp>
+      <p:pic>
+        <p:nvPicPr>
+          <p:cNvPr id="10" name="Grafik 9">
+            <a:extLst>
+              <a:ext uri="{FF2B5EF4-FFF2-40B4-BE49-F238E27FC236}">
+                <a16:creationId xmlns:a16="http://schemas.microsoft.com/office/drawing/2014/main" xmlns="" id="{C80419C8-2154-3B7E-495C-8FEEF86DBA52}"/>
+              </a:ext>
+            </a:extLst>
+          </p:cNvPr>
+          <p:cNvPicPr>
+            <a:picLocks noChangeAspect="1"/>
+          </p:cNvPicPr>
+          <p:nvPr/>
+        </p:nvPicPr>
+        <p:blipFill>
+          <a:blip r:embed="rId2"/>
+          <a:stretch>
+            <a:fillRect/>
+          </a:stretch>
+        </p:blipFill>
+        <p:spPr>
+          <a:xfrm>
+            <a:off x="4933492" y="716167"/>
+            <a:ext cx="6231965" cy="5316723"/>
+          </a:xfrm>
+          <a:prstGeom prst="rect">
+            <a:avLst/>
+          </a:prstGeom>
+        </p:spPr>
+      </p:pic>
     </p:spTree>
     <p:extLst>
       <p:ext uri="{BB962C8B-B14F-4D97-AF65-F5344CB8AC3E}">
-        <p14:creationId xmlns:p14="http://schemas.microsoft.com/office/powerpoint/2010/main" val="1874020805"/>
+        <p14:creationId xmlns:p14="http://schemas.microsoft.com/office/powerpoint/2010/main" val="3599502142"/>
       </p:ext>
     </p:extLst>
   </p:cSld>
@@ -5544,7 +6148,7 @@
           <p:cNvPr id="2" name="Titel 1">
             <a:extLst>
               <a:ext uri="{FF2B5EF4-FFF2-40B4-BE49-F238E27FC236}">
-                <a16:creationId xmlns:a16="http://schemas.microsoft.com/office/drawing/2014/main" id="{BFE2AECC-2E61-B4AE-40C6-9090E23BF3BC}"/>
+                <a16:creationId xmlns:a16="http://schemas.microsoft.com/office/drawing/2014/main" xmlns="" id="{545D0D62-B21D-A055-6614-7B03445E0D92}"/>
               </a:ext>
             </a:extLst>
           </p:cNvPr>
@@ -5561,9 +6165,10 @@
           <a:lstStyle/>
           <a:p>
             <a:r>
-              <a:rPr lang="de-DE" dirty="0"/>
-              <a:t>Generierung der Landschaft</a:t>
-            </a:r>
+              <a:rPr lang="de-DE" b="1" dirty="0" err="1"/>
+              <a:t>Quadtree</a:t>
+            </a:r>
+            <a:endParaRPr lang="de-DE" b="1" dirty="0"/>
           </a:p>
         </p:txBody>
       </p:sp>
@@ -5572,7 +6177,7 @@
           <p:cNvPr id="4" name="Textplatzhalter 3">
             <a:extLst>
               <a:ext uri="{FF2B5EF4-FFF2-40B4-BE49-F238E27FC236}">
-                <a16:creationId xmlns:a16="http://schemas.microsoft.com/office/drawing/2014/main" id="{C4F38619-03B1-BDE0-8F19-E22DAE407EF3}"/>
+                <a16:creationId xmlns:a16="http://schemas.microsoft.com/office/drawing/2014/main" xmlns="" id="{E04189B0-3DB0-1313-9C40-60F451098045}"/>
               </a:ext>
             </a:extLst>
           </p:cNvPr>
@@ -5585,69 +6190,97 @@
         </p:nvSpPr>
         <p:spPr/>
         <p:txBody>
-          <a:bodyPr/>
-          <a:lstStyle/>
+          <a:bodyPr>
+            <a:normAutofit/>
+          </a:bodyPr>
+          <a:lstStyle/>
+          <a:p>
+            <a:pPr marL="285750" indent="-285750">
+              <a:buClr>
+                <a:schemeClr val="bg1"/>
+              </a:buClr>
+              <a:buFont typeface="Arial" panose="020B0604020202020204" pitchFamily="34" charset="0"/>
+              <a:buChar char="•"/>
+            </a:pPr>
+            <a:r>
+              <a:rPr lang="de-DE" dirty="0"/>
+              <a:t>Fokus nur auf die Kugeln</a:t>
+            </a:r>
+          </a:p>
+          <a:p>
+            <a:pPr marL="285750" indent="-285750">
+              <a:buClr>
+                <a:schemeClr val="bg1"/>
+              </a:buClr>
+              <a:buFont typeface="Arial" panose="020B0604020202020204" pitchFamily="34" charset="0"/>
+              <a:buChar char="•"/>
+            </a:pPr>
+            <a:r>
+              <a:rPr lang="de-DE" dirty="0"/>
+              <a:t>Test, ob die Kugel hinzugefügt werden soll.</a:t>
+            </a:r>
+          </a:p>
+          <a:p>
+            <a:pPr marL="285750" indent="-285750">
+              <a:buClr>
+                <a:schemeClr val="bg1"/>
+              </a:buClr>
+              <a:buFont typeface="Arial" panose="020B0604020202020204" pitchFamily="34" charset="0"/>
+              <a:buChar char="•"/>
+            </a:pPr>
+            <a:r>
+              <a:rPr lang="de-DE" dirty="0"/>
+              <a:t>Den passenden Index herausfinden.</a:t>
+            </a:r>
+          </a:p>
+          <a:p>
+            <a:pPr marL="285750" indent="-285750">
+              <a:buClr>
+                <a:schemeClr val="bg1"/>
+              </a:buClr>
+              <a:buFont typeface="Arial" panose="020B0604020202020204" pitchFamily="34" charset="0"/>
+              <a:buChar char="•"/>
+            </a:pPr>
+            <a:r>
+              <a:rPr lang="de-DE" dirty="0"/>
+              <a:t>Objekt wird dann in der Liste des Knotens hinzugefügt.</a:t>
+            </a:r>
+          </a:p>
+          <a:p>
+            <a:pPr marL="285750" indent="-285750">
+              <a:buClr>
+                <a:schemeClr val="bg1"/>
+              </a:buClr>
+              <a:buFont typeface="Arial" panose="020B0604020202020204" pitchFamily="34" charset="0"/>
+              <a:buChar char="•"/>
+            </a:pPr>
+            <a:r>
+              <a:rPr lang="de-DE" dirty="0"/>
+              <a:t>Verkleinerung der Liste (falls möglich)</a:t>
+            </a:r>
+          </a:p>
           <a:p>
             <a:pPr marL="285750" indent="-285750">
               <a:buFont typeface="Arial" panose="020B0604020202020204" pitchFamily="34" charset="0"/>
               <a:buChar char="•"/>
             </a:pPr>
-            <a:r>
-              <a:rPr lang="de-DE" dirty="0"/>
-              <a:t>Landschaftselemente werden in einer Gruppe gespeichert</a:t>
-            </a:r>
+            <a:endParaRPr lang="de-DE" dirty="0"/>
           </a:p>
           <a:p>
             <a:pPr marL="285750" indent="-285750">
               <a:buFont typeface="Arial" panose="020B0604020202020204" pitchFamily="34" charset="0"/>
               <a:buChar char="•"/>
             </a:pPr>
-            <a:r>
-              <a:rPr lang="de-DE" dirty="0"/>
-              <a:t>Die jeweilige Tiefe (in Z-Richtung) wird gespeichert.</a:t>
-            </a:r>
-          </a:p>
-          <a:p>
-            <a:pPr marL="285750" indent="-285750">
-              <a:buFont typeface="Arial" panose="020B0604020202020204" pitchFamily="34" charset="0"/>
-              <a:buChar char="•"/>
-            </a:pPr>
-            <a:r>
-              <a:rPr lang="de-DE" dirty="0"/>
-              <a:t>Für die Oberfläche wird nur die Z-Koordinate geändert.</a:t>
-            </a:r>
-          </a:p>
-          <a:p>
-            <a:pPr marL="285750" indent="-285750">
-              <a:buFont typeface="Arial" panose="020B0604020202020204" pitchFamily="34" charset="0"/>
-              <a:buChar char="•"/>
-            </a:pPr>
-            <a:r>
-              <a:rPr lang="de-DE" dirty="0"/>
-              <a:t>Für jede Landschaft werden 10 rote Kugeln erstellt</a:t>
-            </a:r>
-          </a:p>
-          <a:p>
-            <a:pPr marL="742950" lvl="1" indent="-285750">
-              <a:buFont typeface="Arial" panose="020B0604020202020204" pitchFamily="34" charset="0"/>
-              <a:buChar char="•"/>
-            </a:pPr>
-            <a:r>
-              <a:rPr lang="de-DE" dirty="0"/>
-              <a:t>Radius, X- und Z- Koordinaten werden zufällig bestimmt</a:t>
-            </a:r>
-          </a:p>
-          <a:p>
             <a:endParaRPr lang="de-DE" dirty="0"/>
           </a:p>
         </p:txBody>
       </p:sp>
       <p:pic>
         <p:nvPicPr>
-          <p:cNvPr id="10" name="Grafik 9">
+          <p:cNvPr id="5" name="Grafik 4">
             <a:extLst>
               <a:ext uri="{FF2B5EF4-FFF2-40B4-BE49-F238E27FC236}">
-                <a16:creationId xmlns:a16="http://schemas.microsoft.com/office/drawing/2014/main" id="{C80419C8-2154-3B7E-495C-8FEEF86DBA52}"/>
+                <a16:creationId xmlns:a16="http://schemas.microsoft.com/office/drawing/2014/main" xmlns="" id="{43ABC439-1E06-5605-1CD4-29DA3DBE3730}"/>
               </a:ext>
             </a:extLst>
           </p:cNvPr>
@@ -5664,8 +6297,8 @@
         </p:blipFill>
         <p:spPr>
           <a:xfrm>
-            <a:off x="5571847" y="552265"/>
-            <a:ext cx="6231965" cy="5316723"/>
+            <a:off x="5807115" y="400118"/>
+            <a:ext cx="4652969" cy="6178533"/>
           </a:xfrm>
           <a:prstGeom prst="rect">
             <a:avLst/>
@@ -5675,7 +6308,7 @@
     </p:spTree>
     <p:extLst>
       <p:ext uri="{BB962C8B-B14F-4D97-AF65-F5344CB8AC3E}">
-        <p14:creationId xmlns:p14="http://schemas.microsoft.com/office/powerpoint/2010/main" val="3599502142"/>
+        <p14:creationId xmlns:p14="http://schemas.microsoft.com/office/powerpoint/2010/main" val="1899832215"/>
       </p:ext>
     </p:extLst>
   </p:cSld>
@@ -5707,7 +6340,7 @@
           <p:cNvPr id="2" name="Titel 1">
             <a:extLst>
               <a:ext uri="{FF2B5EF4-FFF2-40B4-BE49-F238E27FC236}">
-                <a16:creationId xmlns:a16="http://schemas.microsoft.com/office/drawing/2014/main" id="{545D0D62-B21D-A055-6614-7B03445E0D92}"/>
+                <a16:creationId xmlns:a16="http://schemas.microsoft.com/office/drawing/2014/main" xmlns="" id="{545D0D62-B21D-A055-6614-7B03445E0D92}"/>
               </a:ext>
             </a:extLst>
           </p:cNvPr>
@@ -5724,14 +6357,29 @@
           <a:lstStyle/>
           <a:p>
             <a:r>
-              <a:rPr lang="de-DE" dirty="0"/>
-              <a:t>Einsatz des </a:t>
-            </a:r>
-            <a:r>
-              <a:rPr lang="de-DE" dirty="0" err="1"/>
-              <a:t>Quadtrees</a:t>
-            </a:r>
-            <a:endParaRPr lang="de-DE" dirty="0"/>
+              <a:rPr lang="de-DE" b="1" dirty="0" err="1"/>
+              <a:t>Quadtree</a:t>
+            </a:r>
+            <a:endParaRPr lang="de-DE" b="1" dirty="0"/>
+          </a:p>
+        </p:txBody>
+      </p:sp>
+      <p:sp>
+        <p:nvSpPr>
+          <p:cNvPr id="3" name="Inhaltsplatzhalter 2"/>
+          <p:cNvSpPr>
+            <a:spLocks noGrp="1"/>
+          </p:cNvSpPr>
+          <p:nvPr>
+            <p:ph idx="1"/>
+          </p:nvPr>
+        </p:nvSpPr>
+        <p:spPr/>
+        <p:txBody>
+          <a:bodyPr/>
+          <a:lstStyle/>
+          <a:p>
+            <a:endParaRPr lang="de-DE"/>
           </a:p>
         </p:txBody>
       </p:sp>
@@ -5740,7 +6388,7 @@
           <p:cNvPr id="4" name="Textplatzhalter 3">
             <a:extLst>
               <a:ext uri="{FF2B5EF4-FFF2-40B4-BE49-F238E27FC236}">
-                <a16:creationId xmlns:a16="http://schemas.microsoft.com/office/drawing/2014/main" id="{E04189B0-3DB0-1313-9C40-60F451098045}"/>
+                <a16:creationId xmlns:a16="http://schemas.microsoft.com/office/drawing/2014/main" xmlns="" id="{E04189B0-3DB0-1313-9C40-60F451098045}"/>
               </a:ext>
             </a:extLst>
           </p:cNvPr>
@@ -5753,107 +6401,154 @@
         </p:nvSpPr>
         <p:spPr/>
         <p:txBody>
-          <a:bodyPr/>
+          <a:bodyPr>
+            <a:noAutofit/>
+          </a:bodyPr>
           <a:lstStyle/>
           <a:p>
             <a:pPr marL="285750" indent="-285750">
+              <a:buClrTx/>
               <a:buFont typeface="Arial" panose="020B0604020202020204" pitchFamily="34" charset="0"/>
               <a:buChar char="•"/>
             </a:pPr>
             <a:r>
-              <a:rPr lang="de-DE" dirty="0"/>
+              <a:rPr lang="de-DE" sz="2000" dirty="0"/>
               <a:t>Fokus nur auf die Kugeln</a:t>
             </a:r>
           </a:p>
           <a:p>
             <a:pPr marL="285750" indent="-285750">
+              <a:buClrTx/>
               <a:buFont typeface="Arial" panose="020B0604020202020204" pitchFamily="34" charset="0"/>
               <a:buChar char="•"/>
             </a:pPr>
             <a:r>
-              <a:rPr lang="de-DE" dirty="0"/>
+              <a:rPr lang="de-DE" sz="2000" dirty="0"/>
               <a:t>Für jeden Frame:</a:t>
             </a:r>
           </a:p>
           <a:p>
             <a:pPr marL="742950" lvl="1" indent="-285750">
+              <a:buClrTx/>
               <a:buFont typeface="Arial" panose="020B0604020202020204" pitchFamily="34" charset="0"/>
               <a:buChar char="•"/>
             </a:pPr>
             <a:r>
-              <a:rPr lang="de-DE" dirty="0" err="1"/>
+              <a:rPr lang="de-DE" sz="1800" dirty="0" err="1">
+                <a:solidFill>
+                  <a:schemeClr val="bg1"/>
+                </a:solidFill>
+              </a:rPr>
               <a:t>Quadtree</a:t>
             </a:r>
             <a:r>
-              <a:rPr lang="de-DE" dirty="0"/>
+              <a:rPr lang="de-DE" sz="1800" dirty="0">
+                <a:solidFill>
+                  <a:schemeClr val="bg1"/>
+                </a:solidFill>
+              </a:rPr>
               <a:t> leeren</a:t>
             </a:r>
           </a:p>
           <a:p>
             <a:pPr marL="742950" lvl="1" indent="-285750">
+              <a:buClrTx/>
               <a:buFont typeface="Arial" panose="020B0604020202020204" pitchFamily="34" charset="0"/>
               <a:buChar char="•"/>
             </a:pPr>
             <a:r>
-              <a:rPr lang="de-DE" dirty="0"/>
-              <a:t>Berechtigte Kugeln werden hinzugefügt</a:t>
+              <a:rPr lang="de-DE" sz="1800" dirty="0">
+                <a:solidFill>
+                  <a:schemeClr val="bg1"/>
+                </a:solidFill>
+              </a:rPr>
+              <a:t>Berechtigte Kugeln werden hinzugefügt.</a:t>
             </a:r>
           </a:p>
           <a:p>
             <a:pPr marL="742950" lvl="1" indent="-285750">
+              <a:buClrTx/>
               <a:buFont typeface="Arial" panose="020B0604020202020204" pitchFamily="34" charset="0"/>
               <a:buChar char="•"/>
             </a:pPr>
             <a:r>
-              <a:rPr lang="de-DE" dirty="0"/>
+              <a:rPr lang="de-DE" sz="1800" dirty="0">
+                <a:solidFill>
+                  <a:schemeClr val="bg1"/>
+                </a:solidFill>
+              </a:rPr>
               <a:t>Falls eine Kugel sich im </a:t>
             </a:r>
             <a:r>
-              <a:rPr lang="de-DE" dirty="0" err="1"/>
+              <a:rPr lang="de-DE" sz="1800" dirty="0" err="1">
+                <a:solidFill>
+                  <a:schemeClr val="bg1"/>
+                </a:solidFill>
+              </a:rPr>
               <a:t>Quadtree</a:t>
             </a:r>
             <a:r>
-              <a:rPr lang="de-DE" dirty="0"/>
+              <a:rPr lang="de-DE" sz="1800" dirty="0">
+                <a:solidFill>
+                  <a:schemeClr val="bg1"/>
+                </a:solidFill>
+              </a:rPr>
               <a:t> befindet:</a:t>
             </a:r>
           </a:p>
           <a:p>
             <a:pPr marL="1200150" lvl="2" indent="-285750">
+              <a:buClrTx/>
               <a:buFont typeface="Arial" panose="020B0604020202020204" pitchFamily="34" charset="0"/>
               <a:buChar char="•"/>
             </a:pPr>
             <a:r>
-              <a:rPr lang="de-DE" dirty="0"/>
+              <a:rPr lang="de-DE" sz="1200" dirty="0">
+                <a:solidFill>
+                  <a:schemeClr val="bg1"/>
+                </a:solidFill>
+              </a:rPr>
               <a:t>Sichtbar</a:t>
             </a:r>
           </a:p>
           <a:p>
             <a:pPr marL="742950" lvl="1" indent="-285750">
+              <a:buClrTx/>
               <a:buFont typeface="Arial" panose="020B0604020202020204" pitchFamily="34" charset="0"/>
               <a:buChar char="•"/>
             </a:pPr>
             <a:r>
-              <a:rPr lang="de-DE" dirty="0"/>
+              <a:rPr lang="de-DE" sz="1800" dirty="0">
+                <a:solidFill>
+                  <a:schemeClr val="bg1"/>
+                </a:solidFill>
+              </a:rPr>
               <a:t>Sonst:</a:t>
             </a:r>
           </a:p>
           <a:p>
             <a:pPr marL="1200150" lvl="2" indent="-285750">
+              <a:buClrTx/>
               <a:buFont typeface="Arial" panose="020B0604020202020204" pitchFamily="34" charset="0"/>
               <a:buChar char="•"/>
             </a:pPr>
             <a:r>
-              <a:rPr lang="de-DE" dirty="0"/>
+              <a:rPr lang="de-DE" sz="1200" dirty="0">
+                <a:solidFill>
+                  <a:schemeClr val="bg1"/>
+                </a:solidFill>
+              </a:rPr>
               <a:t>Unsichtbar</a:t>
             </a:r>
           </a:p>
           <a:p>
             <a:pPr marL="285750" indent="-285750">
+              <a:buClrTx/>
               <a:buFont typeface="Arial" panose="020B0604020202020204" pitchFamily="34" charset="0"/>
               <a:buChar char="•"/>
             </a:pPr>
             <a:r>
-              <a:rPr lang="de-DE" dirty="0"/>
+              <a:rPr lang="de-DE" sz="2000" dirty="0"/>
               <a:t>Sichtbar = Rendern</a:t>
             </a:r>
           </a:p>
@@ -5864,7 +6559,7 @@
           <p:cNvPr id="10" name="Grafik 9">
             <a:extLst>
               <a:ext uri="{FF2B5EF4-FFF2-40B4-BE49-F238E27FC236}">
-                <a16:creationId xmlns:a16="http://schemas.microsoft.com/office/drawing/2014/main" id="{F70A7A6B-6C90-00A3-F0DA-965E7E82EF7A}"/>
+                <a16:creationId xmlns:a16="http://schemas.microsoft.com/office/drawing/2014/main" xmlns="" id="{F70A7A6B-6C90-00A3-F0DA-965E7E82EF7A}"/>
               </a:ext>
             </a:extLst>
           </p:cNvPr>
@@ -5924,7 +6619,7 @@
           <p:cNvPr id="2" name="Titel 1">
             <a:extLst>
               <a:ext uri="{FF2B5EF4-FFF2-40B4-BE49-F238E27FC236}">
-                <a16:creationId xmlns:a16="http://schemas.microsoft.com/office/drawing/2014/main" id="{7B516826-9303-4D9D-5880-AAC88D6B1861}"/>
+                <a16:creationId xmlns:a16="http://schemas.microsoft.com/office/drawing/2014/main" xmlns="" id="{7B516826-9303-4D9D-5880-AAC88D6B1861}"/>
               </a:ext>
             </a:extLst>
           </p:cNvPr>
@@ -5941,14 +6636,14 @@
           <a:lstStyle/>
           <a:p>
             <a:r>
-              <a:rPr lang="de-DE" dirty="0"/>
+              <a:rPr lang="de-DE" b="1" dirty="0"/>
               <a:t>Viewing </a:t>
             </a:r>
             <a:r>
-              <a:rPr lang="de-DE" dirty="0" err="1"/>
+              <a:rPr lang="de-DE" b="1" dirty="0" err="1"/>
               <a:t>Frustrum</a:t>
             </a:r>
-            <a:endParaRPr lang="de-DE" dirty="0"/>
+            <a:endParaRPr lang="de-DE" b="1" dirty="0"/>
           </a:p>
         </p:txBody>
       </p:sp>
@@ -5957,7 +6652,7 @@
           <p:cNvPr id="4" name="Textplatzhalter 3">
             <a:extLst>
               <a:ext uri="{FF2B5EF4-FFF2-40B4-BE49-F238E27FC236}">
-                <a16:creationId xmlns:a16="http://schemas.microsoft.com/office/drawing/2014/main" id="{9D1ECE94-05FA-CAEB-3F10-9A547D023E47}"/>
+                <a16:creationId xmlns:a16="http://schemas.microsoft.com/office/drawing/2014/main" xmlns="" id="{9D1ECE94-05FA-CAEB-3F10-9A547D023E47}"/>
               </a:ext>
             </a:extLst>
           </p:cNvPr>
@@ -5970,52 +6665,85 @@
         </p:nvSpPr>
         <p:spPr/>
         <p:txBody>
-          <a:bodyPr/>
+          <a:bodyPr>
+            <a:normAutofit/>
+          </a:bodyPr>
           <a:lstStyle/>
           <a:p>
             <a:pPr marL="285750" indent="-285750">
+              <a:buClrTx/>
               <a:buFont typeface="Arial" panose="020B0604020202020204" pitchFamily="34" charset="0"/>
               <a:buChar char="•"/>
             </a:pPr>
             <a:r>
-              <a:rPr lang="de-DE" dirty="0"/>
+              <a:rPr lang="de-DE" sz="1800" dirty="0">
+                <a:solidFill>
+                  <a:schemeClr val="bg1"/>
+                </a:solidFill>
+              </a:rPr>
               <a:t>Sehr einfach gehalten, da Kamer nicht bewegt werden kann.</a:t>
             </a:r>
           </a:p>
           <a:p>
             <a:pPr marL="285750" indent="-285750">
+              <a:buClrTx/>
               <a:buFont typeface="Arial" panose="020B0604020202020204" pitchFamily="34" charset="0"/>
               <a:buChar char="•"/>
             </a:pPr>
             <a:r>
-              <a:rPr lang="de-DE" dirty="0"/>
+              <a:rPr lang="de-DE" sz="1800" dirty="0">
+                <a:solidFill>
+                  <a:schemeClr val="bg1"/>
+                </a:solidFill>
+              </a:rPr>
               <a:t>Viewing </a:t>
             </a:r>
             <a:r>
-              <a:rPr lang="de-DE" dirty="0" err="1"/>
+              <a:rPr lang="de-DE" sz="1800" dirty="0" err="1">
+                <a:solidFill>
+                  <a:schemeClr val="bg1"/>
+                </a:solidFill>
+              </a:rPr>
               <a:t>Frustrum</a:t>
             </a:r>
             <a:r>
-              <a:rPr lang="de-DE" dirty="0"/>
-              <a:t> ist nur abhängig von der jeweiligen Z-Position der Kamera</a:t>
+              <a:rPr lang="de-DE" sz="1800" dirty="0">
+                <a:solidFill>
+                  <a:schemeClr val="bg1"/>
+                </a:solidFill>
+              </a:rPr>
+              <a:t> ist nur abhängig von der jeweiligen Z-Position der Kamera.</a:t>
             </a:r>
           </a:p>
           <a:p>
             <a:pPr marL="285750" indent="-285750">
+              <a:buClrTx/>
               <a:buFont typeface="Arial" panose="020B0604020202020204" pitchFamily="34" charset="0"/>
               <a:buChar char="•"/>
             </a:pPr>
             <a:r>
-              <a:rPr lang="de-DE" dirty="0"/>
+              <a:rPr lang="de-DE" sz="1800" dirty="0">
+                <a:solidFill>
+                  <a:schemeClr val="bg1"/>
+                </a:solidFill>
+              </a:rPr>
               <a:t>Test, ob eine Kugel sich vollständig im Viewing </a:t>
             </a:r>
             <a:r>
-              <a:rPr lang="de-DE" dirty="0" err="1"/>
+              <a:rPr lang="de-DE" sz="1800" dirty="0" err="1">
+                <a:solidFill>
+                  <a:schemeClr val="bg1"/>
+                </a:solidFill>
+              </a:rPr>
               <a:t>Frustrum</a:t>
             </a:r>
             <a:r>
-              <a:rPr lang="de-DE" dirty="0"/>
-              <a:t> befindet</a:t>
+              <a:rPr lang="de-DE" sz="1800" dirty="0">
+                <a:solidFill>
+                  <a:schemeClr val="bg1"/>
+                </a:solidFill>
+              </a:rPr>
+              <a:t> befindet.</a:t>
             </a:r>
           </a:p>
           <a:p>
@@ -6032,7 +6760,7 @@
           <p:cNvPr id="6" name="Grafik 5">
             <a:extLst>
               <a:ext uri="{FF2B5EF4-FFF2-40B4-BE49-F238E27FC236}">
-                <a16:creationId xmlns:a16="http://schemas.microsoft.com/office/drawing/2014/main" id="{6B6340D3-6EB0-E99F-24C1-06B91FF9410F}"/>
+                <a16:creationId xmlns:a16="http://schemas.microsoft.com/office/drawing/2014/main" xmlns="" id="{6B6340D3-6EB0-E99F-24C1-06B91FF9410F}"/>
               </a:ext>
             </a:extLst>
           </p:cNvPr>
@@ -6049,7 +6777,7 @@
         </p:blipFill>
         <p:spPr>
           <a:xfrm>
-            <a:off x="5108329" y="2514235"/>
+            <a:off x="4685634" y="2154448"/>
             <a:ext cx="6969369" cy="2897917"/>
           </a:xfrm>
           <a:prstGeom prst="rect">
@@ -6071,9 +6799,9 @@
 </file>
 
 <file path=ppt/theme/theme1.xml><?xml version="1.0" encoding="utf-8"?>
-<a:theme xmlns:a="http://schemas.openxmlformats.org/drawingml/2006/main" name="Office">
+<a:theme xmlns:a="http://schemas.openxmlformats.org/drawingml/2006/main" name="Rückblick">
   <a:themeElements>
-    <a:clrScheme name="Office">
+    <a:clrScheme name="Rückblick">
       <a:dk1>
         <a:sysClr val="windowText" lastClr="000000"/>
       </a:dk1>
@@ -6081,44 +6809,44 @@
         <a:sysClr val="window" lastClr="FFFFFF"/>
       </a:lt1>
       <a:dk2>
-        <a:srgbClr val="44546A"/>
+        <a:srgbClr val="344068"/>
       </a:dk2>
       <a:lt2>
-        <a:srgbClr val="E7E6E6"/>
+        <a:srgbClr val="D9E0E6"/>
       </a:lt2>
       <a:accent1>
-        <a:srgbClr val="4472C4"/>
+        <a:srgbClr val="1CADE4"/>
       </a:accent1>
       <a:accent2>
-        <a:srgbClr val="ED7D31"/>
+        <a:srgbClr val="2683C6"/>
       </a:accent2>
       <a:accent3>
-        <a:srgbClr val="A5A5A5"/>
+        <a:srgbClr val="28C4CC"/>
       </a:accent3>
       <a:accent4>
-        <a:srgbClr val="FFC000"/>
+        <a:srgbClr val="42BA97"/>
       </a:accent4>
       <a:accent5>
-        <a:srgbClr val="5B9BD5"/>
+        <a:srgbClr val="3E8853"/>
       </a:accent5>
       <a:accent6>
-        <a:srgbClr val="70AD47"/>
+        <a:srgbClr val="62A39F"/>
       </a:accent6>
       <a:hlink>
-        <a:srgbClr val="0563C1"/>
+        <a:srgbClr val="6EAC1C"/>
       </a:hlink>
       <a:folHlink>
-        <a:srgbClr val="954F72"/>
+        <a:srgbClr val="B26B02"/>
       </a:folHlink>
     </a:clrScheme>
-    <a:fontScheme name="Office">
+    <a:fontScheme name="Rückblick">
       <a:majorFont>
         <a:latin typeface="Calibri Light" panose="020F0302020204030204"/>
         <a:ea typeface=""/>
         <a:cs typeface=""/>
-        <a:font script="Jpan" typeface="游ゴシック Light"/>
+        <a:font script="Jpan" typeface="ＭＳ Ｐゴシック"/>
         <a:font script="Hang" typeface="맑은 고딕"/>
-        <a:font script="Hans" typeface="等线 Light"/>
+        <a:font script="Hans" typeface="宋体"/>
         <a:font script="Hant" typeface="新細明體"/>
         <a:font script="Arab" typeface="Times New Roman"/>
         <a:font script="Hebr" typeface="Times New Roman"/>
@@ -6146,31 +6874,14 @@
         <a:font script="Viet" typeface="Times New Roman"/>
         <a:font script="Uigh" typeface="Microsoft Uighur"/>
         <a:font script="Geor" typeface="Sylfaen"/>
-        <a:font script="Armn" typeface="Arial"/>
-        <a:font script="Bugi" typeface="Leelawadee UI"/>
-        <a:font script="Bopo" typeface="Microsoft JhengHei"/>
-        <a:font script="Java" typeface="Javanese Text"/>
-        <a:font script="Lisu" typeface="Segoe UI"/>
-        <a:font script="Mymr" typeface="Myanmar Text"/>
-        <a:font script="Nkoo" typeface="Ebrima"/>
-        <a:font script="Olck" typeface="Nirmala UI"/>
-        <a:font script="Osma" typeface="Ebrima"/>
-        <a:font script="Phag" typeface="Phagspa"/>
-        <a:font script="Syrn" typeface="Estrangelo Edessa"/>
-        <a:font script="Syrj" typeface="Estrangelo Edessa"/>
-        <a:font script="Syre" typeface="Estrangelo Edessa"/>
-        <a:font script="Sora" typeface="Nirmala UI"/>
-        <a:font script="Tale" typeface="Microsoft Tai Le"/>
-        <a:font script="Talu" typeface="Microsoft New Tai Lue"/>
-        <a:font script="Tfng" typeface="Ebrima"/>
       </a:majorFont>
       <a:minorFont>
         <a:latin typeface="Calibri" panose="020F0502020204030204"/>
         <a:ea typeface=""/>
         <a:cs typeface=""/>
-        <a:font script="Jpan" typeface="游ゴシック"/>
+        <a:font script="Jpan" typeface="ＭＳ Ｐゴシック"/>
         <a:font script="Hang" typeface="맑은 고딕"/>
-        <a:font script="Hans" typeface="等线"/>
+        <a:font script="Hans" typeface="宋体"/>
         <a:font script="Hant" typeface="新細明體"/>
         <a:font script="Arab" typeface="Arial"/>
         <a:font script="Hebr" typeface="Arial"/>
@@ -6198,26 +6909,9 @@
         <a:font script="Viet" typeface="Arial"/>
         <a:font script="Uigh" typeface="Microsoft Uighur"/>
         <a:font script="Geor" typeface="Sylfaen"/>
-        <a:font script="Armn" typeface="Arial"/>
-        <a:font script="Bugi" typeface="Leelawadee UI"/>
-        <a:font script="Bopo" typeface="Microsoft JhengHei"/>
-        <a:font script="Java" typeface="Javanese Text"/>
-        <a:font script="Lisu" typeface="Segoe UI"/>
-        <a:font script="Mymr" typeface="Myanmar Text"/>
-        <a:font script="Nkoo" typeface="Ebrima"/>
-        <a:font script="Olck" typeface="Nirmala UI"/>
-        <a:font script="Osma" typeface="Ebrima"/>
-        <a:font script="Phag" typeface="Phagspa"/>
-        <a:font script="Syrn" typeface="Estrangelo Edessa"/>
-        <a:font script="Syrj" typeface="Estrangelo Edessa"/>
-        <a:font script="Syre" typeface="Estrangelo Edessa"/>
-        <a:font script="Sora" typeface="Nirmala UI"/>
-        <a:font script="Tale" typeface="Microsoft Tai Le"/>
-        <a:font script="Talu" typeface="Microsoft New Tai Lue"/>
-        <a:font script="Tfng" typeface="Ebrima"/>
       </a:minorFont>
     </a:fontScheme>
-    <a:fmtScheme name="Office">
+    <a:fmtScheme name="Rückblick">
       <a:fillStyleLst>
         <a:solidFill>
           <a:schemeClr val="phClr"/>
@@ -6226,76 +6920,81 @@
           <a:gsLst>
             <a:gs pos="0">
               <a:schemeClr val="phClr">
-                <a:lumMod val="110000"/>
-                <a:satMod val="105000"/>
-                <a:tint val="67000"/>
+                <a:tint val="65000"/>
+                <a:shade val="92000"/>
+                <a:satMod val="130000"/>
               </a:schemeClr>
             </a:gs>
-            <a:gs pos="50000">
+            <a:gs pos="45000">
               <a:schemeClr val="phClr">
-                <a:lumMod val="105000"/>
-                <a:satMod val="103000"/>
-                <a:tint val="73000"/>
+                <a:tint val="60000"/>
+                <a:shade val="99000"/>
+                <a:satMod val="120000"/>
               </a:schemeClr>
             </a:gs>
             <a:gs pos="100000">
               <a:schemeClr val="phClr">
-                <a:lumMod val="105000"/>
-                <a:satMod val="109000"/>
-                <a:tint val="81000"/>
+                <a:tint val="55000"/>
+                <a:satMod val="140000"/>
               </a:schemeClr>
             </a:gs>
           </a:gsLst>
-          <a:lin ang="5400000" scaled="0"/>
+          <a:path path="circle">
+            <a:fillToRect l="100000" t="100000" r="100000" b="100000"/>
+          </a:path>
         </a:gradFill>
         <a:gradFill rotWithShape="1">
           <a:gsLst>
             <a:gs pos="0">
               <a:schemeClr val="phClr">
-                <a:satMod val="103000"/>
-                <a:lumMod val="102000"/>
-                <a:tint val="94000"/>
+                <a:shade val="85000"/>
+                <a:satMod val="130000"/>
               </a:schemeClr>
             </a:gs>
-            <a:gs pos="50000">
+            <a:gs pos="34000">
               <a:schemeClr val="phClr">
-                <a:satMod val="110000"/>
-                <a:lumMod val="100000"/>
-                <a:shade val="100000"/>
+                <a:shade val="87000"/>
+                <a:satMod val="125000"/>
+              </a:schemeClr>
+            </a:gs>
+            <a:gs pos="70000">
+              <a:schemeClr val="phClr">
+                <a:tint val="100000"/>
+                <a:shade val="90000"/>
+                <a:satMod val="130000"/>
               </a:schemeClr>
             </a:gs>
             <a:gs pos="100000">
               <a:schemeClr val="phClr">
-                <a:lumMod val="99000"/>
-                <a:satMod val="120000"/>
-                <a:shade val="78000"/>
+                <a:tint val="100000"/>
+                <a:shade val="100000"/>
+                <a:satMod val="110000"/>
               </a:schemeClr>
             </a:gs>
           </a:gsLst>
-          <a:lin ang="5400000" scaled="0"/>
+          <a:path path="circle">
+            <a:fillToRect l="100000" t="100000" r="100000" b="100000"/>
+          </a:path>
         </a:gradFill>
       </a:fillStyleLst>
       <a:lnStyleLst>
-        <a:ln w="6350" cap="flat" cmpd="sng" algn="ctr">
-          <a:solidFill>
-            <a:schemeClr val="phClr"/>
-          </a:solidFill>
-          <a:prstDash val="solid"/>
-          <a:miter lim="800000"/>
-        </a:ln>
         <a:ln w="12700" cap="flat" cmpd="sng" algn="ctr">
           <a:solidFill>
             <a:schemeClr val="phClr"/>
           </a:solidFill>
           <a:prstDash val="solid"/>
-          <a:miter lim="800000"/>
         </a:ln>
-        <a:ln w="19050" cap="flat" cmpd="sng" algn="ctr">
+        <a:ln w="15875" cap="flat" cmpd="sng" algn="ctr">
           <a:solidFill>
             <a:schemeClr val="phClr"/>
           </a:solidFill>
           <a:prstDash val="solid"/>
-          <a:miter lim="800000"/>
+        </a:ln>
+        <a:ln w="25400" cap="flat" cmpd="sng" algn="ctr">
+          <a:solidFill>
+            <a:schemeClr val="phClr"/>
+          </a:solidFill>
+          <a:prstDash val="solid"/>
         </a:ln>
       </a:lnStyleLst>
       <a:effectStyleLst>
@@ -6303,16 +7002,33 @@
           <a:effectLst/>
         </a:effectStyle>
         <a:effectStyle>
-          <a:effectLst/>
+          <a:effectLst>
+            <a:outerShdw blurRad="38100" dist="25400" dir="2700000" algn="br" rotWithShape="0">
+              <a:srgbClr val="000000">
+                <a:alpha val="60000"/>
+              </a:srgbClr>
+            </a:outerShdw>
+          </a:effectLst>
         </a:effectStyle>
         <a:effectStyle>
           <a:effectLst>
-            <a:outerShdw blurRad="57150" dist="19050" dir="5400000" algn="ctr" rotWithShape="0">
+            <a:outerShdw blurRad="44450" dist="25400" dir="2700000" algn="br" rotWithShape="0">
               <a:srgbClr val="000000">
-                <a:alpha val="63000"/>
+                <a:alpha val="60000"/>
               </a:srgbClr>
             </a:outerShdw>
           </a:effectLst>
+          <a:scene3d>
+            <a:camera prst="orthographicFront">
+              <a:rot lat="0" lon="0" rev="0"/>
+            </a:camera>
+            <a:lightRig rig="threePt" dir="t">
+              <a:rot lat="0" lon="0" rev="19800000"/>
+            </a:lightRig>
+          </a:scene3d>
+          <a:sp3d prstMaterial="flat">
+            <a:bevelT w="25400" h="31750"/>
+          </a:sp3d>
         </a:effectStyle>
       </a:effectStyleLst>
       <a:bgFillStyleLst>
@@ -6321,36 +7037,36 @@
         </a:solidFill>
         <a:solidFill>
           <a:schemeClr val="phClr">
-            <a:tint val="95000"/>
-            <a:satMod val="170000"/>
+            <a:tint val="90000"/>
+            <a:shade val="97000"/>
+            <a:satMod val="130000"/>
           </a:schemeClr>
         </a:solidFill>
         <a:gradFill rotWithShape="1">
           <a:gsLst>
             <a:gs pos="0">
               <a:schemeClr val="phClr">
-                <a:tint val="93000"/>
-                <a:satMod val="150000"/>
-                <a:shade val="98000"/>
-                <a:lumMod val="102000"/>
+                <a:tint val="96000"/>
+                <a:shade val="99000"/>
+                <a:satMod val="140000"/>
               </a:schemeClr>
             </a:gs>
-            <a:gs pos="50000">
+            <a:gs pos="65000">
               <a:schemeClr val="phClr">
-                <a:tint val="98000"/>
+                <a:tint val="100000"/>
+                <a:shade val="80000"/>
                 <a:satMod val="130000"/>
-                <a:shade val="90000"/>
-                <a:lumMod val="103000"/>
               </a:schemeClr>
             </a:gs>
             <a:gs pos="100000">
               <a:schemeClr val="phClr">
-                <a:shade val="63000"/>
+                <a:tint val="100000"/>
+                <a:shade val="48000"/>
                 <a:satMod val="120000"/>
               </a:schemeClr>
             </a:gs>
           </a:gsLst>
-          <a:lin ang="5400000" scaled="0"/>
+          <a:lin ang="16200000" scaled="0"/>
         </a:gradFill>
       </a:bgFillStyleLst>
     </a:fmtScheme>
@@ -6359,7 +7075,7 @@
   <a:extraClrSchemeLst/>
   <a:extLst>
     <a:ext uri="{05A4C25C-085E-4340-85A3-A5531E510DB2}">
-      <thm15:themeFamily xmlns:thm15="http://schemas.microsoft.com/office/thememl/2012/main" name="Office Theme" id="{62F939B6-93AF-4DB8-9C6B-D6C7DFDC589F}" vid="{4A3C46E8-61CC-4603-A589-7422A47A8E4A}"/>
+      <thm15:themeFamily xmlns:thm15="http://schemas.microsoft.com/office/thememl/2012/main" name="Retrospect" id="{5F128B03-DCCA-4EEB-AB3B-CF2899314A46}" vid="{9CC26709-368C-4D72-9060-94E5B3FF3CD6}"/>
     </a:ext>
   </a:extLst>
 </a:theme>

--- a/slides/Portfolio01_Slides.pptx
+++ b/slides/Portfolio01_Slides.pptx
@@ -127,6 +127,80 @@
 </p:presentation>
 </file>
 
+<file path=ppt/changesInfos/changesInfo1.xml><?xml version="1.0" encoding="utf-8"?>
+<pc:chgInfo xmlns:a="http://schemas.openxmlformats.org/drawingml/2006/main" xmlns:r="http://schemas.openxmlformats.org/officeDocument/2006/relationships" xmlns:ac="http://schemas.microsoft.com/office/drawing/2013/main/command" xmlns:pc="http://schemas.microsoft.com/office/powerpoint/2013/main/command">
+  <pc:docChgLst>
+    <pc:chgData name="jan.rupp06@web.de" userId="a588deeef81be32c" providerId="LiveId" clId="{0B39692B-5A29-40BD-B8D5-6B4BAF748FE9}"/>
+    <pc:docChg chg="custSel modSld">
+      <pc:chgData name="jan.rupp06@web.de" userId="a588deeef81be32c" providerId="LiveId" clId="{0B39692B-5A29-40BD-B8D5-6B4BAF748FE9}" dt="2023-06-11T19:50:43.977" v="11" actId="20577"/>
+      <pc:docMkLst>
+        <pc:docMk/>
+      </pc:docMkLst>
+      <pc:sldChg chg="modSp mod">
+        <pc:chgData name="jan.rupp06@web.de" userId="a588deeef81be32c" providerId="LiveId" clId="{0B39692B-5A29-40BD-B8D5-6B4BAF748FE9}" dt="2023-06-11T19:50:06.469" v="3" actId="20577"/>
+        <pc:sldMkLst>
+          <pc:docMk/>
+          <pc:sldMk cId="3599502142" sldId="264"/>
+        </pc:sldMkLst>
+        <pc:spChg chg="mod">
+          <ac:chgData name="jan.rupp06@web.de" userId="a588deeef81be32c" providerId="LiveId" clId="{0B39692B-5A29-40BD-B8D5-6B4BAF748FE9}" dt="2023-06-11T19:50:06.469" v="3" actId="20577"/>
+          <ac:spMkLst>
+            <pc:docMk/>
+            <pc:sldMk cId="3599502142" sldId="264"/>
+            <ac:spMk id="4" creationId="{C4F38619-03B1-BDE0-8F19-E22DAE407EF3}"/>
+          </ac:spMkLst>
+        </pc:spChg>
+      </pc:sldChg>
+      <pc:sldChg chg="delSp mod">
+        <pc:chgData name="jan.rupp06@web.de" userId="a588deeef81be32c" providerId="LiveId" clId="{0B39692B-5A29-40BD-B8D5-6B4BAF748FE9}" dt="2023-06-11T19:48:42.574" v="0" actId="478"/>
+        <pc:sldMkLst>
+          <pc:docMk/>
+          <pc:sldMk cId="3607743640" sldId="267"/>
+        </pc:sldMkLst>
+        <pc:spChg chg="del">
+          <ac:chgData name="jan.rupp06@web.de" userId="a588deeef81be32c" providerId="LiveId" clId="{0B39692B-5A29-40BD-B8D5-6B4BAF748FE9}" dt="2023-06-11T19:48:42.574" v="0" actId="478"/>
+          <ac:spMkLst>
+            <pc:docMk/>
+            <pc:sldMk cId="3607743640" sldId="267"/>
+            <ac:spMk id="3" creationId="{00000000-0000-0000-0000-000000000000}"/>
+          </ac:spMkLst>
+        </pc:spChg>
+      </pc:sldChg>
+      <pc:sldChg chg="modSp mod">
+        <pc:chgData name="jan.rupp06@web.de" userId="a588deeef81be32c" providerId="LiveId" clId="{0B39692B-5A29-40BD-B8D5-6B4BAF748FE9}" dt="2023-06-11T19:50:43.977" v="11" actId="20577"/>
+        <pc:sldMkLst>
+          <pc:docMk/>
+          <pc:sldMk cId="3790645095" sldId="268"/>
+        </pc:sldMkLst>
+        <pc:spChg chg="mod">
+          <ac:chgData name="jan.rupp06@web.de" userId="a588deeef81be32c" providerId="LiveId" clId="{0B39692B-5A29-40BD-B8D5-6B4BAF748FE9}" dt="2023-06-11T19:50:43.977" v="11" actId="20577"/>
+          <ac:spMkLst>
+            <pc:docMk/>
+            <pc:sldMk cId="3790645095" sldId="268"/>
+            <ac:spMk id="4" creationId="{9D1ECE94-05FA-CAEB-3F10-9A547D023E47}"/>
+          </ac:spMkLst>
+        </pc:spChg>
+      </pc:sldChg>
+      <pc:sldChg chg="modSp mod">
+        <pc:chgData name="jan.rupp06@web.de" userId="a588deeef81be32c" providerId="LiveId" clId="{0B39692B-5A29-40BD-B8D5-6B4BAF748FE9}" dt="2023-06-11T19:50:29.538" v="9" actId="27636"/>
+        <pc:sldMkLst>
+          <pc:docMk/>
+          <pc:sldMk cId="1899832215" sldId="273"/>
+        </pc:sldMkLst>
+        <pc:spChg chg="mod">
+          <ac:chgData name="jan.rupp06@web.de" userId="a588deeef81be32c" providerId="LiveId" clId="{0B39692B-5A29-40BD-B8D5-6B4BAF748FE9}" dt="2023-06-11T19:50:29.538" v="9" actId="27636"/>
+          <ac:spMkLst>
+            <pc:docMk/>
+            <pc:sldMk cId="1899832215" sldId="273"/>
+            <ac:spMk id="4" creationId="{E04189B0-3DB0-1313-9C40-60F451098045}"/>
+          </ac:spMkLst>
+        </pc:spChg>
+      </pc:sldChg>
+    </pc:docChg>
+  </pc:docChgLst>
+</pc:chgInfo>
+</file>
+
 <file path=ppt/notesMasters/notesMaster1.xml><?xml version="1.0" encoding="utf-8"?>
 <p:notesMaster xmlns:a="http://schemas.openxmlformats.org/drawingml/2006/main" xmlns:r="http://schemas.openxmlformats.org/officeDocument/2006/relationships" xmlns:p="http://schemas.openxmlformats.org/presentationml/2006/main">
   <p:cSld>
@@ -209,7 +283,7 @@
           <a:p>
             <a:fld id="{AA8CB6A2-A5B3-4899-A434-641E1099C74E}" type="datetimeFigureOut">
               <a:rPr lang="de-DE" smtClean="0"/>
-              <a:t>02.06.2023</a:t>
+              <a:t>11.06.2023</a:t>
             </a:fld>
             <a:endParaRPr lang="de-DE"/>
           </a:p>
@@ -1124,7 +1198,7 @@
           </a:lstStyle>
           <a:p>
             <a:r>
-              <a:rPr lang="de-DE" smtClean="0"/>
+              <a:rPr lang="de-DE"/>
               <a:t>Titelmasterformat durch Klicken bearbeiten</a:t>
             </a:r>
             <a:endParaRPr lang="en-US" dirty="0"/>
@@ -1196,7 +1270,7 @@
           </a:lstStyle>
           <a:p>
             <a:r>
-              <a:rPr lang="de-DE" smtClean="0"/>
+              <a:rPr lang="de-DE"/>
               <a:t>Formatvorlage des Untertitelmasters durch Klicken bearbeiten</a:t>
             </a:r>
             <a:endParaRPr lang="en-US" dirty="0"/>
@@ -1220,7 +1294,7 @@
           <a:p>
             <a:fld id="{C4141A18-4352-4597-AFD8-BECC62423707}" type="datetimeFigureOut">
               <a:rPr lang="de-DE" smtClean="0"/>
-              <a:t>02.06.2023</a:t>
+              <a:t>11.06.2023</a:t>
             </a:fld>
             <a:endParaRPr lang="de-DE"/>
           </a:p>
@@ -1352,7 +1426,7 @@
           <a:lstStyle/>
           <a:p>
             <a:r>
-              <a:rPr lang="de-DE" smtClean="0"/>
+              <a:rPr lang="de-DE"/>
               <a:t>Titelmasterformat durch Klicken bearbeiten</a:t>
             </a:r>
             <a:endParaRPr lang="en-US" dirty="0"/>
@@ -1376,35 +1450,35 @@
           <a:p>
             <a:pPr lvl="0"/>
             <a:r>
-              <a:rPr lang="de-DE" smtClean="0"/>
+              <a:rPr lang="de-DE"/>
               <a:t>Textmasterformat bearbeiten</a:t>
             </a:r>
           </a:p>
           <a:p>
             <a:pPr lvl="1"/>
             <a:r>
-              <a:rPr lang="de-DE" smtClean="0"/>
+              <a:rPr lang="de-DE"/>
               <a:t>Zweite Ebene</a:t>
             </a:r>
           </a:p>
           <a:p>
             <a:pPr lvl="2"/>
             <a:r>
-              <a:rPr lang="de-DE" smtClean="0"/>
+              <a:rPr lang="de-DE"/>
               <a:t>Dritte Ebene</a:t>
             </a:r>
           </a:p>
           <a:p>
             <a:pPr lvl="3"/>
             <a:r>
-              <a:rPr lang="de-DE" smtClean="0"/>
+              <a:rPr lang="de-DE"/>
               <a:t>Vierte Ebene</a:t>
             </a:r>
           </a:p>
           <a:p>
             <a:pPr lvl="4"/>
             <a:r>
-              <a:rPr lang="de-DE" smtClean="0"/>
+              <a:rPr lang="de-DE"/>
               <a:t>Fünfte Ebene</a:t>
             </a:r>
             <a:endParaRPr lang="en-US" dirty="0"/>
@@ -1428,7 +1502,7 @@
           <a:p>
             <a:fld id="{C4141A18-4352-4597-AFD8-BECC62423707}" type="datetimeFigureOut">
               <a:rPr lang="de-DE" smtClean="0"/>
-              <a:t>02.06.2023</a:t>
+              <a:t>11.06.2023</a:t>
             </a:fld>
             <a:endParaRPr lang="de-DE"/>
           </a:p>
@@ -1603,7 +1677,7 @@
           <a:lstStyle/>
           <a:p>
             <a:r>
-              <a:rPr lang="de-DE" smtClean="0"/>
+              <a:rPr lang="de-DE"/>
               <a:t>Titelmasterformat durch Klicken bearbeiten</a:t>
             </a:r>
             <a:endParaRPr lang="en-US" dirty="0"/>
@@ -1632,35 +1706,35 @@
           <a:p>
             <a:pPr lvl="0"/>
             <a:r>
-              <a:rPr lang="de-DE" smtClean="0"/>
+              <a:rPr lang="de-DE"/>
               <a:t>Textmasterformat bearbeiten</a:t>
             </a:r>
           </a:p>
           <a:p>
             <a:pPr lvl="1"/>
             <a:r>
-              <a:rPr lang="de-DE" smtClean="0"/>
+              <a:rPr lang="de-DE"/>
               <a:t>Zweite Ebene</a:t>
             </a:r>
           </a:p>
           <a:p>
             <a:pPr lvl="2"/>
             <a:r>
-              <a:rPr lang="de-DE" smtClean="0"/>
+              <a:rPr lang="de-DE"/>
               <a:t>Dritte Ebene</a:t>
             </a:r>
           </a:p>
           <a:p>
             <a:pPr lvl="3"/>
             <a:r>
-              <a:rPr lang="de-DE" smtClean="0"/>
+              <a:rPr lang="de-DE"/>
               <a:t>Vierte Ebene</a:t>
             </a:r>
           </a:p>
           <a:p>
             <a:pPr lvl="4"/>
             <a:r>
-              <a:rPr lang="de-DE" smtClean="0"/>
+              <a:rPr lang="de-DE"/>
               <a:t>Fünfte Ebene</a:t>
             </a:r>
             <a:endParaRPr lang="en-US" dirty="0"/>
@@ -1684,7 +1758,7 @@
           <a:p>
             <a:fld id="{C4141A18-4352-4597-AFD8-BECC62423707}" type="datetimeFigureOut">
               <a:rPr lang="de-DE" smtClean="0"/>
-              <a:t>02.06.2023</a:t>
+              <a:t>11.06.2023</a:t>
             </a:fld>
             <a:endParaRPr lang="de-DE"/>
           </a:p>
@@ -1778,7 +1852,7 @@
           <a:lstStyle/>
           <a:p>
             <a:r>
-              <a:rPr lang="de-DE" smtClean="0"/>
+              <a:rPr lang="de-DE"/>
               <a:t>Titelmasterformat durch Klicken bearbeiten</a:t>
             </a:r>
             <a:endParaRPr lang="en-US" dirty="0"/>
@@ -1802,35 +1876,35 @@
           <a:p>
             <a:pPr lvl="0"/>
             <a:r>
-              <a:rPr lang="de-DE" smtClean="0"/>
+              <a:rPr lang="de-DE"/>
               <a:t>Textmasterformat bearbeiten</a:t>
             </a:r>
           </a:p>
           <a:p>
             <a:pPr lvl="1"/>
             <a:r>
-              <a:rPr lang="de-DE" smtClean="0"/>
+              <a:rPr lang="de-DE"/>
               <a:t>Zweite Ebene</a:t>
             </a:r>
           </a:p>
           <a:p>
             <a:pPr lvl="2"/>
             <a:r>
-              <a:rPr lang="de-DE" smtClean="0"/>
+              <a:rPr lang="de-DE"/>
               <a:t>Dritte Ebene</a:t>
             </a:r>
           </a:p>
           <a:p>
             <a:pPr lvl="3"/>
             <a:r>
-              <a:rPr lang="de-DE" smtClean="0"/>
+              <a:rPr lang="de-DE"/>
               <a:t>Vierte Ebene</a:t>
             </a:r>
           </a:p>
           <a:p>
             <a:pPr lvl="4"/>
             <a:r>
-              <a:rPr lang="de-DE" smtClean="0"/>
+              <a:rPr lang="de-DE"/>
               <a:t>Fünfte Ebene</a:t>
             </a:r>
             <a:endParaRPr lang="en-US" dirty="0"/>
@@ -1854,7 +1928,7 @@
           <a:p>
             <a:fld id="{C4141A18-4352-4597-AFD8-BECC62423707}" type="datetimeFigureOut">
               <a:rPr lang="de-DE" smtClean="0"/>
-              <a:t>02.06.2023</a:t>
+              <a:t>11.06.2023</a:t>
             </a:fld>
             <a:endParaRPr lang="de-DE"/>
           </a:p>
@@ -2053,7 +2127,7 @@
           </a:lstStyle>
           <a:p>
             <a:r>
-              <a:rPr lang="de-DE" smtClean="0"/>
+              <a:rPr lang="de-DE"/>
               <a:t>Titelmasterformat durch Klicken bearbeiten</a:t>
             </a:r>
             <a:endParaRPr lang="en-US" dirty="0"/>
@@ -2174,7 +2248,7 @@
           <a:p>
             <a:pPr lvl="0"/>
             <a:r>
-              <a:rPr lang="de-DE" smtClean="0"/>
+              <a:rPr lang="de-DE"/>
               <a:t>Textmasterformat bearbeiten</a:t>
             </a:r>
           </a:p>
@@ -2197,7 +2271,7 @@
           <a:p>
             <a:fld id="{C4141A18-4352-4597-AFD8-BECC62423707}" type="datetimeFigureOut">
               <a:rPr lang="de-DE" smtClean="0"/>
-              <a:t>02.06.2023</a:t>
+              <a:t>11.06.2023</a:t>
             </a:fld>
             <a:endParaRPr lang="de-DE"/>
           </a:p>
@@ -2334,7 +2408,7 @@
           <a:lstStyle/>
           <a:p>
             <a:r>
-              <a:rPr lang="de-DE" smtClean="0"/>
+              <a:rPr lang="de-DE"/>
               <a:t>Titelmasterformat durch Klicken bearbeiten</a:t>
             </a:r>
             <a:endParaRPr lang="en-US" dirty="0"/>
@@ -2363,35 +2437,35 @@
           <a:p>
             <a:pPr lvl="0"/>
             <a:r>
-              <a:rPr lang="de-DE" smtClean="0"/>
+              <a:rPr lang="de-DE"/>
               <a:t>Textmasterformat bearbeiten</a:t>
             </a:r>
           </a:p>
           <a:p>
             <a:pPr lvl="1"/>
             <a:r>
-              <a:rPr lang="de-DE" smtClean="0"/>
+              <a:rPr lang="de-DE"/>
               <a:t>Zweite Ebene</a:t>
             </a:r>
           </a:p>
           <a:p>
             <a:pPr lvl="2"/>
             <a:r>
-              <a:rPr lang="de-DE" smtClean="0"/>
+              <a:rPr lang="de-DE"/>
               <a:t>Dritte Ebene</a:t>
             </a:r>
           </a:p>
           <a:p>
             <a:pPr lvl="3"/>
             <a:r>
-              <a:rPr lang="de-DE" smtClean="0"/>
+              <a:rPr lang="de-DE"/>
               <a:t>Vierte Ebene</a:t>
             </a:r>
           </a:p>
           <a:p>
             <a:pPr lvl="4"/>
             <a:r>
-              <a:rPr lang="de-DE" smtClean="0"/>
+              <a:rPr lang="de-DE"/>
               <a:t>Fünfte Ebene</a:t>
             </a:r>
             <a:endParaRPr lang="en-US" dirty="0"/>
@@ -2420,35 +2494,35 @@
           <a:p>
             <a:pPr lvl="0"/>
             <a:r>
-              <a:rPr lang="de-DE" smtClean="0"/>
+              <a:rPr lang="de-DE"/>
               <a:t>Textmasterformat bearbeiten</a:t>
             </a:r>
           </a:p>
           <a:p>
             <a:pPr lvl="1"/>
             <a:r>
-              <a:rPr lang="de-DE" smtClean="0"/>
+              <a:rPr lang="de-DE"/>
               <a:t>Zweite Ebene</a:t>
             </a:r>
           </a:p>
           <a:p>
             <a:pPr lvl="2"/>
             <a:r>
-              <a:rPr lang="de-DE" smtClean="0"/>
+              <a:rPr lang="de-DE"/>
               <a:t>Dritte Ebene</a:t>
             </a:r>
           </a:p>
           <a:p>
             <a:pPr lvl="3"/>
             <a:r>
-              <a:rPr lang="de-DE" smtClean="0"/>
+              <a:rPr lang="de-DE"/>
               <a:t>Vierte Ebene</a:t>
             </a:r>
           </a:p>
           <a:p>
             <a:pPr lvl="4"/>
             <a:r>
-              <a:rPr lang="de-DE" smtClean="0"/>
+              <a:rPr lang="de-DE"/>
               <a:t>Fünfte Ebene</a:t>
             </a:r>
             <a:endParaRPr lang="en-US" dirty="0"/>
@@ -2472,7 +2546,7 @@
           <a:p>
             <a:fld id="{C4141A18-4352-4597-AFD8-BECC62423707}" type="datetimeFigureOut">
               <a:rPr lang="de-DE" smtClean="0"/>
-              <a:t>02.06.2023</a:t>
+              <a:t>11.06.2023</a:t>
             </a:fld>
             <a:endParaRPr lang="de-DE"/>
           </a:p>
@@ -2571,7 +2645,7 @@
           <a:lstStyle/>
           <a:p>
             <a:r>
-              <a:rPr lang="de-DE" smtClean="0"/>
+              <a:rPr lang="de-DE"/>
               <a:t>Titelmasterformat durch Klicken bearbeiten</a:t>
             </a:r>
             <a:endParaRPr lang="en-US" dirty="0"/>
@@ -2643,7 +2717,7 @@
           <a:p>
             <a:pPr lvl="0"/>
             <a:r>
-              <a:rPr lang="de-DE" smtClean="0"/>
+              <a:rPr lang="de-DE"/>
               <a:t>Textmasterformat bearbeiten</a:t>
             </a:r>
           </a:p>
@@ -2671,35 +2745,35 @@
           <a:p>
             <a:pPr lvl="0"/>
             <a:r>
-              <a:rPr lang="de-DE" smtClean="0"/>
+              <a:rPr lang="de-DE"/>
               <a:t>Textmasterformat bearbeiten</a:t>
             </a:r>
           </a:p>
           <a:p>
             <a:pPr lvl="1"/>
             <a:r>
-              <a:rPr lang="de-DE" smtClean="0"/>
+              <a:rPr lang="de-DE"/>
               <a:t>Zweite Ebene</a:t>
             </a:r>
           </a:p>
           <a:p>
             <a:pPr lvl="2"/>
             <a:r>
-              <a:rPr lang="de-DE" smtClean="0"/>
+              <a:rPr lang="de-DE"/>
               <a:t>Dritte Ebene</a:t>
             </a:r>
           </a:p>
           <a:p>
             <a:pPr lvl="3"/>
             <a:r>
-              <a:rPr lang="de-DE" smtClean="0"/>
+              <a:rPr lang="de-DE"/>
               <a:t>Vierte Ebene</a:t>
             </a:r>
           </a:p>
           <a:p>
             <a:pPr lvl="4"/>
             <a:r>
-              <a:rPr lang="de-DE" smtClean="0"/>
+              <a:rPr lang="de-DE"/>
               <a:t>Fünfte Ebene</a:t>
             </a:r>
             <a:endParaRPr lang="en-US" dirty="0"/>
@@ -2771,7 +2845,7 @@
           <a:p>
             <a:pPr lvl="0"/>
             <a:r>
-              <a:rPr lang="de-DE" smtClean="0"/>
+              <a:rPr lang="de-DE"/>
               <a:t>Textmasterformat bearbeiten</a:t>
             </a:r>
           </a:p>
@@ -2799,35 +2873,35 @@
           <a:p>
             <a:pPr lvl="0"/>
             <a:r>
-              <a:rPr lang="de-DE" smtClean="0"/>
+              <a:rPr lang="de-DE"/>
               <a:t>Textmasterformat bearbeiten</a:t>
             </a:r>
           </a:p>
           <a:p>
             <a:pPr lvl="1"/>
             <a:r>
-              <a:rPr lang="de-DE" smtClean="0"/>
+              <a:rPr lang="de-DE"/>
               <a:t>Zweite Ebene</a:t>
             </a:r>
           </a:p>
           <a:p>
             <a:pPr lvl="2"/>
             <a:r>
-              <a:rPr lang="de-DE" smtClean="0"/>
+              <a:rPr lang="de-DE"/>
               <a:t>Dritte Ebene</a:t>
             </a:r>
           </a:p>
           <a:p>
             <a:pPr lvl="3"/>
             <a:r>
-              <a:rPr lang="de-DE" smtClean="0"/>
+              <a:rPr lang="de-DE"/>
               <a:t>Vierte Ebene</a:t>
             </a:r>
           </a:p>
           <a:p>
             <a:pPr lvl="4"/>
             <a:r>
-              <a:rPr lang="de-DE" smtClean="0"/>
+              <a:rPr lang="de-DE"/>
               <a:t>Fünfte Ebene</a:t>
             </a:r>
             <a:endParaRPr lang="en-US" dirty="0"/>
@@ -2851,7 +2925,7 @@
           <a:p>
             <a:fld id="{C4141A18-4352-4597-AFD8-BECC62423707}" type="datetimeFigureOut">
               <a:rPr lang="de-DE" smtClean="0"/>
-              <a:t>02.06.2023</a:t>
+              <a:t>11.06.2023</a:t>
             </a:fld>
             <a:endParaRPr lang="de-DE"/>
           </a:p>
@@ -2945,7 +3019,7 @@
           <a:lstStyle/>
           <a:p>
             <a:r>
-              <a:rPr lang="de-DE" smtClean="0"/>
+              <a:rPr lang="de-DE"/>
               <a:t>Titelmasterformat durch Klicken bearbeiten</a:t>
             </a:r>
             <a:endParaRPr lang="en-US" dirty="0"/>
@@ -2969,7 +3043,7 @@
           <a:p>
             <a:fld id="{C4141A18-4352-4597-AFD8-BECC62423707}" type="datetimeFigureOut">
               <a:rPr lang="de-DE" smtClean="0"/>
-              <a:t>02.06.2023</a:t>
+              <a:t>11.06.2023</a:t>
             </a:fld>
             <a:endParaRPr lang="de-DE"/>
           </a:p>
@@ -3140,7 +3214,7 @@
           <a:p>
             <a:fld id="{C4141A18-4352-4597-AFD8-BECC62423707}" type="datetimeFigureOut">
               <a:rPr lang="de-DE" smtClean="0"/>
-              <a:t>02.06.2023</a:t>
+              <a:t>11.06.2023</a:t>
             </a:fld>
             <a:endParaRPr lang="de-DE"/>
           </a:p>
@@ -3333,7 +3407,7 @@
           </a:lstStyle>
           <a:p>
             <a:r>
-              <a:rPr lang="de-DE" smtClean="0"/>
+              <a:rPr lang="de-DE"/>
               <a:t>Titelmasterformat durch Klicken bearbeiten</a:t>
             </a:r>
             <a:endParaRPr lang="en-US" dirty="0"/>
@@ -3362,35 +3436,35 @@
           <a:p>
             <a:pPr lvl="0"/>
             <a:r>
-              <a:rPr lang="de-DE" smtClean="0"/>
+              <a:rPr lang="de-DE"/>
               <a:t>Textmasterformat bearbeiten</a:t>
             </a:r>
           </a:p>
           <a:p>
             <a:pPr lvl="1"/>
             <a:r>
-              <a:rPr lang="de-DE" smtClean="0"/>
+              <a:rPr lang="de-DE"/>
               <a:t>Zweite Ebene</a:t>
             </a:r>
           </a:p>
           <a:p>
             <a:pPr lvl="2"/>
             <a:r>
-              <a:rPr lang="de-DE" smtClean="0"/>
+              <a:rPr lang="de-DE"/>
               <a:t>Dritte Ebene</a:t>
             </a:r>
           </a:p>
           <a:p>
             <a:pPr lvl="3"/>
             <a:r>
-              <a:rPr lang="de-DE" smtClean="0"/>
+              <a:rPr lang="de-DE"/>
               <a:t>Vierte Ebene</a:t>
             </a:r>
           </a:p>
           <a:p>
             <a:pPr lvl="4"/>
             <a:r>
-              <a:rPr lang="de-DE" smtClean="0"/>
+              <a:rPr lang="de-DE"/>
               <a:t>Fünfte Ebene</a:t>
             </a:r>
             <a:endParaRPr lang="en-US" dirty="0"/>
@@ -3462,7 +3536,7 @@
           <a:p>
             <a:pPr lvl="0"/>
             <a:r>
-              <a:rPr lang="de-DE" smtClean="0"/>
+              <a:rPr lang="de-DE"/>
               <a:t>Textmasterformat bearbeiten</a:t>
             </a:r>
           </a:p>
@@ -3494,7 +3568,7 @@
           <a:p>
             <a:fld id="{C4141A18-4352-4597-AFD8-BECC62423707}" type="datetimeFigureOut">
               <a:rPr lang="de-DE" smtClean="0"/>
-              <a:t>02.06.2023</a:t>
+              <a:t>11.06.2023</a:t>
             </a:fld>
             <a:endParaRPr lang="de-DE"/>
           </a:p>
@@ -3700,7 +3774,7 @@
           </a:lstStyle>
           <a:p>
             <a:r>
-              <a:rPr lang="de-DE" smtClean="0"/>
+              <a:rPr lang="de-DE"/>
               <a:t>Titelmasterformat durch Klicken bearbeiten</a:t>
             </a:r>
             <a:endParaRPr lang="en-US" dirty="0"/>
@@ -3770,7 +3844,7 @@
           </a:lstStyle>
           <a:p>
             <a:r>
-              <a:rPr lang="de-DE" smtClean="0"/>
+              <a:rPr lang="de-DE"/>
               <a:t>Bild durch Klicken auf Symbol hinzufügen</a:t>
             </a:r>
             <a:endParaRPr lang="en-US" dirty="0"/>
@@ -3848,7 +3922,7 @@
           <a:p>
             <a:pPr lvl="0"/>
             <a:r>
-              <a:rPr lang="de-DE" smtClean="0"/>
+              <a:rPr lang="de-DE"/>
               <a:t>Textmasterformat bearbeiten</a:t>
             </a:r>
           </a:p>
@@ -3871,7 +3945,7 @@
           <a:p>
             <a:fld id="{C4141A18-4352-4597-AFD8-BECC62423707}" type="datetimeFigureOut">
               <a:rPr lang="de-DE" smtClean="0"/>
-              <a:t>02.06.2023</a:t>
+              <a:t>11.06.2023</a:t>
             </a:fld>
             <a:endParaRPr lang="de-DE"/>
           </a:p>
@@ -4056,7 +4130,7 @@
           <a:lstStyle/>
           <a:p>
             <a:r>
-              <a:rPr lang="de-DE" smtClean="0"/>
+              <a:rPr lang="de-DE"/>
               <a:t>Titelmasterformat durch Klicken bearbeiten</a:t>
             </a:r>
             <a:endParaRPr lang="en-US" dirty="0"/>
@@ -4090,35 +4164,35 @@
           <a:p>
             <a:pPr lvl="0"/>
             <a:r>
-              <a:rPr lang="de-DE" smtClean="0"/>
+              <a:rPr lang="de-DE"/>
               <a:t>Textmasterformat bearbeiten</a:t>
             </a:r>
           </a:p>
           <a:p>
             <a:pPr lvl="1"/>
             <a:r>
-              <a:rPr lang="de-DE" smtClean="0"/>
+              <a:rPr lang="de-DE"/>
               <a:t>Zweite Ebene</a:t>
             </a:r>
           </a:p>
           <a:p>
             <a:pPr lvl="2"/>
             <a:r>
-              <a:rPr lang="de-DE" smtClean="0"/>
+              <a:rPr lang="de-DE"/>
               <a:t>Dritte Ebene</a:t>
             </a:r>
           </a:p>
           <a:p>
             <a:pPr lvl="3"/>
             <a:r>
-              <a:rPr lang="de-DE" smtClean="0"/>
+              <a:rPr lang="de-DE"/>
               <a:t>Vierte Ebene</a:t>
             </a:r>
           </a:p>
           <a:p>
             <a:pPr lvl="4"/>
             <a:r>
-              <a:rPr lang="de-DE" smtClean="0"/>
+              <a:rPr lang="de-DE"/>
               <a:t>Fünfte Ebene</a:t>
             </a:r>
             <a:endParaRPr lang="en-US" dirty="0"/>
@@ -4158,7 +4232,7 @@
           <a:p>
             <a:fld id="{C4141A18-4352-4597-AFD8-BECC62423707}" type="datetimeFigureOut">
               <a:rPr lang="de-DE" smtClean="0"/>
-              <a:t>02.06.2023</a:t>
+              <a:t>11.06.2023</a:t>
             </a:fld>
             <a:endParaRPr lang="de-DE"/>
           </a:p>
@@ -4687,7 +4761,7 @@
           <p:cNvPr id="2" name="Titel 1">
             <a:extLst>
               <a:ext uri="{FF2B5EF4-FFF2-40B4-BE49-F238E27FC236}">
-                <a16:creationId xmlns:a16="http://schemas.microsoft.com/office/drawing/2014/main" xmlns="" id="{3FFFECB4-827B-2C8D-5469-5BE65CD2FC92}"/>
+                <a16:creationId xmlns:a16="http://schemas.microsoft.com/office/drawing/2014/main" id="{3FFFECB4-827B-2C8D-5469-5BE65CD2FC92}"/>
               </a:ext>
             </a:extLst>
           </p:cNvPr>
@@ -4715,7 +4789,7 @@
           <p:cNvPr id="3" name="Untertitel 2">
             <a:extLst>
               <a:ext uri="{FF2B5EF4-FFF2-40B4-BE49-F238E27FC236}">
-                <a16:creationId xmlns:a16="http://schemas.microsoft.com/office/drawing/2014/main" xmlns="" id="{31BC26FC-10CC-0CE7-6E54-CD50658EA4BD}"/>
+                <a16:creationId xmlns:a16="http://schemas.microsoft.com/office/drawing/2014/main" id="{31BC26FC-10CC-0CE7-6E54-CD50658EA4BD}"/>
               </a:ext>
             </a:extLst>
           </p:cNvPr>
@@ -4779,7 +4853,7 @@
           <p:cNvPr id="2" name="Titel 1">
             <a:extLst>
               <a:ext uri="{FF2B5EF4-FFF2-40B4-BE49-F238E27FC236}">
-                <a16:creationId xmlns:a16="http://schemas.microsoft.com/office/drawing/2014/main" xmlns="" id="{2B12611C-97F0-82E0-1497-D1FFEE0DADA0}"/>
+                <a16:creationId xmlns:a16="http://schemas.microsoft.com/office/drawing/2014/main" id="{2B12611C-97F0-82E0-1497-D1FFEE0DADA0}"/>
               </a:ext>
             </a:extLst>
           </p:cNvPr>
@@ -4807,7 +4881,7 @@
           <p:cNvPr id="4" name="Textplatzhalter 3">
             <a:extLst>
               <a:ext uri="{FF2B5EF4-FFF2-40B4-BE49-F238E27FC236}">
-                <a16:creationId xmlns:a16="http://schemas.microsoft.com/office/drawing/2014/main" xmlns="" id="{00041F69-5064-FA6F-567A-A03D23EB9ABB}"/>
+                <a16:creationId xmlns:a16="http://schemas.microsoft.com/office/drawing/2014/main" id="{00041F69-5064-FA6F-567A-A03D23EB9ABB}"/>
               </a:ext>
             </a:extLst>
           </p:cNvPr>
@@ -4869,17 +4943,12 @@
             </a:pPr>
             <a:r>
               <a:rPr lang="de-DE" sz="1800" dirty="0"/>
-              <a:t>Falls die Elemente weit genug hinter der Kamera sind, werden diese aus der Gruppe </a:t>
-            </a:r>
-            <a:r>
-              <a:rPr lang="de-DE" sz="1800" dirty="0" smtClean="0"/>
-              <a:t>entfernt</a:t>
-            </a:r>
-            <a:r>
-              <a:rPr lang="de-DE" sz="1600" dirty="0" smtClean="0"/>
+              <a:t>Falls die Elemente weit genug hinter der Kamera sind, werden diese aus der Gruppe entfernt</a:t>
+            </a:r>
+            <a:r>
+              <a:rPr lang="de-DE" sz="1600" dirty="0"/>
               <a:t>.</a:t>
             </a:r>
-            <a:endParaRPr lang="de-DE" sz="1600" dirty="0"/>
           </a:p>
         </p:txBody>
       </p:sp>
@@ -4942,7 +5011,7 @@
           <p:cNvPr id="2" name="Titel 1">
             <a:extLst>
               <a:ext uri="{FF2B5EF4-FFF2-40B4-BE49-F238E27FC236}">
-                <a16:creationId xmlns:a16="http://schemas.microsoft.com/office/drawing/2014/main" xmlns="" id="{CAA03FC0-31DF-9F63-961D-9997DDF3CA14}"/>
+                <a16:creationId xmlns:a16="http://schemas.microsoft.com/office/drawing/2014/main" id="{CAA03FC0-31DF-9F63-961D-9997DDF3CA14}"/>
               </a:ext>
             </a:extLst>
           </p:cNvPr>
@@ -4970,7 +5039,7 @@
           <p:cNvPr id="3" name="Inhaltsplatzhalter 2">
             <a:extLst>
               <a:ext uri="{FF2B5EF4-FFF2-40B4-BE49-F238E27FC236}">
-                <a16:creationId xmlns:a16="http://schemas.microsoft.com/office/drawing/2014/main" xmlns="" id="{37A5B4AA-D93B-A26A-D893-BA507A2758AB}"/>
+                <a16:creationId xmlns:a16="http://schemas.microsoft.com/office/drawing/2014/main" id="{37A5B4AA-D93B-A26A-D893-BA507A2758AB}"/>
               </a:ext>
             </a:extLst>
           </p:cNvPr>
@@ -5096,7 +5165,7 @@
           <p:cNvPr id="2" name="Titel 1">
             <a:extLst>
               <a:ext uri="{FF2B5EF4-FFF2-40B4-BE49-F238E27FC236}">
-                <a16:creationId xmlns:a16="http://schemas.microsoft.com/office/drawing/2014/main" xmlns="" id="{A90F4A71-8F7D-10A7-C29E-F3FCD96E8778}"/>
+                <a16:creationId xmlns:a16="http://schemas.microsoft.com/office/drawing/2014/main" id="{A90F4A71-8F7D-10A7-C29E-F3FCD96E8778}"/>
               </a:ext>
             </a:extLst>
           </p:cNvPr>
@@ -5129,7 +5198,7 @@
           <p:cNvPr id="3" name="Inhaltsplatzhalter 2">
             <a:extLst>
               <a:ext uri="{FF2B5EF4-FFF2-40B4-BE49-F238E27FC236}">
-                <a16:creationId xmlns:a16="http://schemas.microsoft.com/office/drawing/2014/main" xmlns="" id="{9C39594A-A392-68D6-5C22-4046703762BB}"/>
+                <a16:creationId xmlns:a16="http://schemas.microsoft.com/office/drawing/2014/main" id="{9C39594A-A392-68D6-5C22-4046703762BB}"/>
               </a:ext>
             </a:extLst>
           </p:cNvPr>
@@ -5221,7 +5290,7 @@
           <p:cNvPr id="2" name="Titel 1">
             <a:extLst>
               <a:ext uri="{FF2B5EF4-FFF2-40B4-BE49-F238E27FC236}">
-                <a16:creationId xmlns:a16="http://schemas.microsoft.com/office/drawing/2014/main" xmlns="" id="{47FA62A9-319C-EEE5-1780-85CD0C578017}"/>
+                <a16:creationId xmlns:a16="http://schemas.microsoft.com/office/drawing/2014/main" id="{47FA62A9-319C-EEE5-1780-85CD0C578017}"/>
               </a:ext>
             </a:extLst>
           </p:cNvPr>
@@ -5249,7 +5318,7 @@
           <p:cNvPr id="3" name="Inhaltsplatzhalter 2">
             <a:extLst>
               <a:ext uri="{FF2B5EF4-FFF2-40B4-BE49-F238E27FC236}">
-                <a16:creationId xmlns:a16="http://schemas.microsoft.com/office/drawing/2014/main" xmlns="" id="{5091DB7F-9328-3E71-E79B-50D3AB832DB5}"/>
+                <a16:creationId xmlns:a16="http://schemas.microsoft.com/office/drawing/2014/main" id="{5091DB7F-9328-3E71-E79B-50D3AB832DB5}"/>
               </a:ext>
             </a:extLst>
           </p:cNvPr>
@@ -5297,13 +5366,8 @@
             <a:pPr lvl="1"/>
             <a:r>
               <a:rPr lang="de-DE" sz="2000" dirty="0"/>
-              <a:t>Fokus auf die </a:t>
-            </a:r>
-            <a:r>
-              <a:rPr lang="de-DE" sz="2000" dirty="0" smtClean="0"/>
-              <a:t>Kugeln</a:t>
-            </a:r>
-            <a:endParaRPr lang="de-DE" sz="2000" dirty="0"/>
+              <a:t>Fokus auf die Kugeln</a:t>
+            </a:r>
           </a:p>
           <a:p>
             <a:r>
@@ -5345,7 +5409,7 @@
           <p:cNvPr id="5" name="Grafik 4" descr="Ein Bild, das Text, Muster, Quadrat, Screenshot enthält.&#10;&#10;Automatisch generierte Beschreibung">
             <a:extLst>
               <a:ext uri="{FF2B5EF4-FFF2-40B4-BE49-F238E27FC236}">
-                <a16:creationId xmlns:a16="http://schemas.microsoft.com/office/drawing/2014/main" xmlns="" id="{EA3AC4A0-7AC7-ED1E-23AF-22BFB6B96BA9}"/>
+                <a16:creationId xmlns:a16="http://schemas.microsoft.com/office/drawing/2014/main" id="{EA3AC4A0-7AC7-ED1E-23AF-22BFB6B96BA9}"/>
               </a:ext>
             </a:extLst>
           </p:cNvPr>
@@ -5411,7 +5475,7 @@
           <p:cNvPr id="2" name="Titel 1">
             <a:extLst>
               <a:ext uri="{FF2B5EF4-FFF2-40B4-BE49-F238E27FC236}">
-                <a16:creationId xmlns:a16="http://schemas.microsoft.com/office/drawing/2014/main" xmlns="" id="{0C083BD7-20DB-2B2A-24A8-BDDD70A08F66}"/>
+                <a16:creationId xmlns:a16="http://schemas.microsoft.com/office/drawing/2014/main" id="{0C083BD7-20DB-2B2A-24A8-BDDD70A08F66}"/>
               </a:ext>
             </a:extLst>
           </p:cNvPr>
@@ -5439,7 +5503,7 @@
           <p:cNvPr id="3" name="Inhaltsplatzhalter 2">
             <a:extLst>
               <a:ext uri="{FF2B5EF4-FFF2-40B4-BE49-F238E27FC236}">
-                <a16:creationId xmlns:a16="http://schemas.microsoft.com/office/drawing/2014/main" xmlns="" id="{1892E5EF-3C09-A536-1067-AC914468537A}"/>
+                <a16:creationId xmlns:a16="http://schemas.microsoft.com/office/drawing/2014/main" id="{1892E5EF-3C09-A536-1067-AC914468537A}"/>
               </a:ext>
             </a:extLst>
           </p:cNvPr>
@@ -5558,7 +5622,7 @@
           <p:cNvPr id="2" name="Titel 1">
             <a:extLst>
               <a:ext uri="{FF2B5EF4-FFF2-40B4-BE49-F238E27FC236}">
-                <a16:creationId xmlns:a16="http://schemas.microsoft.com/office/drawing/2014/main" xmlns="" id="{D4B15AD6-94CE-2A11-0E3C-E9B99F1E8FA8}"/>
+                <a16:creationId xmlns:a16="http://schemas.microsoft.com/office/drawing/2014/main" id="{D4B15AD6-94CE-2A11-0E3C-E9B99F1E8FA8}"/>
               </a:ext>
             </a:extLst>
           </p:cNvPr>
@@ -5586,7 +5650,7 @@
           <p:cNvPr id="3" name="Untertitel 2">
             <a:extLst>
               <a:ext uri="{FF2B5EF4-FFF2-40B4-BE49-F238E27FC236}">
-                <a16:creationId xmlns:a16="http://schemas.microsoft.com/office/drawing/2014/main" xmlns="" id="{49466385-C784-DE67-66B9-BF80942B2240}"/>
+                <a16:creationId xmlns:a16="http://schemas.microsoft.com/office/drawing/2014/main" id="{49466385-C784-DE67-66B9-BF80942B2240}"/>
               </a:ext>
             </a:extLst>
           </p:cNvPr>
@@ -5644,7 +5708,7 @@
           <p:cNvPr id="2" name="Titel 1">
             <a:extLst>
               <a:ext uri="{FF2B5EF4-FFF2-40B4-BE49-F238E27FC236}">
-                <a16:creationId xmlns:a16="http://schemas.microsoft.com/office/drawing/2014/main" xmlns="" id="{0B95B175-38D2-495B-288B-C52DCA446FD4}"/>
+                <a16:creationId xmlns:a16="http://schemas.microsoft.com/office/drawing/2014/main" id="{0B95B175-38D2-495B-288B-C52DCA446FD4}"/>
               </a:ext>
             </a:extLst>
           </p:cNvPr>
@@ -5672,7 +5736,7 @@
           <p:cNvPr id="3" name="Textplatzhalter 2">
             <a:extLst>
               <a:ext uri="{FF2B5EF4-FFF2-40B4-BE49-F238E27FC236}">
-                <a16:creationId xmlns:a16="http://schemas.microsoft.com/office/drawing/2014/main" xmlns="" id="{A33EF481-764C-A9E1-1408-393A0695AF23}"/>
+                <a16:creationId xmlns:a16="http://schemas.microsoft.com/office/drawing/2014/main" id="{A33EF481-764C-A9E1-1408-393A0695AF23}"/>
               </a:ext>
             </a:extLst>
           </p:cNvPr>
@@ -5700,7 +5764,7 @@
           <p:cNvPr id="15" name="Inhaltsplatzhalter 14">
             <a:extLst>
               <a:ext uri="{FF2B5EF4-FFF2-40B4-BE49-F238E27FC236}">
-                <a16:creationId xmlns:a16="http://schemas.microsoft.com/office/drawing/2014/main" xmlns="" id="{D8C3C021-6049-FC71-7C75-7941F6B19031}"/>
+                <a16:creationId xmlns:a16="http://schemas.microsoft.com/office/drawing/2014/main" id="{D8C3C021-6049-FC71-7C75-7941F6B19031}"/>
               </a:ext>
             </a:extLst>
           </p:cNvPr>
@@ -5729,7 +5793,7 @@
           <p:cNvPr id="5" name="Textplatzhalter 4">
             <a:extLst>
               <a:ext uri="{FF2B5EF4-FFF2-40B4-BE49-F238E27FC236}">
-                <a16:creationId xmlns:a16="http://schemas.microsoft.com/office/drawing/2014/main" xmlns="" id="{BB2A4663-1B37-006F-795A-F3516C3A78AC}"/>
+                <a16:creationId xmlns:a16="http://schemas.microsoft.com/office/drawing/2014/main" id="{BB2A4663-1B37-006F-795A-F3516C3A78AC}"/>
               </a:ext>
             </a:extLst>
           </p:cNvPr>
@@ -5773,7 +5837,7 @@
           <p:cNvPr id="12" name="Inhaltsplatzhalter 11" descr="Ein Bild, das Spiele, Hallensportarten, Screenshot, Text enthält.">
             <a:extLst>
               <a:ext uri="{FF2B5EF4-FFF2-40B4-BE49-F238E27FC236}">
-                <a16:creationId xmlns:a16="http://schemas.microsoft.com/office/drawing/2014/main" xmlns="" id="{25A69D20-8546-B4E5-D39B-681E989D2269}"/>
+                <a16:creationId xmlns:a16="http://schemas.microsoft.com/office/drawing/2014/main" id="{25A69D20-8546-B4E5-D39B-681E989D2269}"/>
               </a:ext>
             </a:extLst>
           </p:cNvPr>
@@ -5808,7 +5872,7 @@
           <p:cNvPr id="13" name="Textfeld 12">
             <a:extLst>
               <a:ext uri="{FF2B5EF4-FFF2-40B4-BE49-F238E27FC236}">
-                <a16:creationId xmlns:a16="http://schemas.microsoft.com/office/drawing/2014/main" xmlns="" id="{4DD7BB02-407C-4CEF-14F4-193C15853E31}"/>
+                <a16:creationId xmlns:a16="http://schemas.microsoft.com/office/drawing/2014/main" id="{4DD7BB02-407C-4CEF-14F4-193C15853E31}"/>
               </a:ext>
             </a:extLst>
           </p:cNvPr>
@@ -5877,7 +5941,7 @@
           <p:cNvPr id="2" name="Titel 1">
             <a:extLst>
               <a:ext uri="{FF2B5EF4-FFF2-40B4-BE49-F238E27FC236}">
-                <a16:creationId xmlns:a16="http://schemas.microsoft.com/office/drawing/2014/main" xmlns="" id="{73377BEF-0C5A-3E9E-561B-DEFEFC73DE3D}"/>
+                <a16:creationId xmlns:a16="http://schemas.microsoft.com/office/drawing/2014/main" id="{73377BEF-0C5A-3E9E-561B-DEFEFC73DE3D}"/>
               </a:ext>
             </a:extLst>
           </p:cNvPr>
@@ -5905,7 +5969,7 @@
           <p:cNvPr id="5" name="Inhaltsplatzhalter 4">
             <a:extLst>
               <a:ext uri="{FF2B5EF4-FFF2-40B4-BE49-F238E27FC236}">
-                <a16:creationId xmlns:a16="http://schemas.microsoft.com/office/drawing/2014/main" xmlns="" id="{025B05BF-B420-36F4-F6C5-2DEBC077407F}"/>
+                <a16:creationId xmlns:a16="http://schemas.microsoft.com/office/drawing/2014/main" id="{025B05BF-B420-36F4-F6C5-2DEBC077407F}"/>
               </a:ext>
             </a:extLst>
           </p:cNvPr>
@@ -5964,7 +6028,7 @@
           <p:cNvPr id="2" name="Titel 1">
             <a:extLst>
               <a:ext uri="{FF2B5EF4-FFF2-40B4-BE49-F238E27FC236}">
-                <a16:creationId xmlns:a16="http://schemas.microsoft.com/office/drawing/2014/main" xmlns="" id="{BFE2AECC-2E61-B4AE-40C6-9090E23BF3BC}"/>
+                <a16:creationId xmlns:a16="http://schemas.microsoft.com/office/drawing/2014/main" id="{BFE2AECC-2E61-B4AE-40C6-9090E23BF3BC}"/>
               </a:ext>
             </a:extLst>
           </p:cNvPr>
@@ -5992,7 +6056,7 @@
           <p:cNvPr id="4" name="Textplatzhalter 3">
             <a:extLst>
               <a:ext uri="{FF2B5EF4-FFF2-40B4-BE49-F238E27FC236}">
-                <a16:creationId xmlns:a16="http://schemas.microsoft.com/office/drawing/2014/main" xmlns="" id="{C4F38619-03B1-BDE0-8F19-E22DAE407EF3}"/>
+                <a16:creationId xmlns:a16="http://schemas.microsoft.com/office/drawing/2014/main" id="{C4F38619-03B1-BDE0-8F19-E22DAE407EF3}"/>
               </a:ext>
             </a:extLst>
           </p:cNvPr>
@@ -6019,7 +6083,7 @@
             </a:pPr>
             <a:r>
               <a:rPr lang="de-DE" sz="1800" dirty="0"/>
-              <a:t>Landschaftselemente werden in einer Gruppe gespeichert</a:t>
+              <a:t>Landschaftselemente werden in einer Gruppe gespeichert.</a:t>
             </a:r>
           </a:p>
           <a:p>
@@ -6058,7 +6122,7 @@
             </a:pPr>
             <a:r>
               <a:rPr lang="de-DE" sz="1800" dirty="0"/>
-              <a:t>Für jede Landschaft werden 10 rote Kugeln erstellt</a:t>
+              <a:t>Für jede Landschaft werden 10 rote Kugeln erstellt.</a:t>
             </a:r>
           </a:p>
           <a:p>
@@ -6075,7 +6139,7 @@
                   <a:schemeClr val="bg1"/>
                 </a:solidFill>
               </a:rPr>
-              <a:t>Radius, X- und Z- Koordinaten werden zufällig bestimmt</a:t>
+              <a:t>Radius, X- und Z- Koordinaten werden zufällig bestimmt.</a:t>
             </a:r>
           </a:p>
           <a:p>
@@ -6088,7 +6152,7 @@
           <p:cNvPr id="10" name="Grafik 9">
             <a:extLst>
               <a:ext uri="{FF2B5EF4-FFF2-40B4-BE49-F238E27FC236}">
-                <a16:creationId xmlns:a16="http://schemas.microsoft.com/office/drawing/2014/main" xmlns="" id="{C80419C8-2154-3B7E-495C-8FEEF86DBA52}"/>
+                <a16:creationId xmlns:a16="http://schemas.microsoft.com/office/drawing/2014/main" id="{C80419C8-2154-3B7E-495C-8FEEF86DBA52}"/>
               </a:ext>
             </a:extLst>
           </p:cNvPr>
@@ -6148,7 +6212,7 @@
           <p:cNvPr id="2" name="Titel 1">
             <a:extLst>
               <a:ext uri="{FF2B5EF4-FFF2-40B4-BE49-F238E27FC236}">
-                <a16:creationId xmlns:a16="http://schemas.microsoft.com/office/drawing/2014/main" xmlns="" id="{545D0D62-B21D-A055-6614-7B03445E0D92}"/>
+                <a16:creationId xmlns:a16="http://schemas.microsoft.com/office/drawing/2014/main" id="{545D0D62-B21D-A055-6614-7B03445E0D92}"/>
               </a:ext>
             </a:extLst>
           </p:cNvPr>
@@ -6177,7 +6241,7 @@
           <p:cNvPr id="4" name="Textplatzhalter 3">
             <a:extLst>
               <a:ext uri="{FF2B5EF4-FFF2-40B4-BE49-F238E27FC236}">
-                <a16:creationId xmlns:a16="http://schemas.microsoft.com/office/drawing/2014/main" xmlns="" id="{E04189B0-3DB0-1313-9C40-60F451098045}"/>
+                <a16:creationId xmlns:a16="http://schemas.microsoft.com/office/drawing/2014/main" id="{E04189B0-3DB0-1313-9C40-60F451098045}"/>
               </a:ext>
             </a:extLst>
           </p:cNvPr>
@@ -6191,7 +6255,7 @@
         <p:spPr/>
         <p:txBody>
           <a:bodyPr>
-            <a:normAutofit/>
+            <a:normAutofit fontScale="85000" lnSpcReduction="10000"/>
           </a:bodyPr>
           <a:lstStyle/>
           <a:p>
@@ -6203,7 +6267,7 @@
               <a:buChar char="•"/>
             </a:pPr>
             <a:r>
-              <a:rPr lang="de-DE" dirty="0"/>
+              <a:rPr lang="de-DE" sz="2400" dirty="0"/>
               <a:t>Fokus nur auf die Kugeln</a:t>
             </a:r>
           </a:p>
@@ -6216,7 +6280,7 @@
               <a:buChar char="•"/>
             </a:pPr>
             <a:r>
-              <a:rPr lang="de-DE" dirty="0"/>
+              <a:rPr lang="de-DE" sz="2400" dirty="0"/>
               <a:t>Test, ob die Kugel hinzugefügt werden soll.</a:t>
             </a:r>
           </a:p>
@@ -6229,7 +6293,7 @@
               <a:buChar char="•"/>
             </a:pPr>
             <a:r>
-              <a:rPr lang="de-DE" dirty="0"/>
+              <a:rPr lang="de-DE" sz="2400" dirty="0"/>
               <a:t>Den passenden Index herausfinden.</a:t>
             </a:r>
           </a:p>
@@ -6242,7 +6306,7 @@
               <a:buChar char="•"/>
             </a:pPr>
             <a:r>
-              <a:rPr lang="de-DE" dirty="0"/>
+              <a:rPr lang="de-DE" sz="2400" dirty="0"/>
               <a:t>Objekt wird dann in der Liste des Knotens hinzugefügt.</a:t>
             </a:r>
           </a:p>
@@ -6255,7 +6319,7 @@
               <a:buChar char="•"/>
             </a:pPr>
             <a:r>
-              <a:rPr lang="de-DE" dirty="0"/>
+              <a:rPr lang="de-DE" sz="2400" dirty="0"/>
               <a:t>Verkleinerung der Liste (falls möglich)</a:t>
             </a:r>
           </a:p>
@@ -6280,7 +6344,7 @@
           <p:cNvPr id="5" name="Grafik 4">
             <a:extLst>
               <a:ext uri="{FF2B5EF4-FFF2-40B4-BE49-F238E27FC236}">
-                <a16:creationId xmlns:a16="http://schemas.microsoft.com/office/drawing/2014/main" xmlns="" id="{43ABC439-1E06-5605-1CD4-29DA3DBE3730}"/>
+                <a16:creationId xmlns:a16="http://schemas.microsoft.com/office/drawing/2014/main" id="{43ABC439-1E06-5605-1CD4-29DA3DBE3730}"/>
               </a:ext>
             </a:extLst>
           </p:cNvPr>
@@ -6340,7 +6404,7 @@
           <p:cNvPr id="2" name="Titel 1">
             <a:extLst>
               <a:ext uri="{FF2B5EF4-FFF2-40B4-BE49-F238E27FC236}">
-                <a16:creationId xmlns:a16="http://schemas.microsoft.com/office/drawing/2014/main" xmlns="" id="{545D0D62-B21D-A055-6614-7B03445E0D92}"/>
+                <a16:creationId xmlns:a16="http://schemas.microsoft.com/office/drawing/2014/main" id="{545D0D62-B21D-A055-6614-7B03445E0D92}"/>
               </a:ext>
             </a:extLst>
           </p:cNvPr>
@@ -6366,29 +6430,10 @@
       </p:sp>
       <p:sp>
         <p:nvSpPr>
-          <p:cNvPr id="3" name="Inhaltsplatzhalter 2"/>
-          <p:cNvSpPr>
-            <a:spLocks noGrp="1"/>
-          </p:cNvSpPr>
-          <p:nvPr>
-            <p:ph idx="1"/>
-          </p:nvPr>
-        </p:nvSpPr>
-        <p:spPr/>
-        <p:txBody>
-          <a:bodyPr/>
-          <a:lstStyle/>
-          <a:p>
-            <a:endParaRPr lang="de-DE"/>
-          </a:p>
-        </p:txBody>
-      </p:sp>
-      <p:sp>
-        <p:nvSpPr>
           <p:cNvPr id="4" name="Textplatzhalter 3">
             <a:extLst>
               <a:ext uri="{FF2B5EF4-FFF2-40B4-BE49-F238E27FC236}">
-                <a16:creationId xmlns:a16="http://schemas.microsoft.com/office/drawing/2014/main" xmlns="" id="{E04189B0-3DB0-1313-9C40-60F451098045}"/>
+                <a16:creationId xmlns:a16="http://schemas.microsoft.com/office/drawing/2014/main" id="{E04189B0-3DB0-1313-9C40-60F451098045}"/>
               </a:ext>
             </a:extLst>
           </p:cNvPr>
@@ -6559,7 +6604,7 @@
           <p:cNvPr id="10" name="Grafik 9">
             <a:extLst>
               <a:ext uri="{FF2B5EF4-FFF2-40B4-BE49-F238E27FC236}">
-                <a16:creationId xmlns:a16="http://schemas.microsoft.com/office/drawing/2014/main" xmlns="" id="{F70A7A6B-6C90-00A3-F0DA-965E7E82EF7A}"/>
+                <a16:creationId xmlns:a16="http://schemas.microsoft.com/office/drawing/2014/main" id="{F70A7A6B-6C90-00A3-F0DA-965E7E82EF7A}"/>
               </a:ext>
             </a:extLst>
           </p:cNvPr>
@@ -6619,7 +6664,7 @@
           <p:cNvPr id="2" name="Titel 1">
             <a:extLst>
               <a:ext uri="{FF2B5EF4-FFF2-40B4-BE49-F238E27FC236}">
-                <a16:creationId xmlns:a16="http://schemas.microsoft.com/office/drawing/2014/main" xmlns="" id="{7B516826-9303-4D9D-5880-AAC88D6B1861}"/>
+                <a16:creationId xmlns:a16="http://schemas.microsoft.com/office/drawing/2014/main" id="{7B516826-9303-4D9D-5880-AAC88D6B1861}"/>
               </a:ext>
             </a:extLst>
           </p:cNvPr>
@@ -6652,7 +6697,7 @@
           <p:cNvPr id="4" name="Textplatzhalter 3">
             <a:extLst>
               <a:ext uri="{FF2B5EF4-FFF2-40B4-BE49-F238E27FC236}">
-                <a16:creationId xmlns:a16="http://schemas.microsoft.com/office/drawing/2014/main" xmlns="" id="{9D1ECE94-05FA-CAEB-3F10-9A547D023E47}"/>
+                <a16:creationId xmlns:a16="http://schemas.microsoft.com/office/drawing/2014/main" id="{9D1ECE94-05FA-CAEB-3F10-9A547D023E47}"/>
               </a:ext>
             </a:extLst>
           </p:cNvPr>
@@ -6676,12 +6721,12 @@
               <a:buChar char="•"/>
             </a:pPr>
             <a:r>
-              <a:rPr lang="de-DE" sz="1800" dirty="0">
+              <a:rPr lang="de-DE" sz="2000" dirty="0">
                 <a:solidFill>
                   <a:schemeClr val="bg1"/>
                 </a:solidFill>
               </a:rPr>
-              <a:t>Sehr einfach gehalten, da Kamer nicht bewegt werden kann.</a:t>
+              <a:t>Sehr einfach gehalten, da Kamera nicht bewegt werden kann.</a:t>
             </a:r>
           </a:p>
           <a:p>
@@ -6691,7 +6736,7 @@
               <a:buChar char="•"/>
             </a:pPr>
             <a:r>
-              <a:rPr lang="de-DE" sz="1800" dirty="0">
+              <a:rPr lang="de-DE" sz="2000" dirty="0">
                 <a:solidFill>
                   <a:schemeClr val="bg1"/>
                 </a:solidFill>
@@ -6699,7 +6744,7 @@
               <a:t>Viewing </a:t>
             </a:r>
             <a:r>
-              <a:rPr lang="de-DE" sz="1800" dirty="0" err="1">
+              <a:rPr lang="de-DE" sz="2000" dirty="0" err="1">
                 <a:solidFill>
                   <a:schemeClr val="bg1"/>
                 </a:solidFill>
@@ -6707,7 +6752,7 @@
               <a:t>Frustrum</a:t>
             </a:r>
             <a:r>
-              <a:rPr lang="de-DE" sz="1800" dirty="0">
+              <a:rPr lang="de-DE" sz="2000" dirty="0">
                 <a:solidFill>
                   <a:schemeClr val="bg1"/>
                 </a:solidFill>
@@ -6722,7 +6767,7 @@
               <a:buChar char="•"/>
             </a:pPr>
             <a:r>
-              <a:rPr lang="de-DE" sz="1800" dirty="0">
+              <a:rPr lang="de-DE" sz="2000" dirty="0">
                 <a:solidFill>
                   <a:schemeClr val="bg1"/>
                 </a:solidFill>
@@ -6730,7 +6775,7 @@
               <a:t>Test, ob eine Kugel sich vollständig im Viewing </a:t>
             </a:r>
             <a:r>
-              <a:rPr lang="de-DE" sz="1800" dirty="0" err="1">
+              <a:rPr lang="de-DE" sz="2000" dirty="0" err="1">
                 <a:solidFill>
                   <a:schemeClr val="bg1"/>
                 </a:solidFill>
@@ -6738,7 +6783,7 @@
               <a:t>Frustrum</a:t>
             </a:r>
             <a:r>
-              <a:rPr lang="de-DE" sz="1800" dirty="0">
+              <a:rPr lang="de-DE" sz="2000" dirty="0">
                 <a:solidFill>
                   <a:schemeClr val="bg1"/>
                 </a:solidFill>
@@ -6760,7 +6805,7 @@
           <p:cNvPr id="6" name="Grafik 5">
             <a:extLst>
               <a:ext uri="{FF2B5EF4-FFF2-40B4-BE49-F238E27FC236}">
-                <a16:creationId xmlns:a16="http://schemas.microsoft.com/office/drawing/2014/main" xmlns="" id="{6B6340D3-6EB0-E99F-24C1-06B91FF9410F}"/>
+                <a16:creationId xmlns:a16="http://schemas.microsoft.com/office/drawing/2014/main" id="{6B6340D3-6EB0-E99F-24C1-06B91FF9410F}"/>
               </a:ext>
             </a:extLst>
           </p:cNvPr>
